--- a/Presentación1.pptx
+++ b/Presentación1.pptx
@@ -6,27 +6,28 @@
   </p:sldMasterIdLst>
   <p:sldIdLst>
     <p:sldId id="256" r:id="rId2"/>
-    <p:sldId id="257" r:id="rId3"/>
-    <p:sldId id="258" r:id="rId4"/>
-    <p:sldId id="259" r:id="rId5"/>
-    <p:sldId id="260" r:id="rId6"/>
-    <p:sldId id="261" r:id="rId7"/>
-    <p:sldId id="262" r:id="rId8"/>
-    <p:sldId id="263" r:id="rId9"/>
-    <p:sldId id="264" r:id="rId10"/>
-    <p:sldId id="265" r:id="rId11"/>
-    <p:sldId id="267" r:id="rId12"/>
-    <p:sldId id="266" r:id="rId13"/>
-    <p:sldId id="268" r:id="rId14"/>
-    <p:sldId id="269" r:id="rId15"/>
-    <p:sldId id="270" r:id="rId16"/>
-    <p:sldId id="271" r:id="rId17"/>
-    <p:sldId id="272" r:id="rId18"/>
-    <p:sldId id="273" r:id="rId19"/>
-    <p:sldId id="274" r:id="rId20"/>
-    <p:sldId id="275" r:id="rId21"/>
-    <p:sldId id="276" r:id="rId22"/>
-    <p:sldId id="277" r:id="rId23"/>
+    <p:sldId id="278" r:id="rId3"/>
+    <p:sldId id="257" r:id="rId4"/>
+    <p:sldId id="258" r:id="rId5"/>
+    <p:sldId id="259" r:id="rId6"/>
+    <p:sldId id="260" r:id="rId7"/>
+    <p:sldId id="261" r:id="rId8"/>
+    <p:sldId id="262" r:id="rId9"/>
+    <p:sldId id="263" r:id="rId10"/>
+    <p:sldId id="264" r:id="rId11"/>
+    <p:sldId id="265" r:id="rId12"/>
+    <p:sldId id="267" r:id="rId13"/>
+    <p:sldId id="266" r:id="rId14"/>
+    <p:sldId id="268" r:id="rId15"/>
+    <p:sldId id="269" r:id="rId16"/>
+    <p:sldId id="270" r:id="rId17"/>
+    <p:sldId id="277" r:id="rId18"/>
+    <p:sldId id="271" r:id="rId19"/>
+    <p:sldId id="272" r:id="rId20"/>
+    <p:sldId id="273" r:id="rId21"/>
+    <p:sldId id="274" r:id="rId22"/>
+    <p:sldId id="275" r:id="rId23"/>
+    <p:sldId id="276" r:id="rId24"/>
   </p:sldIdLst>
   <p:sldSz cx="12192000" cy="6858000"/>
   <p:notesSz cx="6858000" cy="9144000"/>
@@ -264,7 +265,7 @@
           <a:p>
             <a:fld id="{DE7E4B93-19DE-4B9F-BB19-70DF9FA94DA8}" type="datetimeFigureOut">
               <a:rPr lang="es-CL" smtClean="0"/>
-              <a:t>18-08-2016</a:t>
+              <a:t>24-08-2016</a:t>
             </a:fld>
             <a:endParaRPr lang="es-CL"/>
           </a:p>
@@ -434,7 +435,7 @@
           <a:p>
             <a:fld id="{DE7E4B93-19DE-4B9F-BB19-70DF9FA94DA8}" type="datetimeFigureOut">
               <a:rPr lang="es-CL" smtClean="0"/>
-              <a:t>18-08-2016</a:t>
+              <a:t>24-08-2016</a:t>
             </a:fld>
             <a:endParaRPr lang="es-CL"/>
           </a:p>
@@ -614,7 +615,7 @@
           <a:p>
             <a:fld id="{DE7E4B93-19DE-4B9F-BB19-70DF9FA94DA8}" type="datetimeFigureOut">
               <a:rPr lang="es-CL" smtClean="0"/>
-              <a:t>18-08-2016</a:t>
+              <a:t>24-08-2016</a:t>
             </a:fld>
             <a:endParaRPr lang="es-CL"/>
           </a:p>
@@ -784,7 +785,7 @@
           <a:p>
             <a:fld id="{DE7E4B93-19DE-4B9F-BB19-70DF9FA94DA8}" type="datetimeFigureOut">
               <a:rPr lang="es-CL" smtClean="0"/>
-              <a:t>18-08-2016</a:t>
+              <a:t>24-08-2016</a:t>
             </a:fld>
             <a:endParaRPr lang="es-CL"/>
           </a:p>
@@ -1030,7 +1031,7 @@
           <a:p>
             <a:fld id="{DE7E4B93-19DE-4B9F-BB19-70DF9FA94DA8}" type="datetimeFigureOut">
               <a:rPr lang="es-CL" smtClean="0"/>
-              <a:t>18-08-2016</a:t>
+              <a:t>24-08-2016</a:t>
             </a:fld>
             <a:endParaRPr lang="es-CL"/>
           </a:p>
@@ -1262,7 +1263,7 @@
           <a:p>
             <a:fld id="{DE7E4B93-19DE-4B9F-BB19-70DF9FA94DA8}" type="datetimeFigureOut">
               <a:rPr lang="es-CL" smtClean="0"/>
-              <a:t>18-08-2016</a:t>
+              <a:t>24-08-2016</a:t>
             </a:fld>
             <a:endParaRPr lang="es-CL"/>
           </a:p>
@@ -1629,7 +1630,7 @@
           <a:p>
             <a:fld id="{DE7E4B93-19DE-4B9F-BB19-70DF9FA94DA8}" type="datetimeFigureOut">
               <a:rPr lang="es-CL" smtClean="0"/>
-              <a:t>18-08-2016</a:t>
+              <a:t>24-08-2016</a:t>
             </a:fld>
             <a:endParaRPr lang="es-CL"/>
           </a:p>
@@ -1747,7 +1748,7 @@
           <a:p>
             <a:fld id="{DE7E4B93-19DE-4B9F-BB19-70DF9FA94DA8}" type="datetimeFigureOut">
               <a:rPr lang="es-CL" smtClean="0"/>
-              <a:t>18-08-2016</a:t>
+              <a:t>24-08-2016</a:t>
             </a:fld>
             <a:endParaRPr lang="es-CL"/>
           </a:p>
@@ -1842,7 +1843,7 @@
           <a:p>
             <a:fld id="{DE7E4B93-19DE-4B9F-BB19-70DF9FA94DA8}" type="datetimeFigureOut">
               <a:rPr lang="es-CL" smtClean="0"/>
-              <a:t>18-08-2016</a:t>
+              <a:t>24-08-2016</a:t>
             </a:fld>
             <a:endParaRPr lang="es-CL"/>
           </a:p>
@@ -2119,7 +2120,7 @@
           <a:p>
             <a:fld id="{DE7E4B93-19DE-4B9F-BB19-70DF9FA94DA8}" type="datetimeFigureOut">
               <a:rPr lang="es-CL" smtClean="0"/>
-              <a:t>18-08-2016</a:t>
+              <a:t>24-08-2016</a:t>
             </a:fld>
             <a:endParaRPr lang="es-CL"/>
           </a:p>
@@ -2372,7 +2373,7 @@
           <a:p>
             <a:fld id="{DE7E4B93-19DE-4B9F-BB19-70DF9FA94DA8}" type="datetimeFigureOut">
               <a:rPr lang="es-CL" smtClean="0"/>
-              <a:t>18-08-2016</a:t>
+              <a:t>24-08-2016</a:t>
             </a:fld>
             <a:endParaRPr lang="es-CL"/>
           </a:p>
@@ -2585,7 +2586,7 @@
           <a:p>
             <a:fld id="{DE7E4B93-19DE-4B9F-BB19-70DF9FA94DA8}" type="datetimeFigureOut">
               <a:rPr lang="es-CL" smtClean="0"/>
-              <a:t>18-08-2016</a:t>
+              <a:t>24-08-2016</a:t>
             </a:fld>
             <a:endParaRPr lang="es-CL"/>
           </a:p>
@@ -3005,7 +3006,7 @@
           <a:bodyPr/>
           <a:lstStyle/>
           <a:p>
-            <a:endParaRPr lang="es-CL"/>
+            <a:endParaRPr lang="es-CL" dirty="0"/>
           </a:p>
         </p:txBody>
       </p:sp>
@@ -3024,7 +3025,7 @@
           <a:bodyPr/>
           <a:lstStyle/>
           <a:p>
-            <a:endParaRPr lang="es-CL"/>
+            <a:endParaRPr lang="es-CL" dirty="0"/>
           </a:p>
         </p:txBody>
       </p:sp>
@@ -3038,6 +3039,13 @@
   <p:clrMapOvr>
     <a:masterClrMapping/>
   </p:clrMapOvr>
+  <p:timing>
+    <p:tnLst>
+      <p:par>
+        <p:cTn id="1" dur="indefinite" restart="never" nodeType="tmRoot"/>
+      </p:par>
+    </p:tnLst>
+  </p:timing>
 </p:sld>
 </file>
 
@@ -3058,78 +3066,125 @@
           <a:chExt cx="0" cy="0"/>
         </a:xfrm>
       </p:grpSpPr>
-      <p:sp>
-        <p:nvSpPr>
-          <p:cNvPr id="2" name="Título 1"/>
-          <p:cNvSpPr>
-            <a:spLocks noGrp="1"/>
-          </p:cNvSpPr>
-          <p:nvPr>
-            <p:ph type="title"/>
-          </p:nvPr>
-        </p:nvSpPr>
-        <p:spPr/>
-        <p:txBody>
-          <a:bodyPr/>
-          <a:lstStyle/>
-          <a:p>
-            <a:r>
-              <a:rPr lang="es-CL" dirty="0" err="1" smtClean="0"/>
-              <a:t>Tag</a:t>
-            </a:r>
-            <a:r>
-              <a:rPr lang="es-CL" dirty="0" smtClean="0"/>
-              <a:t> </a:t>
-            </a:r>
-            <a:r>
-              <a:rPr lang="es-CL" dirty="0" err="1" smtClean="0"/>
-              <a:t>Driven</a:t>
-            </a:r>
-            <a:r>
-              <a:rPr lang="es-CL" dirty="0" smtClean="0"/>
-              <a:t> </a:t>
-            </a:r>
-            <a:r>
-              <a:rPr lang="es-CL" dirty="0" err="1" smtClean="0"/>
-              <a:t>Language</a:t>
-            </a:r>
-            <a:endParaRPr lang="es-CL" dirty="0"/>
-          </a:p>
-        </p:txBody>
-      </p:sp>
+      <mc:AlternateContent xmlns:mc="http://schemas.openxmlformats.org/markup-compatibility/2006">
+        <mc:Choice xmlns:a14="http://schemas.microsoft.com/office/drawing/2010/main" Requires="a14">
+          <p:sp>
+            <p:nvSpPr>
+              <p:cNvPr id="2" name="Título 1"/>
+              <p:cNvSpPr>
+                <a:spLocks noGrp="1"/>
+              </p:cNvSpPr>
+              <p:nvPr>
+                <p:ph type="title"/>
+              </p:nvPr>
+            </p:nvSpPr>
+            <p:spPr>
+              <a:xfrm>
+                <a:off x="667265" y="314727"/>
+                <a:ext cx="10515600" cy="1325563"/>
+              </a:xfrm>
+            </p:spPr>
+            <p:txBody>
+              <a:bodyPr/>
+              <a:lstStyle/>
+              <a:p>
+                <a14:m>
+                  <m:oMath xmlns:m="http://schemas.openxmlformats.org/officeDocument/2006/math">
+                    <m:sSub>
+                      <m:sSubPr>
+                        <m:ctrlPr>
+                          <a:rPr lang="en-US" i="1">
+                            <a:latin typeface="Cambria Math" panose="02040503050406030204" pitchFamily="18" charset="0"/>
+                          </a:rPr>
+                        </m:ctrlPr>
+                      </m:sSubPr>
+                      <m:e>
+                        <m:r>
+                          <m:rPr>
+                            <m:nor/>
+                          </m:rPr>
+                          <a:rPr lang="el-GR" dirty="0"/>
+                          <m:t>λ</m:t>
+                        </m:r>
+                        <m:r>
+                          <m:rPr>
+                            <m:nor/>
+                          </m:rPr>
+                          <a:rPr lang="en-US" dirty="0"/>
+                          <m:t>\</m:t>
+                        </m:r>
+                      </m:e>
+                      <m:sub>
+                        <m:r>
+                          <a:rPr lang="en-US" i="1">
+                            <a:latin typeface="Cambria Math" panose="02040503050406030204" pitchFamily="18" charset="0"/>
+                          </a:rPr>
+                          <m:t>𝑠</m:t>
+                        </m:r>
+                      </m:sub>
+                    </m:sSub>
+                  </m:oMath>
+                </a14:m>
+                <a:r>
+                  <a:rPr lang="en-US" dirty="0"/>
+                  <a:t>-</a:t>
+                </a:r>
+                <a:r>
+                  <a:rPr lang="en-US" dirty="0"/>
+                  <a:t>calculus</a:t>
+                </a:r>
+                <a:endParaRPr lang="es-CL" dirty="0"/>
+              </a:p>
+            </p:txBody>
+          </p:sp>
+        </mc:Choice>
+        <mc:Fallback>
+          <p:sp>
+            <p:nvSpPr>
+              <p:cNvPr id="2" name="Título 1"/>
+              <p:cNvSpPr>
+                <a:spLocks noGrp="1" noRot="1" noChangeAspect="1" noMove="1" noResize="1" noEditPoints="1" noAdjustHandles="1" noChangeArrowheads="1" noChangeShapeType="1" noTextEdit="1"/>
+              </p:cNvSpPr>
+              <p:nvPr>
+                <p:ph type="title"/>
+              </p:nvPr>
+            </p:nvSpPr>
+            <p:spPr>
+              <a:xfrm>
+                <a:off x="667265" y="314727"/>
+                <a:ext cx="10515600" cy="1325563"/>
+              </a:xfrm>
+              <a:blipFill rotWithShape="0">
+                <a:blip r:embed="rId2"/>
+                <a:stretch>
+                  <a:fillRect/>
+                </a:stretch>
+              </a:blipFill>
+            </p:spPr>
+            <p:txBody>
+              <a:bodyPr/>
+              <a:lstStyle/>
+              <a:p>
+                <a:r>
+                  <a:rPr lang="es-CL">
+                    <a:noFill/>
+                  </a:rPr>
+                  <a:t> </a:t>
+                </a:r>
+              </a:p>
+            </p:txBody>
+          </p:sp>
+        </mc:Fallback>
+      </mc:AlternateContent>
       <p:pic>
         <p:nvPicPr>
-          <p:cNvPr id="9" name="Marcador de contenido 8"/>
+          <p:cNvPr id="4" name="Marcador de contenido 3"/>
           <p:cNvPicPr>
             <a:picLocks noGrp="1" noChangeAspect="1"/>
           </p:cNvPicPr>
           <p:nvPr>
             <p:ph idx="1"/>
           </p:nvPr>
-        </p:nvPicPr>
-        <p:blipFill>
-          <a:blip r:embed="rId2"/>
-          <a:stretch>
-            <a:fillRect/>
-          </a:stretch>
-        </p:blipFill>
-        <p:spPr>
-          <a:xfrm>
-            <a:off x="-381000" y="1580914"/>
-            <a:ext cx="6477000" cy="3390900"/>
-          </a:xfrm>
-          <a:prstGeom prst="rect">
-            <a:avLst/>
-          </a:prstGeom>
-        </p:spPr>
-      </p:pic>
-      <p:pic>
-        <p:nvPicPr>
-          <p:cNvPr id="10" name="Imagen 9"/>
-          <p:cNvPicPr>
-            <a:picLocks noChangeAspect="1"/>
-          </p:cNvPicPr>
-          <p:nvPr/>
         </p:nvPicPr>
         <p:blipFill>
           <a:blip r:embed="rId3"/>
@@ -3139,18 +3194,106 @@
         </p:blipFill>
         <p:spPr>
           <a:xfrm>
-            <a:off x="5814755" y="1160891"/>
-            <a:ext cx="5648325" cy="4733925"/>
+            <a:off x="3695700" y="2243931"/>
+            <a:ext cx="4800600" cy="3514725"/>
           </a:xfrm>
           <a:prstGeom prst="rect">
             <a:avLst/>
           </a:prstGeom>
         </p:spPr>
       </p:pic>
+      <p:sp>
+        <p:nvSpPr>
+          <p:cNvPr id="10" name="Rectángulo 9"/>
+          <p:cNvSpPr/>
+          <p:nvPr/>
+        </p:nvSpPr>
+        <p:spPr>
+          <a:xfrm>
+            <a:off x="4159851" y="2458994"/>
+            <a:ext cx="4100898" cy="234779"/>
+          </a:xfrm>
+          <a:prstGeom prst="rect">
+            <a:avLst/>
+          </a:prstGeom>
+          <a:noFill/>
+          <a:ln>
+            <a:solidFill>
+              <a:srgbClr val="FF0000"/>
+            </a:solidFill>
+          </a:ln>
+        </p:spPr>
+        <p:style>
+          <a:lnRef idx="2">
+            <a:schemeClr val="accent2"/>
+          </a:lnRef>
+          <a:fillRef idx="1">
+            <a:schemeClr val="lt1"/>
+          </a:fillRef>
+          <a:effectRef idx="0">
+            <a:schemeClr val="accent2"/>
+          </a:effectRef>
+          <a:fontRef idx="minor">
+            <a:schemeClr val="dk1"/>
+          </a:fontRef>
+        </p:style>
+        <p:txBody>
+          <a:bodyPr rtlCol="0" anchor="ctr"/>
+          <a:lstStyle/>
+          <a:p>
+            <a:pPr algn="ctr"/>
+            <a:endParaRPr lang="es-CL"/>
+          </a:p>
+        </p:txBody>
+      </p:sp>
+      <p:sp>
+        <p:nvSpPr>
+          <p:cNvPr id="11" name="Rectángulo 10"/>
+          <p:cNvSpPr/>
+          <p:nvPr/>
+        </p:nvSpPr>
+        <p:spPr>
+          <a:xfrm>
+            <a:off x="5321643" y="4547288"/>
+            <a:ext cx="2866768" cy="255372"/>
+          </a:xfrm>
+          <a:prstGeom prst="rect">
+            <a:avLst/>
+          </a:prstGeom>
+          <a:noFill/>
+          <a:ln>
+            <a:solidFill>
+              <a:srgbClr val="FF0000"/>
+            </a:solidFill>
+          </a:ln>
+        </p:spPr>
+        <p:style>
+          <a:lnRef idx="2">
+            <a:schemeClr val="accent2"/>
+          </a:lnRef>
+          <a:fillRef idx="1">
+            <a:schemeClr val="lt1"/>
+          </a:fillRef>
+          <a:effectRef idx="0">
+            <a:schemeClr val="accent2"/>
+          </a:effectRef>
+          <a:fontRef idx="minor">
+            <a:schemeClr val="dk1"/>
+          </a:fontRef>
+        </p:style>
+        <p:txBody>
+          <a:bodyPr rtlCol="0" anchor="ctr"/>
+          <a:lstStyle/>
+          <a:p>
+            <a:pPr algn="ctr"/>
+            <a:endParaRPr lang="es-CL"/>
+          </a:p>
+        </p:txBody>
+      </p:sp>
     </p:spTree>
     <p:extLst>
       <p:ext uri="{BB962C8B-B14F-4D97-AF65-F5344CB8AC3E}">
-        <p14:creationId xmlns:p14="http://schemas.microsoft.com/office/powerpoint/2010/main" val="2904636037"/>
+        <p14:creationId xmlns:p14="http://schemas.microsoft.com/office/powerpoint/2010/main" val="2511990650"/>
       </p:ext>
     </p:extLst>
   </p:cSld>
@@ -3184,48 +3327,110 @@
           <a:chExt cx="0" cy="0"/>
         </a:xfrm>
       </p:grpSpPr>
-      <p:sp>
-        <p:nvSpPr>
-          <p:cNvPr id="2" name="Título 1"/>
-          <p:cNvSpPr>
-            <a:spLocks noGrp="1"/>
-          </p:cNvSpPr>
-          <p:nvPr>
-            <p:ph type="title"/>
-          </p:nvPr>
-        </p:nvSpPr>
-        <p:spPr/>
-        <p:txBody>
-          <a:bodyPr/>
-          <a:lstStyle/>
-          <a:p>
-            <a:r>
-              <a:rPr lang="es-CL" dirty="0" err="1" smtClean="0"/>
-              <a:t>Tag</a:t>
-            </a:r>
-            <a:r>
-              <a:rPr lang="es-CL" dirty="0" smtClean="0"/>
-              <a:t> </a:t>
-            </a:r>
-            <a:r>
-              <a:rPr lang="es-CL" dirty="0" err="1" smtClean="0"/>
-              <a:t>Driven</a:t>
-            </a:r>
-            <a:r>
-              <a:rPr lang="es-CL" dirty="0" smtClean="0"/>
-              <a:t> </a:t>
-            </a:r>
-            <a:r>
-              <a:rPr lang="es-CL" dirty="0" err="1" smtClean="0"/>
-              <a:t>Language</a:t>
-            </a:r>
-            <a:endParaRPr lang="es-CL" dirty="0"/>
-          </a:p>
-        </p:txBody>
-      </p:sp>
+      <mc:AlternateContent xmlns:mc="http://schemas.openxmlformats.org/markup-compatibility/2006">
+        <mc:Choice xmlns:a14="http://schemas.microsoft.com/office/drawing/2010/main" Requires="a14">
+          <p:sp>
+            <p:nvSpPr>
+              <p:cNvPr id="2" name="Título 1"/>
+              <p:cNvSpPr>
+                <a:spLocks noGrp="1"/>
+              </p:cNvSpPr>
+              <p:nvPr>
+                <p:ph type="title"/>
+              </p:nvPr>
+            </p:nvSpPr>
+            <p:spPr/>
+            <p:txBody>
+              <a:bodyPr/>
+              <a:lstStyle/>
+              <a:p>
+                <a14:m>
+                  <m:oMath xmlns:m="http://schemas.openxmlformats.org/officeDocument/2006/math">
+                    <m:sSub>
+                      <m:sSubPr>
+                        <m:ctrlPr>
+                          <a:rPr lang="en-US" i="1">
+                            <a:latin typeface="Cambria Math" panose="02040503050406030204" pitchFamily="18" charset="0"/>
+                          </a:rPr>
+                        </m:ctrlPr>
+                      </m:sSubPr>
+                      <m:e>
+                        <m:r>
+                          <m:rPr>
+                            <m:nor/>
+                          </m:rPr>
+                          <a:rPr lang="el-GR" dirty="0"/>
+                          <m:t>λ</m:t>
+                        </m:r>
+                        <m:r>
+                          <m:rPr>
+                            <m:nor/>
+                          </m:rPr>
+                          <a:rPr lang="en-US" dirty="0"/>
+                          <m:t>\</m:t>
+                        </m:r>
+                      </m:e>
+                      <m:sub>
+                        <m:r>
+                          <a:rPr lang="en-US" i="1">
+                            <a:latin typeface="Cambria Math" panose="02040503050406030204" pitchFamily="18" charset="0"/>
+                          </a:rPr>
+                          <m:t>𝑠</m:t>
+                        </m:r>
+                      </m:sub>
+                    </m:sSub>
+                  </m:oMath>
+                </a14:m>
+                <a:r>
+                  <a:rPr lang="en-US" dirty="0"/>
+                  <a:t>-</a:t>
+                </a:r>
+                <a:r>
+                  <a:rPr lang="en-US" dirty="0"/>
+                  <a:t>calculus</a:t>
+                </a:r>
+                <a:endParaRPr lang="es-CL" dirty="0"/>
+              </a:p>
+            </p:txBody>
+          </p:sp>
+        </mc:Choice>
+        <mc:Fallback>
+          <p:sp>
+            <p:nvSpPr>
+              <p:cNvPr id="2" name="Título 1"/>
+              <p:cNvSpPr>
+                <a:spLocks noGrp="1" noRot="1" noChangeAspect="1" noMove="1" noResize="1" noEditPoints="1" noAdjustHandles="1" noChangeArrowheads="1" noChangeShapeType="1" noTextEdit="1"/>
+              </p:cNvSpPr>
+              <p:nvPr>
+                <p:ph type="title"/>
+              </p:nvPr>
+            </p:nvSpPr>
+            <p:spPr>
+              <a:blipFill rotWithShape="0">
+                <a:blip r:embed="rId2"/>
+                <a:stretch>
+                  <a:fillRect/>
+                </a:stretch>
+              </a:blipFill>
+            </p:spPr>
+            <p:txBody>
+              <a:bodyPr/>
+              <a:lstStyle/>
+              <a:p>
+                <a:r>
+                  <a:rPr lang="es-CL">
+                    <a:noFill/>
+                  </a:rPr>
+                  <a:t> </a:t>
+                </a:r>
+              </a:p>
+            </p:txBody>
+          </p:sp>
+        </mc:Fallback>
+      </mc:AlternateContent>
       <p:pic>
         <p:nvPicPr>
-          <p:cNvPr id="4" name="Marcador de contenido 3"/>
+          <p:cNvPr id="17" name="Marcador de contenido 16"/>
           <p:cNvPicPr>
             <a:picLocks noGrp="1" noChangeAspect="1"/>
           </p:cNvPicPr>
@@ -3234,25 +3439,93 @@
           </p:nvPr>
         </p:nvPicPr>
         <p:blipFill>
-          <a:blip r:embed="rId2"/>
+          <a:blip r:embed="rId3"/>
           <a:stretch>
             <a:fillRect/>
           </a:stretch>
         </p:blipFill>
         <p:spPr>
           <a:xfrm>
-            <a:off x="3792129" y="1825625"/>
-            <a:ext cx="4607742" cy="4351338"/>
+            <a:off x="412793" y="1950072"/>
+            <a:ext cx="4924425" cy="3048000"/>
           </a:xfrm>
           <a:prstGeom prst="rect">
             <a:avLst/>
           </a:prstGeom>
         </p:spPr>
       </p:pic>
+      <p:pic>
+        <p:nvPicPr>
+          <p:cNvPr id="18" name="Imagen 17"/>
+          <p:cNvPicPr>
+            <a:picLocks noChangeAspect="1"/>
+          </p:cNvPicPr>
+          <p:nvPr/>
+        </p:nvPicPr>
+        <p:blipFill>
+          <a:blip r:embed="rId4"/>
+          <a:stretch>
+            <a:fillRect/>
+          </a:stretch>
+        </p:blipFill>
+        <p:spPr>
+          <a:xfrm>
+            <a:off x="5559382" y="1027906"/>
+            <a:ext cx="5686425" cy="4781550"/>
+          </a:xfrm>
+          <a:prstGeom prst="rect">
+            <a:avLst/>
+          </a:prstGeom>
+        </p:spPr>
+      </p:pic>
+      <p:sp>
+        <p:nvSpPr>
+          <p:cNvPr id="19" name="Rectángulo 18"/>
+          <p:cNvSpPr/>
+          <p:nvPr/>
+        </p:nvSpPr>
+        <p:spPr>
+          <a:xfrm>
+            <a:off x="6268994" y="3043880"/>
+            <a:ext cx="4720281" cy="654909"/>
+          </a:xfrm>
+          <a:prstGeom prst="rect">
+            <a:avLst/>
+          </a:prstGeom>
+          <a:noFill/>
+          <a:ln>
+            <a:solidFill>
+              <a:srgbClr val="FF0000"/>
+            </a:solidFill>
+          </a:ln>
+        </p:spPr>
+        <p:style>
+          <a:lnRef idx="2">
+            <a:schemeClr val="accent2"/>
+          </a:lnRef>
+          <a:fillRef idx="1">
+            <a:schemeClr val="lt1"/>
+          </a:fillRef>
+          <a:effectRef idx="0">
+            <a:schemeClr val="accent2"/>
+          </a:effectRef>
+          <a:fontRef idx="minor">
+            <a:schemeClr val="dk1"/>
+          </a:fontRef>
+        </p:style>
+        <p:txBody>
+          <a:bodyPr rtlCol="0" anchor="ctr"/>
+          <a:lstStyle/>
+          <a:p>
+            <a:pPr algn="ctr"/>
+            <a:endParaRPr lang="es-CL"/>
+          </a:p>
+        </p:txBody>
+      </p:sp>
     </p:spTree>
     <p:extLst>
       <p:ext uri="{BB962C8B-B14F-4D97-AF65-F5344CB8AC3E}">
-        <p14:creationId xmlns:p14="http://schemas.microsoft.com/office/powerpoint/2010/main" val="3455491763"/>
+        <p14:creationId xmlns:p14="http://schemas.microsoft.com/office/powerpoint/2010/main" val="2904636037"/>
       </p:ext>
     </p:extLst>
   </p:cSld>
@@ -3270,7 +3543,7 @@
 </file>
 
 <file path=ppt/slides/slide12.xml><?xml version="1.0" encoding="utf-8"?>
-<p:sld xmlns:a="http://schemas.openxmlformats.org/drawingml/2006/main" xmlns:r="http://schemas.openxmlformats.org/officeDocument/2006/relationships" xmlns:p="http://schemas.openxmlformats.org/presentationml/2006/main">
+<p:sld xmlns:a="http://schemas.openxmlformats.org/drawingml/2006/main" xmlns:r="http://schemas.openxmlformats.org/officeDocument/2006/relationships" xmlns:p="http://schemas.openxmlformats.org/presentationml/2006/main" show="0">
   <p:cSld>
     <p:spTree>
       <p:nvGrpSpPr>
@@ -3286,67 +3559,116 @@
           <a:chExt cx="0" cy="0"/>
         </a:xfrm>
       </p:grpSpPr>
-      <p:sp>
-        <p:nvSpPr>
-          <p:cNvPr id="2" name="Título 1"/>
-          <p:cNvSpPr>
-            <a:spLocks noGrp="1"/>
-          </p:cNvSpPr>
-          <p:nvPr>
-            <p:ph type="title"/>
-          </p:nvPr>
-        </p:nvSpPr>
-        <p:spPr>
-          <a:xfrm>
-            <a:off x="879389" y="117990"/>
-            <a:ext cx="10515600" cy="1325563"/>
-          </a:xfrm>
-        </p:spPr>
-        <p:txBody>
-          <a:bodyPr/>
-          <a:lstStyle/>
-          <a:p>
-            <a:r>
-              <a:rPr lang="en-US" dirty="0"/>
-              <a:t>Tag Driven Language with ascription</a:t>
-            </a:r>
-            <a:endParaRPr lang="es-CL" dirty="0"/>
-          </a:p>
-        </p:txBody>
-      </p:sp>
+      <mc:AlternateContent xmlns:mc="http://schemas.openxmlformats.org/markup-compatibility/2006">
+        <mc:Choice xmlns:a14="http://schemas.microsoft.com/office/drawing/2010/main" Requires="a14">
+          <p:sp>
+            <p:nvSpPr>
+              <p:cNvPr id="2" name="Título 1"/>
+              <p:cNvSpPr>
+                <a:spLocks noGrp="1"/>
+              </p:cNvSpPr>
+              <p:nvPr>
+                <p:ph type="title"/>
+              </p:nvPr>
+            </p:nvSpPr>
+            <p:spPr/>
+            <p:txBody>
+              <a:bodyPr/>
+              <a:lstStyle/>
+              <a:p>
+                <a14:m>
+                  <m:oMath xmlns:m="http://schemas.openxmlformats.org/officeDocument/2006/math">
+                    <m:sSub>
+                      <m:sSubPr>
+                        <m:ctrlPr>
+                          <a:rPr lang="en-US" i="1">
+                            <a:latin typeface="Cambria Math" panose="02040503050406030204" pitchFamily="18" charset="0"/>
+                          </a:rPr>
+                        </m:ctrlPr>
+                      </m:sSubPr>
+                      <m:e>
+                        <m:r>
+                          <m:rPr>
+                            <m:nor/>
+                          </m:rPr>
+                          <a:rPr lang="el-GR" dirty="0"/>
+                          <m:t>λ</m:t>
+                        </m:r>
+                        <m:r>
+                          <m:rPr>
+                            <m:nor/>
+                          </m:rPr>
+                          <a:rPr lang="en-US" dirty="0"/>
+                          <m:t>\</m:t>
+                        </m:r>
+                      </m:e>
+                      <m:sub>
+                        <m:r>
+                          <a:rPr lang="en-US" i="1">
+                            <a:latin typeface="Cambria Math" panose="02040503050406030204" pitchFamily="18" charset="0"/>
+                          </a:rPr>
+                          <m:t>𝑠</m:t>
+                        </m:r>
+                      </m:sub>
+                    </m:sSub>
+                  </m:oMath>
+                </a14:m>
+                <a:r>
+                  <a:rPr lang="en-US" dirty="0"/>
+                  <a:t>-</a:t>
+                </a:r>
+                <a:r>
+                  <a:rPr lang="en-US" dirty="0"/>
+                  <a:t>calculus</a:t>
+                </a:r>
+                <a:endParaRPr lang="es-CL" dirty="0"/>
+              </a:p>
+            </p:txBody>
+          </p:sp>
+        </mc:Choice>
+        <mc:Fallback>
+          <p:sp>
+            <p:nvSpPr>
+              <p:cNvPr id="2" name="Título 1"/>
+              <p:cNvSpPr>
+                <a:spLocks noGrp="1" noRot="1" noChangeAspect="1" noMove="1" noResize="1" noEditPoints="1" noAdjustHandles="1" noChangeArrowheads="1" noChangeShapeType="1" noTextEdit="1"/>
+              </p:cNvSpPr>
+              <p:nvPr>
+                <p:ph type="title"/>
+              </p:nvPr>
+            </p:nvSpPr>
+            <p:spPr>
+              <a:blipFill rotWithShape="0">
+                <a:blip r:embed="rId2"/>
+                <a:stretch>
+                  <a:fillRect/>
+                </a:stretch>
+              </a:blipFill>
+            </p:spPr>
+            <p:txBody>
+              <a:bodyPr/>
+              <a:lstStyle/>
+              <a:p>
+                <a:r>
+                  <a:rPr lang="es-CL">
+                    <a:noFill/>
+                  </a:rPr>
+                  <a:t> </a:t>
+                </a:r>
+              </a:p>
+            </p:txBody>
+          </p:sp>
+        </mc:Fallback>
+      </mc:AlternateContent>
       <p:pic>
         <p:nvPicPr>
-          <p:cNvPr id="4" name="Marcador de contenido 3"/>
+          <p:cNvPr id="5" name="Marcador de contenido 4"/>
           <p:cNvPicPr>
             <a:picLocks noGrp="1" noChangeAspect="1"/>
           </p:cNvPicPr>
           <p:nvPr>
             <p:ph idx="1"/>
           </p:nvPr>
-        </p:nvPicPr>
-        <p:blipFill>
-          <a:blip r:embed="rId2"/>
-          <a:stretch>
-            <a:fillRect/>
-          </a:stretch>
-        </p:blipFill>
-        <p:spPr>
-          <a:xfrm>
-            <a:off x="7035114" y="1046204"/>
-            <a:ext cx="5008605" cy="5155471"/>
-          </a:xfrm>
-          <a:prstGeom prst="rect">
-            <a:avLst/>
-          </a:prstGeom>
-        </p:spPr>
-      </p:pic>
-      <p:pic>
-        <p:nvPicPr>
-          <p:cNvPr id="6" name="Imagen 5"/>
-          <p:cNvPicPr>
-            <a:picLocks noChangeAspect="1"/>
-          </p:cNvPicPr>
-          <p:nvPr/>
         </p:nvPicPr>
         <p:blipFill>
           <a:blip r:embed="rId3"/>
@@ -3356,24 +3678,78 @@
         </p:blipFill>
         <p:spPr>
           <a:xfrm>
-            <a:off x="347277" y="1988665"/>
-            <a:ext cx="7219950" cy="3028950"/>
+            <a:off x="3787437" y="1825625"/>
+            <a:ext cx="4617126" cy="4351338"/>
           </a:xfrm>
           <a:prstGeom prst="rect">
             <a:avLst/>
           </a:prstGeom>
         </p:spPr>
       </p:pic>
+      <p:sp>
+        <p:nvSpPr>
+          <p:cNvPr id="6" name="Flecha derecha 5"/>
+          <p:cNvSpPr/>
+          <p:nvPr/>
+        </p:nvSpPr>
+        <p:spPr>
+          <a:xfrm>
+            <a:off x="1977080" y="4679092"/>
+            <a:ext cx="1960606" cy="428367"/>
+          </a:xfrm>
+          <a:prstGeom prst="rightArrow">
+            <a:avLst/>
+          </a:prstGeom>
+          <a:noFill/>
+          <a:ln>
+            <a:solidFill>
+              <a:srgbClr val="FF0000"/>
+            </a:solidFill>
+          </a:ln>
+        </p:spPr>
+        <p:style>
+          <a:lnRef idx="2">
+            <a:schemeClr val="accent1">
+              <a:shade val="50000"/>
+            </a:schemeClr>
+          </a:lnRef>
+          <a:fillRef idx="1">
+            <a:schemeClr val="accent1"/>
+          </a:fillRef>
+          <a:effectRef idx="0">
+            <a:schemeClr val="accent1"/>
+          </a:effectRef>
+          <a:fontRef idx="minor">
+            <a:schemeClr val="lt1"/>
+          </a:fontRef>
+        </p:style>
+        <p:txBody>
+          <a:bodyPr rtlCol="0" anchor="ctr"/>
+          <a:lstStyle/>
+          <a:p>
+            <a:pPr algn="ctr"/>
+            <a:endParaRPr lang="es-CL"/>
+          </a:p>
+        </p:txBody>
+      </p:sp>
     </p:spTree>
     <p:extLst>
       <p:ext uri="{BB962C8B-B14F-4D97-AF65-F5344CB8AC3E}">
-        <p14:creationId xmlns:p14="http://schemas.microsoft.com/office/powerpoint/2010/main" val="356539637"/>
+        <p14:creationId xmlns:p14="http://schemas.microsoft.com/office/powerpoint/2010/main" val="3455491763"/>
       </p:ext>
     </p:extLst>
   </p:cSld>
   <p:clrMapOvr>
     <a:masterClrMapping/>
   </p:clrMapOvr>
+  <mc:AlternateContent xmlns:mc="http://schemas.openxmlformats.org/markup-compatibility/2006">
+    <mc:Choice xmlns:p14="http://schemas.microsoft.com/office/powerpoint/2010/main" Requires="p14">
+      <p:transition spd="slow" p14:dur="2000"/>
+    </mc:Choice>
+    <mc:Fallback>
+      <p:transition spd="slow"/>
+    </mc:Fallback>
+  </mc:AlternateContent>
   <p:timing>
     <p:tnLst>
       <p:par>
@@ -3401,37 +3777,309 @@
           <a:chExt cx="0" cy="0"/>
         </a:xfrm>
       </p:grpSpPr>
-      <p:sp>
-        <p:nvSpPr>
-          <p:cNvPr id="2" name="Título 1"/>
-          <p:cNvSpPr>
-            <a:spLocks noGrp="1"/>
-          </p:cNvSpPr>
+      <mc:AlternateContent xmlns:mc="http://schemas.openxmlformats.org/markup-compatibility/2006">
+        <mc:Choice xmlns:a14="http://schemas.microsoft.com/office/drawing/2010/main" Requires="a14">
+          <p:sp>
+            <p:nvSpPr>
+              <p:cNvPr id="2" name="Título 1"/>
+              <p:cNvSpPr>
+                <a:spLocks noGrp="1"/>
+              </p:cNvSpPr>
+              <p:nvPr>
+                <p:ph type="title"/>
+              </p:nvPr>
+            </p:nvSpPr>
+            <p:spPr>
+              <a:xfrm>
+                <a:off x="879389" y="117990"/>
+                <a:ext cx="10515600" cy="1325563"/>
+              </a:xfrm>
+            </p:spPr>
+            <p:txBody>
+              <a:bodyPr/>
+              <a:lstStyle/>
+              <a:p>
+                <a14:m>
+                  <m:oMath xmlns:m="http://schemas.openxmlformats.org/officeDocument/2006/math">
+                    <m:sSub>
+                      <m:sSubPr>
+                        <m:ctrlPr>
+                          <a:rPr lang="en-US" i="1">
+                            <a:latin typeface="Cambria Math" panose="02040503050406030204" pitchFamily="18" charset="0"/>
+                          </a:rPr>
+                        </m:ctrlPr>
+                      </m:sSubPr>
+                      <m:e>
+                        <m:r>
+                          <m:rPr>
+                            <m:nor/>
+                          </m:rPr>
+                          <a:rPr lang="el-GR" dirty="0"/>
+                          <m:t>λ</m:t>
+                        </m:r>
+                        <m:r>
+                          <m:rPr>
+                            <m:nor/>
+                          </m:rPr>
+                          <a:rPr lang="en-US" dirty="0"/>
+                          <m:t>\</m:t>
+                        </m:r>
+                      </m:e>
+                      <m:sub>
+                        <m:r>
+                          <a:rPr lang="en-US" i="1">
+                            <a:latin typeface="Cambria Math" panose="02040503050406030204" pitchFamily="18" charset="0"/>
+                          </a:rPr>
+                          <m:t>𝑠</m:t>
+                        </m:r>
+                      </m:sub>
+                    </m:sSub>
+                  </m:oMath>
+                </a14:m>
+                <a:r>
+                  <a:rPr lang="en-US" dirty="0"/>
+                  <a:t>-</a:t>
+                </a:r>
+                <a:r>
+                  <a:rPr lang="en-US" dirty="0" smtClean="0"/>
+                  <a:t>calculus with </a:t>
+                </a:r>
+                <a:r>
+                  <a:rPr lang="en-US" dirty="0"/>
+                  <a:t>ascription</a:t>
+                </a:r>
+                <a:endParaRPr lang="es-CL" dirty="0"/>
+              </a:p>
+            </p:txBody>
+          </p:sp>
+        </mc:Choice>
+        <mc:Fallback>
+          <p:sp>
+            <p:nvSpPr>
+              <p:cNvPr id="2" name="Título 1"/>
+              <p:cNvSpPr>
+                <a:spLocks noGrp="1" noRot="1" noChangeAspect="1" noMove="1" noResize="1" noEditPoints="1" noAdjustHandles="1" noChangeArrowheads="1" noChangeShapeType="1" noTextEdit="1"/>
+              </p:cNvSpPr>
+              <p:nvPr>
+                <p:ph type="title"/>
+              </p:nvPr>
+            </p:nvSpPr>
+            <p:spPr>
+              <a:xfrm>
+                <a:off x="879389" y="117990"/>
+                <a:ext cx="10515600" cy="1325563"/>
+              </a:xfrm>
+              <a:blipFill rotWithShape="0">
+                <a:blip r:embed="rId2"/>
+                <a:stretch>
+                  <a:fillRect/>
+                </a:stretch>
+              </a:blipFill>
+            </p:spPr>
+            <p:txBody>
+              <a:bodyPr/>
+              <a:lstStyle/>
+              <a:p>
+                <a:r>
+                  <a:rPr lang="es-CL">
+                    <a:noFill/>
+                  </a:rPr>
+                  <a:t> </a:t>
+                </a:r>
+              </a:p>
+            </p:txBody>
+          </p:sp>
+        </mc:Fallback>
+      </mc:AlternateContent>
+      <p:pic>
+        <p:nvPicPr>
+          <p:cNvPr id="5" name="Imagen 4"/>
+          <p:cNvPicPr>
+            <a:picLocks noChangeAspect="1"/>
+          </p:cNvPicPr>
+          <p:nvPr/>
+        </p:nvPicPr>
+        <p:blipFill>
+          <a:blip r:embed="rId3"/>
+          <a:stretch>
+            <a:fillRect/>
+          </a:stretch>
+        </p:blipFill>
+        <p:spPr>
+          <a:xfrm>
+            <a:off x="383574" y="1748094"/>
+            <a:ext cx="5295900" cy="3114675"/>
+          </a:xfrm>
+          <a:prstGeom prst="rect">
+            <a:avLst/>
+          </a:prstGeom>
+        </p:spPr>
+      </p:pic>
+      <p:pic>
+        <p:nvPicPr>
+          <p:cNvPr id="8" name="Marcador de contenido 7"/>
+          <p:cNvPicPr>
+            <a:picLocks noGrp="1" noChangeAspect="1"/>
+          </p:cNvPicPr>
           <p:nvPr>
-            <p:ph type="title"/>
+            <p:ph idx="1"/>
           </p:nvPr>
-        </p:nvSpPr>
-        <p:spPr/>
-        <p:txBody>
-          <a:bodyPr/>
-          <a:lstStyle/>
-          <a:p>
-            <a:r>
-              <a:rPr lang="es-CL" dirty="0" err="1"/>
-              <a:t>Strict</a:t>
-            </a:r>
-            <a:r>
-              <a:rPr lang="es-CL" dirty="0"/>
-              <a:t> </a:t>
-            </a:r>
-            <a:r>
-              <a:rPr lang="es-CL" dirty="0" err="1"/>
-              <a:t>Language</a:t>
-            </a:r>
-            <a:endParaRPr lang="es-CL" dirty="0"/>
-          </a:p>
-        </p:txBody>
-      </p:sp>
+        </p:nvPicPr>
+        <p:blipFill>
+          <a:blip r:embed="rId4"/>
+          <a:stretch>
+            <a:fillRect/>
+          </a:stretch>
+        </p:blipFill>
+        <p:spPr>
+          <a:xfrm>
+            <a:off x="7059827" y="889686"/>
+            <a:ext cx="4258962" cy="5329881"/>
+          </a:xfrm>
+          <a:prstGeom prst="rect">
+            <a:avLst/>
+          </a:prstGeom>
+        </p:spPr>
+      </p:pic>
+    </p:spTree>
+    <p:extLst>
+      <p:ext uri="{BB962C8B-B14F-4D97-AF65-F5344CB8AC3E}">
+        <p14:creationId xmlns:p14="http://schemas.microsoft.com/office/powerpoint/2010/main" val="356539637"/>
+      </p:ext>
+    </p:extLst>
+  </p:cSld>
+  <p:clrMapOvr>
+    <a:masterClrMapping/>
+  </p:clrMapOvr>
+  <p:timing>
+    <p:tnLst>
+      <p:par>
+        <p:cTn id="1" dur="indefinite" restart="never" nodeType="tmRoot"/>
+      </p:par>
+    </p:tnLst>
+  </p:timing>
+</p:sld>
+</file>
+
+<file path=ppt/slides/slide14.xml><?xml version="1.0" encoding="utf-8"?>
+<p:sld xmlns:a="http://schemas.openxmlformats.org/drawingml/2006/main" xmlns:r="http://schemas.openxmlformats.org/officeDocument/2006/relationships" xmlns:p="http://schemas.openxmlformats.org/presentationml/2006/main" show="0">
+  <p:cSld>
+    <p:spTree>
+      <p:nvGrpSpPr>
+        <p:cNvPr id="1" name=""/>
+        <p:cNvGrpSpPr/>
+        <p:nvPr/>
+      </p:nvGrpSpPr>
+      <p:grpSpPr>
+        <a:xfrm>
+          <a:off x="0" y="0"/>
+          <a:ext cx="0" cy="0"/>
+          <a:chOff x="0" y="0"/>
+          <a:chExt cx="0" cy="0"/>
+        </a:xfrm>
+      </p:grpSpPr>
+      <mc:AlternateContent xmlns:mc="http://schemas.openxmlformats.org/markup-compatibility/2006">
+        <mc:Choice xmlns:a14="http://schemas.microsoft.com/office/drawing/2010/main" Requires="a14">
+          <p:sp>
+            <p:nvSpPr>
+              <p:cNvPr id="2" name="Título 1"/>
+              <p:cNvSpPr>
+                <a:spLocks noGrp="1"/>
+              </p:cNvSpPr>
+              <p:nvPr>
+                <p:ph type="title"/>
+              </p:nvPr>
+            </p:nvSpPr>
+            <p:spPr/>
+            <p:txBody>
+              <a:bodyPr/>
+              <a:lstStyle/>
+              <a:p>
+                <a14:m>
+                  <m:oMath xmlns:m="http://schemas.openxmlformats.org/officeDocument/2006/math">
+                    <m:sSub>
+                      <m:sSubPr>
+                        <m:ctrlPr>
+                          <a:rPr lang="en-US" i="1">
+                            <a:latin typeface="Cambria Math" panose="02040503050406030204" pitchFamily="18" charset="0"/>
+                          </a:rPr>
+                        </m:ctrlPr>
+                      </m:sSubPr>
+                      <m:e>
+                        <m:r>
+                          <m:rPr>
+                            <m:nor/>
+                          </m:rPr>
+                          <a:rPr lang="el-GR" dirty="0"/>
+                          <m:t>λ</m:t>
+                        </m:r>
+                        <m:r>
+                          <m:rPr>
+                            <m:nor/>
+                          </m:rPr>
+                          <a:rPr lang="en-US" dirty="0"/>
+                          <m:t>\</m:t>
+                        </m:r>
+                      </m:e>
+                      <m:sub>
+                        <m:r>
+                          <a:rPr lang="en-US" i="1" dirty="0" smtClean="0">
+                            <a:latin typeface="Cambria Math" panose="02040503050406030204" pitchFamily="18" charset="0"/>
+                            <a:ea typeface="Cambria Math" panose="02040503050406030204" pitchFamily="18" charset="0"/>
+                          </a:rPr>
+                          <m:t>𝜔</m:t>
+                        </m:r>
+                      </m:sub>
+                    </m:sSub>
+                  </m:oMath>
+                </a14:m>
+                <a:r>
+                  <a:rPr lang="en-US" dirty="0"/>
+                  <a:t>-</a:t>
+                </a:r>
+                <a:r>
+                  <a:rPr lang="en-US" dirty="0"/>
+                  <a:t>calculus</a:t>
+                </a:r>
+                <a:endParaRPr lang="es-CL" dirty="0"/>
+              </a:p>
+            </p:txBody>
+          </p:sp>
+        </mc:Choice>
+        <mc:Fallback>
+          <p:sp>
+            <p:nvSpPr>
+              <p:cNvPr id="2" name="Título 1"/>
+              <p:cNvSpPr>
+                <a:spLocks noGrp="1" noRot="1" noChangeAspect="1" noMove="1" noResize="1" noEditPoints="1" noAdjustHandles="1" noChangeArrowheads="1" noChangeShapeType="1" noTextEdit="1"/>
+              </p:cNvSpPr>
+              <p:nvPr>
+                <p:ph type="title"/>
+              </p:nvPr>
+            </p:nvSpPr>
+            <p:spPr>
+              <a:blipFill rotWithShape="0">
+                <a:blip r:embed="rId2"/>
+                <a:stretch>
+                  <a:fillRect/>
+                </a:stretch>
+              </a:blipFill>
+            </p:spPr>
+            <p:txBody>
+              <a:bodyPr/>
+              <a:lstStyle/>
+              <a:p>
+                <a:r>
+                  <a:rPr lang="es-CL">
+                    <a:noFill/>
+                  </a:rPr>
+                  <a:t> </a:t>
+                </a:r>
+              </a:p>
+            </p:txBody>
+          </p:sp>
+        </mc:Fallback>
+      </mc:AlternateContent>
       <p:sp>
         <p:nvSpPr>
           <p:cNvPr id="3" name="Marcador de contenido 2"/>
@@ -3597,10 +4245,25 @@
   <p:clrMapOvr>
     <a:masterClrMapping/>
   </p:clrMapOvr>
+  <mc:AlternateContent xmlns:mc="http://schemas.openxmlformats.org/markup-compatibility/2006">
+    <mc:Choice xmlns:p14="http://schemas.microsoft.com/office/powerpoint/2010/main" Requires="p14">
+      <p:transition spd="slow" p14:dur="2000"/>
+    </mc:Choice>
+    <mc:Fallback>
+      <p:transition spd="slow"/>
+    </mc:Fallback>
+  </mc:AlternateContent>
+  <p:timing>
+    <p:tnLst>
+      <p:par>
+        <p:cTn id="1" dur="indefinite" restart="never" nodeType="tmRoot"/>
+      </p:par>
+    </p:tnLst>
+  </p:timing>
 </p:sld>
 </file>
 
-<file path=ppt/slides/slide14.xml><?xml version="1.0" encoding="utf-8"?>
+<file path=ppt/slides/slide15.xml><?xml version="1.0" encoding="utf-8"?>
 <p:sld xmlns:a="http://schemas.openxmlformats.org/drawingml/2006/main" xmlns:r="http://schemas.openxmlformats.org/officeDocument/2006/relationships" xmlns:p="http://schemas.openxmlformats.org/presentationml/2006/main">
   <p:cSld>
     <p:spTree>
@@ -3617,63 +4280,104 @@
           <a:chExt cx="0" cy="0"/>
         </a:xfrm>
       </p:grpSpPr>
-      <p:sp>
-        <p:nvSpPr>
-          <p:cNvPr id="2" name="Título 1"/>
-          <p:cNvSpPr>
-            <a:spLocks noGrp="1"/>
-          </p:cNvSpPr>
-          <p:nvPr>
-            <p:ph type="title"/>
-          </p:nvPr>
-        </p:nvSpPr>
-        <p:spPr/>
-        <p:txBody>
-          <a:bodyPr/>
-          <a:lstStyle/>
-          <a:p>
-            <a:r>
-              <a:rPr lang="es-CL" dirty="0" err="1" smtClean="0"/>
-              <a:t>Strict</a:t>
-            </a:r>
-            <a:r>
-              <a:rPr lang="es-CL" dirty="0" smtClean="0"/>
-              <a:t> </a:t>
-            </a:r>
-            <a:r>
-              <a:rPr lang="es-CL" dirty="0" err="1" smtClean="0"/>
-              <a:t>Language</a:t>
-            </a:r>
-            <a:endParaRPr lang="es-CL" dirty="0"/>
-          </a:p>
-        </p:txBody>
-      </p:sp>
-      <p:pic>
-        <p:nvPicPr>
-          <p:cNvPr id="4" name="Marcador de contenido 3"/>
-          <p:cNvPicPr>
-            <a:picLocks noGrp="1" noChangeAspect="1"/>
-          </p:cNvPicPr>
-          <p:nvPr>
-            <p:ph idx="1"/>
-          </p:nvPr>
-        </p:nvPicPr>
-        <p:blipFill>
-          <a:blip r:embed="rId2"/>
-          <a:stretch>
-            <a:fillRect/>
-          </a:stretch>
-        </p:blipFill>
-        <p:spPr>
-          <a:xfrm>
-            <a:off x="4149529" y="1616548"/>
-            <a:ext cx="3892942" cy="4351338"/>
-          </a:xfrm>
-          <a:prstGeom prst="rect">
-            <a:avLst/>
-          </a:prstGeom>
-        </p:spPr>
-      </p:pic>
+      <mc:AlternateContent xmlns:mc="http://schemas.openxmlformats.org/markup-compatibility/2006">
+        <mc:Choice xmlns:a14="http://schemas.microsoft.com/office/drawing/2010/main" Requires="a14">
+          <p:sp>
+            <p:nvSpPr>
+              <p:cNvPr id="2" name="Título 1"/>
+              <p:cNvSpPr>
+                <a:spLocks noGrp="1"/>
+              </p:cNvSpPr>
+              <p:nvPr>
+                <p:ph type="title"/>
+              </p:nvPr>
+            </p:nvSpPr>
+            <p:spPr/>
+            <p:txBody>
+              <a:bodyPr/>
+              <a:lstStyle/>
+              <a:p>
+                <a14:m>
+                  <m:oMath xmlns:m="http://schemas.openxmlformats.org/officeDocument/2006/math">
+                    <m:sSub>
+                      <m:sSubPr>
+                        <m:ctrlPr>
+                          <a:rPr lang="en-US" i="1">
+                            <a:latin typeface="Cambria Math" panose="02040503050406030204" pitchFamily="18" charset="0"/>
+                          </a:rPr>
+                        </m:ctrlPr>
+                      </m:sSubPr>
+                      <m:e>
+                        <m:r>
+                          <m:rPr>
+                            <m:nor/>
+                          </m:rPr>
+                          <a:rPr lang="el-GR" dirty="0"/>
+                          <m:t>λ</m:t>
+                        </m:r>
+                        <m:r>
+                          <m:rPr>
+                            <m:nor/>
+                          </m:rPr>
+                          <a:rPr lang="en-US" dirty="0"/>
+                          <m:t>\</m:t>
+                        </m:r>
+                      </m:e>
+                      <m:sub>
+                        <m:r>
+                          <a:rPr lang="en-US" i="1" dirty="0">
+                            <a:latin typeface="Cambria Math" panose="02040503050406030204" pitchFamily="18" charset="0"/>
+                            <a:ea typeface="Cambria Math" panose="02040503050406030204" pitchFamily="18" charset="0"/>
+                          </a:rPr>
+                          <m:t>𝜔</m:t>
+                        </m:r>
+                      </m:sub>
+                    </m:sSub>
+                  </m:oMath>
+                </a14:m>
+                <a:r>
+                  <a:rPr lang="en-US" dirty="0"/>
+                  <a:t>-calculus</a:t>
+                </a:r>
+                <a:endParaRPr lang="es-CL" dirty="0"/>
+              </a:p>
+            </p:txBody>
+          </p:sp>
+        </mc:Choice>
+        <mc:Fallback>
+          <p:sp>
+            <p:nvSpPr>
+              <p:cNvPr id="2" name="Título 1"/>
+              <p:cNvSpPr>
+                <a:spLocks noGrp="1" noRot="1" noChangeAspect="1" noMove="1" noResize="1" noEditPoints="1" noAdjustHandles="1" noChangeArrowheads="1" noChangeShapeType="1" noTextEdit="1"/>
+              </p:cNvSpPr>
+              <p:nvPr>
+                <p:ph type="title"/>
+              </p:nvPr>
+            </p:nvSpPr>
+            <p:spPr>
+              <a:blipFill rotWithShape="0">
+                <a:blip r:embed="rId2"/>
+                <a:stretch>
+                  <a:fillRect/>
+                </a:stretch>
+              </a:blipFill>
+            </p:spPr>
+            <p:txBody>
+              <a:bodyPr/>
+              <a:lstStyle/>
+              <a:p>
+                <a:r>
+                  <a:rPr lang="es-CL">
+                    <a:noFill/>
+                  </a:rPr>
+                  <a:t> </a:t>
+                </a:r>
+              </a:p>
+            </p:txBody>
+          </p:sp>
+        </mc:Fallback>
+      </mc:AlternateContent>
       <p:sp>
         <p:nvSpPr>
           <p:cNvPr id="5" name="Rectángulo 4"/>
@@ -3850,101 +4554,9 @@
           </a:p>
         </p:txBody>
       </p:sp>
-    </p:spTree>
-    <p:extLst>
-      <p:ext uri="{BB962C8B-B14F-4D97-AF65-F5344CB8AC3E}">
-        <p14:creationId xmlns:p14="http://schemas.microsoft.com/office/powerpoint/2010/main" val="4062451837"/>
-      </p:ext>
-    </p:extLst>
-  </p:cSld>
-  <p:clrMapOvr>
-    <a:masterClrMapping/>
-  </p:clrMapOvr>
-</p:sld>
-</file>
-
-<file path=ppt/slides/slide15.xml><?xml version="1.0" encoding="utf-8"?>
-<p:sld xmlns:a="http://schemas.openxmlformats.org/drawingml/2006/main" xmlns:r="http://schemas.openxmlformats.org/officeDocument/2006/relationships" xmlns:p="http://schemas.openxmlformats.org/presentationml/2006/main">
-  <p:cSld>
-    <p:spTree>
-      <p:nvGrpSpPr>
-        <p:cNvPr id="1" name=""/>
-        <p:cNvGrpSpPr/>
-        <p:nvPr/>
-      </p:nvGrpSpPr>
-      <p:grpSpPr>
-        <a:xfrm>
-          <a:off x="0" y="0"/>
-          <a:ext cx="0" cy="0"/>
-          <a:chOff x="0" y="0"/>
-          <a:chExt cx="0" cy="0"/>
-        </a:xfrm>
-      </p:grpSpPr>
-      <p:sp>
-        <p:nvSpPr>
-          <p:cNvPr id="2" name="Título 1"/>
-          <p:cNvSpPr>
-            <a:spLocks noGrp="1"/>
-          </p:cNvSpPr>
-          <p:nvPr>
-            <p:ph type="title"/>
-          </p:nvPr>
-        </p:nvSpPr>
-        <p:spPr>
-          <a:xfrm>
-            <a:off x="5756189" y="307460"/>
-            <a:ext cx="4302211" cy="1325563"/>
-          </a:xfrm>
-        </p:spPr>
-        <p:txBody>
-          <a:bodyPr/>
-          <a:lstStyle/>
-          <a:p>
-            <a:r>
-              <a:rPr lang="es-CL" dirty="0" err="1" smtClean="0"/>
-              <a:t>Strict</a:t>
-            </a:r>
-            <a:r>
-              <a:rPr lang="es-CL" dirty="0" smtClean="0"/>
-              <a:t> </a:t>
-            </a:r>
-            <a:r>
-              <a:rPr lang="es-CL" dirty="0" err="1" smtClean="0"/>
-              <a:t>Language</a:t>
-            </a:r>
-            <a:endParaRPr lang="es-CL" dirty="0"/>
-          </a:p>
-        </p:txBody>
-      </p:sp>
       <p:pic>
         <p:nvPicPr>
-          <p:cNvPr id="4" name="Marcador de contenido 3"/>
-          <p:cNvPicPr>
-            <a:picLocks noGrp="1" noChangeAspect="1"/>
-          </p:cNvPicPr>
-          <p:nvPr>
-            <p:ph idx="1"/>
-          </p:nvPr>
-        </p:nvPicPr>
-        <p:blipFill>
-          <a:blip r:embed="rId2"/>
-          <a:stretch>
-            <a:fillRect/>
-          </a:stretch>
-        </p:blipFill>
-        <p:spPr>
-          <a:xfrm>
-            <a:off x="1153298" y="642552"/>
-            <a:ext cx="3900172" cy="5926696"/>
-          </a:xfrm>
-          <a:prstGeom prst="rect">
-            <a:avLst/>
-          </a:prstGeom>
-        </p:spPr>
-      </p:pic>
-      <p:pic>
-        <p:nvPicPr>
-          <p:cNvPr id="5" name="Imagen 4"/>
+          <p:cNvPr id="9" name="Imagen 8"/>
           <p:cNvPicPr>
             <a:picLocks noChangeAspect="1"/>
           </p:cNvPicPr>
@@ -3958,8 +4570,8 @@
         </p:blipFill>
         <p:spPr>
           <a:xfrm>
-            <a:off x="6105525" y="1458097"/>
-            <a:ext cx="5248275" cy="4105275"/>
+            <a:off x="4125740" y="1232082"/>
+            <a:ext cx="5210175" cy="5538423"/>
           </a:xfrm>
           <a:prstGeom prst="rect">
             <a:avLst/>
@@ -3968,14 +4580,14 @@
       </p:pic>
       <p:sp>
         <p:nvSpPr>
-          <p:cNvPr id="6" name="Rectángulo 5"/>
+          <p:cNvPr id="11" name="Rectángulo 10"/>
           <p:cNvSpPr/>
           <p:nvPr/>
         </p:nvSpPr>
         <p:spPr>
           <a:xfrm>
-            <a:off x="1879257" y="2530915"/>
-            <a:ext cx="3005781" cy="238898"/>
+            <a:off x="5436973" y="5087474"/>
+            <a:ext cx="3705224" cy="234779"/>
           </a:xfrm>
           <a:prstGeom prst="rect">
             <a:avLst/>
@@ -4012,14 +4624,14 @@
       </p:sp>
       <p:sp>
         <p:nvSpPr>
-          <p:cNvPr id="7" name="Rectángulo 6"/>
+          <p:cNvPr id="12" name="Rectángulo 11"/>
           <p:cNvSpPr/>
           <p:nvPr/>
         </p:nvSpPr>
         <p:spPr>
           <a:xfrm>
-            <a:off x="1879257" y="2168451"/>
-            <a:ext cx="3005781" cy="238898"/>
+            <a:off x="5436973" y="6032607"/>
+            <a:ext cx="3729936" cy="234779"/>
           </a:xfrm>
           <a:prstGeom prst="rect">
             <a:avLst/>
@@ -4054,16 +4666,67 @@
           </a:p>
         </p:txBody>
       </p:sp>
+      <p:sp>
+        <p:nvSpPr>
+          <p:cNvPr id="13" name="Rectángulo 12"/>
+          <p:cNvSpPr/>
+          <p:nvPr/>
+        </p:nvSpPr>
+        <p:spPr>
+          <a:xfrm>
+            <a:off x="4383817" y="1609516"/>
+            <a:ext cx="4694280" cy="234779"/>
+          </a:xfrm>
+          <a:prstGeom prst="rect">
+            <a:avLst/>
+          </a:prstGeom>
+          <a:noFill/>
+          <a:ln>
+            <a:solidFill>
+              <a:srgbClr val="FF0000"/>
+            </a:solidFill>
+          </a:ln>
+        </p:spPr>
+        <p:style>
+          <a:lnRef idx="2">
+            <a:schemeClr val="accent2"/>
+          </a:lnRef>
+          <a:fillRef idx="1">
+            <a:schemeClr val="lt1"/>
+          </a:fillRef>
+          <a:effectRef idx="0">
+            <a:schemeClr val="accent2"/>
+          </a:effectRef>
+          <a:fontRef idx="minor">
+            <a:schemeClr val="dk1"/>
+          </a:fontRef>
+        </p:style>
+        <p:txBody>
+          <a:bodyPr rtlCol="0" anchor="ctr"/>
+          <a:lstStyle/>
+          <a:p>
+            <a:pPr algn="ctr"/>
+            <a:endParaRPr lang="es-CL"/>
+          </a:p>
+        </p:txBody>
+      </p:sp>
     </p:spTree>
     <p:extLst>
       <p:ext uri="{BB962C8B-B14F-4D97-AF65-F5344CB8AC3E}">
-        <p14:creationId xmlns:p14="http://schemas.microsoft.com/office/powerpoint/2010/main" val="1478011433"/>
+        <p14:creationId xmlns:p14="http://schemas.microsoft.com/office/powerpoint/2010/main" val="4062451837"/>
       </p:ext>
     </p:extLst>
   </p:cSld>
   <p:clrMapOvr>
     <a:masterClrMapping/>
   </p:clrMapOvr>
+  <p:timing>
+    <p:tnLst>
+      <p:par>
+        <p:cTn id="1" dur="indefinite" restart="never" nodeType="tmRoot"/>
+      </p:par>
+    </p:tnLst>
+  </p:timing>
 </p:sld>
 </file>
 
@@ -4084,62 +4747,245 @@
           <a:chExt cx="0" cy="0"/>
         </a:xfrm>
       </p:grpSpPr>
-      <p:sp>
-        <p:nvSpPr>
-          <p:cNvPr id="2" name="Título 1"/>
-          <p:cNvSpPr>
-            <a:spLocks noGrp="1"/>
-          </p:cNvSpPr>
-          <p:nvPr>
-            <p:ph type="title"/>
-          </p:nvPr>
-        </p:nvSpPr>
-        <p:spPr>
-          <a:xfrm>
-            <a:off x="838199" y="307460"/>
-            <a:ext cx="10515600" cy="1325563"/>
-          </a:xfrm>
-        </p:spPr>
-        <p:txBody>
-          <a:bodyPr/>
-          <a:lstStyle/>
-          <a:p>
-            <a:r>
-              <a:rPr lang="es-CL" dirty="0" err="1" smtClean="0"/>
-              <a:t>Strict</a:t>
-            </a:r>
-            <a:r>
-              <a:rPr lang="es-CL" dirty="0" smtClean="0"/>
-              <a:t> </a:t>
-            </a:r>
-            <a:r>
-              <a:rPr lang="es-CL" dirty="0" err="1" smtClean="0"/>
-              <a:t>Language</a:t>
-            </a:r>
-            <a:endParaRPr lang="es-CL" dirty="0"/>
-          </a:p>
-        </p:txBody>
-      </p:sp>
+      <mc:AlternateContent xmlns:mc="http://schemas.openxmlformats.org/markup-compatibility/2006">
+        <mc:Choice xmlns:a14="http://schemas.microsoft.com/office/drawing/2010/main" Requires="a14">
+          <p:sp>
+            <p:nvSpPr>
+              <p:cNvPr id="2" name="Título 1"/>
+              <p:cNvSpPr>
+                <a:spLocks noGrp="1"/>
+              </p:cNvSpPr>
+              <p:nvPr>
+                <p:ph type="title"/>
+              </p:nvPr>
+            </p:nvSpPr>
+            <p:spPr>
+              <a:xfrm>
+                <a:off x="368643" y="332174"/>
+                <a:ext cx="4302211" cy="1325563"/>
+              </a:xfrm>
+            </p:spPr>
+            <p:txBody>
+              <a:bodyPr/>
+              <a:lstStyle/>
+              <a:p>
+                <a14:m>
+                  <m:oMath xmlns:m="http://schemas.openxmlformats.org/officeDocument/2006/math">
+                    <m:sSub>
+                      <m:sSubPr>
+                        <m:ctrlPr>
+                          <a:rPr lang="en-US" i="1">
+                            <a:latin typeface="Cambria Math" panose="02040503050406030204" pitchFamily="18" charset="0"/>
+                          </a:rPr>
+                        </m:ctrlPr>
+                      </m:sSubPr>
+                      <m:e>
+                        <m:r>
+                          <m:rPr>
+                            <m:nor/>
+                          </m:rPr>
+                          <a:rPr lang="el-GR" dirty="0"/>
+                          <m:t>λ</m:t>
+                        </m:r>
+                        <m:r>
+                          <m:rPr>
+                            <m:nor/>
+                          </m:rPr>
+                          <a:rPr lang="en-US" dirty="0"/>
+                          <m:t>\</m:t>
+                        </m:r>
+                      </m:e>
+                      <m:sub>
+                        <m:r>
+                          <a:rPr lang="en-US" i="1" dirty="0">
+                            <a:latin typeface="Cambria Math" panose="02040503050406030204" pitchFamily="18" charset="0"/>
+                            <a:ea typeface="Cambria Math" panose="02040503050406030204" pitchFamily="18" charset="0"/>
+                          </a:rPr>
+                          <m:t>𝜔</m:t>
+                        </m:r>
+                      </m:sub>
+                    </m:sSub>
+                  </m:oMath>
+                </a14:m>
+                <a:r>
+                  <a:rPr lang="en-US" dirty="0"/>
+                  <a:t>-calculus</a:t>
+                </a:r>
+                <a:endParaRPr lang="es-CL" dirty="0"/>
+              </a:p>
+            </p:txBody>
+          </p:sp>
+        </mc:Choice>
+        <mc:Fallback>
+          <p:sp>
+            <p:nvSpPr>
+              <p:cNvPr id="2" name="Título 1"/>
+              <p:cNvSpPr>
+                <a:spLocks noGrp="1" noRot="1" noChangeAspect="1" noMove="1" noResize="1" noEditPoints="1" noAdjustHandles="1" noChangeArrowheads="1" noChangeShapeType="1" noTextEdit="1"/>
+              </p:cNvSpPr>
+              <p:nvPr>
+                <p:ph type="title"/>
+              </p:nvPr>
+            </p:nvSpPr>
+            <p:spPr>
+              <a:xfrm>
+                <a:off x="368643" y="332174"/>
+                <a:ext cx="4302211" cy="1325563"/>
+              </a:xfrm>
+              <a:blipFill rotWithShape="0">
+                <a:blip r:embed="rId2"/>
+                <a:stretch>
+                  <a:fillRect/>
+                </a:stretch>
+              </a:blipFill>
+            </p:spPr>
+            <p:txBody>
+              <a:bodyPr/>
+              <a:lstStyle/>
+              <a:p>
+                <a:r>
+                  <a:rPr lang="es-CL">
+                    <a:noFill/>
+                  </a:rPr>
+                  <a:t> </a:t>
+                </a:r>
+              </a:p>
+            </p:txBody>
+          </p:sp>
+        </mc:Fallback>
+      </mc:AlternateContent>
       <p:pic>
         <p:nvPicPr>
-          <p:cNvPr id="4" name="Marcador de contenido 3"/>
+          <p:cNvPr id="8" name="Imagen 7"/>
           <p:cNvPicPr>
-            <a:picLocks noGrp="1" noChangeAspect="1"/>
+            <a:picLocks noChangeAspect="1"/>
           </p:cNvPicPr>
-          <p:nvPr>
-            <p:ph idx="1"/>
-          </p:nvPr>
+          <p:nvPr/>
         </p:nvPicPr>
         <p:blipFill>
-          <a:blip r:embed="rId2"/>
+          <a:blip r:embed="rId3"/>
           <a:stretch>
             <a:fillRect/>
           </a:stretch>
         </p:blipFill>
         <p:spPr>
           <a:xfrm>
-            <a:off x="4030277" y="1192663"/>
-            <a:ext cx="4131445" cy="5222789"/>
+            <a:off x="4241587" y="1298490"/>
+            <a:ext cx="4597614" cy="5295899"/>
+          </a:xfrm>
+          <a:prstGeom prst="rect">
+            <a:avLst/>
+          </a:prstGeom>
+        </p:spPr>
+      </p:pic>
+      <p:sp>
+        <p:nvSpPr>
+          <p:cNvPr id="9" name="Rectángulo 8"/>
+          <p:cNvSpPr/>
+          <p:nvPr/>
+        </p:nvSpPr>
+        <p:spPr>
+          <a:xfrm>
+            <a:off x="5111062" y="1418839"/>
+            <a:ext cx="3530430" cy="238898"/>
+          </a:xfrm>
+          <a:prstGeom prst="rect">
+            <a:avLst/>
+          </a:prstGeom>
+          <a:noFill/>
+          <a:ln>
+            <a:solidFill>
+              <a:srgbClr val="FF0000"/>
+            </a:solidFill>
+          </a:ln>
+        </p:spPr>
+        <p:style>
+          <a:lnRef idx="2">
+            <a:schemeClr val="accent2"/>
+          </a:lnRef>
+          <a:fillRef idx="1">
+            <a:schemeClr val="lt1"/>
+          </a:fillRef>
+          <a:effectRef idx="0">
+            <a:schemeClr val="accent2"/>
+          </a:effectRef>
+          <a:fontRef idx="minor">
+            <a:schemeClr val="dk1"/>
+          </a:fontRef>
+        </p:style>
+        <p:txBody>
+          <a:bodyPr rtlCol="0" anchor="ctr"/>
+          <a:lstStyle/>
+          <a:p>
+            <a:pPr algn="ctr"/>
+            <a:endParaRPr lang="es-CL"/>
+          </a:p>
+        </p:txBody>
+      </p:sp>
+      <p:sp>
+        <p:nvSpPr>
+          <p:cNvPr id="10" name="Flecha derecha 9"/>
+          <p:cNvSpPr/>
+          <p:nvPr/>
+        </p:nvSpPr>
+        <p:spPr>
+          <a:xfrm>
+            <a:off x="2280981" y="4588476"/>
+            <a:ext cx="1960606" cy="428367"/>
+          </a:xfrm>
+          <a:prstGeom prst="rightArrow">
+            <a:avLst/>
+          </a:prstGeom>
+          <a:noFill/>
+          <a:ln>
+            <a:solidFill>
+              <a:srgbClr val="FF0000"/>
+            </a:solidFill>
+          </a:ln>
+        </p:spPr>
+        <p:style>
+          <a:lnRef idx="2">
+            <a:schemeClr val="accent1">
+              <a:shade val="50000"/>
+            </a:schemeClr>
+          </a:lnRef>
+          <a:fillRef idx="1">
+            <a:schemeClr val="accent1"/>
+          </a:fillRef>
+          <a:effectRef idx="0">
+            <a:schemeClr val="accent1"/>
+          </a:effectRef>
+          <a:fontRef idx="minor">
+            <a:schemeClr val="lt1"/>
+          </a:fontRef>
+        </p:style>
+        <p:txBody>
+          <a:bodyPr rtlCol="0" anchor="ctr"/>
+          <a:lstStyle/>
+          <a:p>
+            <a:pPr algn="ctr"/>
+            <a:endParaRPr lang="es-CL"/>
+          </a:p>
+        </p:txBody>
+      </p:sp>
+      <p:pic>
+        <p:nvPicPr>
+          <p:cNvPr id="11" name="Imagen 10"/>
+          <p:cNvPicPr>
+            <a:picLocks noChangeAspect="1"/>
+          </p:cNvPicPr>
+          <p:nvPr/>
+        </p:nvPicPr>
+        <p:blipFill>
+          <a:blip r:embed="rId4"/>
+          <a:stretch>
+            <a:fillRect/>
+          </a:stretch>
+        </p:blipFill>
+        <p:spPr>
+          <a:xfrm>
+            <a:off x="4212755" y="1079415"/>
+            <a:ext cx="4750013" cy="219075"/>
           </a:xfrm>
           <a:prstGeom prst="rect">
             <a:avLst/>
@@ -4149,13 +4995,20 @@
     </p:spTree>
     <p:extLst>
       <p:ext uri="{BB962C8B-B14F-4D97-AF65-F5344CB8AC3E}">
-        <p14:creationId xmlns:p14="http://schemas.microsoft.com/office/powerpoint/2010/main" val="2123194247"/>
+        <p14:creationId xmlns:p14="http://schemas.microsoft.com/office/powerpoint/2010/main" val="1478011433"/>
       </p:ext>
     </p:extLst>
   </p:cSld>
   <p:clrMapOvr>
     <a:masterClrMapping/>
   </p:clrMapOvr>
+  <p:timing>
+    <p:tnLst>
+      <p:par>
+        <p:cTn id="1" dur="indefinite" restart="never" nodeType="tmRoot"/>
+      </p:par>
+    </p:tnLst>
+  </p:timing>
 </p:sld>
 </file>
 
@@ -4176,202 +5029,186 @@
           <a:chExt cx="0" cy="0"/>
         </a:xfrm>
       </p:grpSpPr>
-      <p:sp>
-        <p:nvSpPr>
-          <p:cNvPr id="2" name="Título 1"/>
-          <p:cNvSpPr>
-            <a:spLocks noGrp="1"/>
-          </p:cNvSpPr>
-          <p:nvPr>
-            <p:ph type="title"/>
-          </p:nvPr>
-        </p:nvSpPr>
-        <p:spPr/>
-        <p:txBody>
-          <a:bodyPr/>
+      <mc:AlternateContent xmlns:mc="http://schemas.openxmlformats.org/markup-compatibility/2006">
+        <mc:Choice xmlns:a14="http://schemas.microsoft.com/office/drawing/2010/main" Requires="a14">
+          <p:sp>
+            <p:nvSpPr>
+              <p:cNvPr id="2" name="Título 1"/>
+              <p:cNvSpPr>
+                <a:spLocks noGrp="1"/>
+              </p:cNvSpPr>
+              <p:nvPr>
+                <p:ph type="title"/>
+              </p:nvPr>
+            </p:nvSpPr>
+            <p:spPr>
+              <a:xfrm>
+                <a:off x="368643" y="332174"/>
+                <a:ext cx="4302211" cy="1325563"/>
+              </a:xfrm>
+            </p:spPr>
+            <p:txBody>
+              <a:bodyPr/>
+              <a:lstStyle/>
+              <a:p>
+                <a14:m>
+                  <m:oMath xmlns:m="http://schemas.openxmlformats.org/officeDocument/2006/math">
+                    <m:sSub>
+                      <m:sSubPr>
+                        <m:ctrlPr>
+                          <a:rPr lang="en-US" i="1" smtClean="0">
+                            <a:latin typeface="Cambria Math" panose="02040503050406030204" pitchFamily="18" charset="0"/>
+                          </a:rPr>
+                        </m:ctrlPr>
+                      </m:sSubPr>
+                      <m:e>
+                        <m:r>
+                          <m:rPr>
+                            <m:nor/>
+                          </m:rPr>
+                          <a:rPr lang="el-GR" dirty="0"/>
+                          <m:t>λ</m:t>
+                        </m:r>
+                        <m:r>
+                          <m:rPr>
+                            <m:nor/>
+                          </m:rPr>
+                          <a:rPr lang="en-US" dirty="0"/>
+                          <m:t>\</m:t>
+                        </m:r>
+                      </m:e>
+                      <m:sub>
+                        <m:r>
+                          <a:rPr lang="en-US" b="0" i="1" dirty="0" smtClean="0">
+                            <a:latin typeface="Cambria Math" panose="02040503050406030204" pitchFamily="18" charset="0"/>
+                          </a:rPr>
+                          <m:t>1</m:t>
+                        </m:r>
+                      </m:sub>
+                    </m:sSub>
+                  </m:oMath>
+                </a14:m>
+                <a:r>
+                  <a:rPr lang="en-US" dirty="0"/>
+                  <a:t>-calculus</a:t>
+                </a:r>
+                <a:endParaRPr lang="es-CL" dirty="0"/>
+              </a:p>
+            </p:txBody>
+          </p:sp>
+        </mc:Choice>
+        <mc:Fallback>
+          <p:sp>
+            <p:nvSpPr>
+              <p:cNvPr id="2" name="Título 1"/>
+              <p:cNvSpPr>
+                <a:spLocks noGrp="1" noRot="1" noChangeAspect="1" noMove="1" noResize="1" noEditPoints="1" noAdjustHandles="1" noChangeArrowheads="1" noChangeShapeType="1" noTextEdit="1"/>
+              </p:cNvSpPr>
+              <p:nvPr>
+                <p:ph type="title"/>
+              </p:nvPr>
+            </p:nvSpPr>
+            <p:spPr>
+              <a:xfrm>
+                <a:off x="368643" y="332174"/>
+                <a:ext cx="4302211" cy="1325563"/>
+              </a:xfrm>
+              <a:blipFill rotWithShape="0">
+                <a:blip r:embed="rId2"/>
+                <a:stretch>
+                  <a:fillRect/>
+                </a:stretch>
+              </a:blipFill>
+            </p:spPr>
+            <p:txBody>
+              <a:bodyPr/>
+              <a:lstStyle/>
+              <a:p>
+                <a:r>
+                  <a:rPr lang="es-CL">
+                    <a:noFill/>
+                  </a:rPr>
+                  <a:t> </a:t>
+                </a:r>
+              </a:p>
+            </p:txBody>
+          </p:sp>
+        </mc:Fallback>
+      </mc:AlternateContent>
+      <p:sp>
+        <p:nvSpPr>
+          <p:cNvPr id="10" name="Flecha derecha 9"/>
+          <p:cNvSpPr/>
+          <p:nvPr/>
+        </p:nvSpPr>
+        <p:spPr>
+          <a:xfrm>
+            <a:off x="2594019" y="3214816"/>
+            <a:ext cx="1960606" cy="428367"/>
+          </a:xfrm>
+          <a:prstGeom prst="rightArrow">
+            <a:avLst/>
+          </a:prstGeom>
+          <a:noFill/>
+          <a:ln>
+            <a:solidFill>
+              <a:srgbClr val="FF0000"/>
+            </a:solidFill>
+          </a:ln>
+        </p:spPr>
+        <p:style>
+          <a:lnRef idx="2">
+            <a:schemeClr val="accent1">
+              <a:shade val="50000"/>
+            </a:schemeClr>
+          </a:lnRef>
+          <a:fillRef idx="1">
+            <a:schemeClr val="accent1"/>
+          </a:fillRef>
+          <a:effectRef idx="0">
+            <a:schemeClr val="accent1"/>
+          </a:effectRef>
+          <a:fontRef idx="minor">
+            <a:schemeClr val="lt1"/>
+          </a:fontRef>
+        </p:style>
+        <p:txBody>
+          <a:bodyPr rtlCol="0" anchor="ctr"/>
           <a:lstStyle/>
           <a:p>
-            <a:r>
-              <a:rPr lang="es-CL" dirty="0" err="1"/>
-              <a:t>Overloading</a:t>
-            </a:r>
-            <a:r>
-              <a:rPr lang="es-CL" dirty="0"/>
-              <a:t> </a:t>
-            </a:r>
-            <a:r>
-              <a:rPr lang="es-CL" dirty="0" err="1"/>
-              <a:t>Language</a:t>
-            </a:r>
-            <a:endParaRPr lang="es-CL" dirty="0"/>
-          </a:p>
-        </p:txBody>
-      </p:sp>
-      <p:sp>
-        <p:nvSpPr>
-          <p:cNvPr id="3" name="Marcador de contenido 2"/>
-          <p:cNvSpPr>
-            <a:spLocks noGrp="1"/>
-          </p:cNvSpPr>
-          <p:nvPr>
-            <p:ph idx="1"/>
-          </p:nvPr>
-        </p:nvSpPr>
-        <p:spPr/>
-        <p:txBody>
-          <a:bodyPr>
-            <a:normAutofit/>
-          </a:bodyPr>
-          <a:lstStyle/>
-          <a:p>
-            <a:r>
-              <a:rPr lang="en-US" dirty="0"/>
-              <a:t>Deterministic semantic. With the use of multi-values a program can </a:t>
-            </a:r>
-            <a:r>
-              <a:rPr lang="en-US" dirty="0" smtClean="0"/>
-              <a:t>reduce </a:t>
-            </a:r>
-            <a:r>
-              <a:rPr lang="en-US" dirty="0"/>
-              <a:t>to a set of value.</a:t>
-            </a:r>
-          </a:p>
-          <a:p>
-            <a:r>
-              <a:rPr lang="es-CL" dirty="0"/>
-              <a:t> </a:t>
-            </a:r>
-            <a:r>
-              <a:rPr lang="es-CL" dirty="0" err="1"/>
-              <a:t>Type</a:t>
-            </a:r>
-            <a:r>
-              <a:rPr lang="es-CL" dirty="0"/>
-              <a:t> error </a:t>
-            </a:r>
-            <a:r>
-              <a:rPr lang="es-CL" dirty="0" err="1"/>
-              <a:t>detection</a:t>
-            </a:r>
-            <a:r>
-              <a:rPr lang="es-CL" dirty="0"/>
-              <a:t>.</a:t>
-            </a:r>
-          </a:p>
-          <a:p>
-            <a:r>
-              <a:rPr lang="es-CL" dirty="0"/>
-              <a:t> </a:t>
-            </a:r>
-            <a:r>
-              <a:rPr lang="es-CL" dirty="0" err="1"/>
-              <a:t>Dispatch</a:t>
-            </a:r>
-            <a:r>
-              <a:rPr lang="es-CL" dirty="0"/>
-              <a:t> error </a:t>
-            </a:r>
-            <a:r>
-              <a:rPr lang="es-CL" dirty="0" err="1"/>
-              <a:t>detection</a:t>
-            </a:r>
-            <a:r>
-              <a:rPr lang="es-CL" dirty="0"/>
-              <a:t>.</a:t>
-            </a:r>
-          </a:p>
-          <a:p>
-            <a:r>
-              <a:rPr lang="es-CL" dirty="0"/>
-              <a:t> </a:t>
-            </a:r>
-            <a:r>
-              <a:rPr lang="es-CL" dirty="0" err="1"/>
-              <a:t>Ambiguity</a:t>
-            </a:r>
-            <a:r>
-              <a:rPr lang="es-CL" dirty="0"/>
-              <a:t> error </a:t>
-            </a:r>
-            <a:r>
-              <a:rPr lang="es-CL" dirty="0" err="1"/>
-              <a:t>detection</a:t>
-            </a:r>
-            <a:r>
-              <a:rPr lang="es-CL" dirty="0"/>
-              <a:t>.</a:t>
-            </a:r>
-          </a:p>
-          <a:p>
-            <a:r>
-              <a:rPr lang="en-US" dirty="0"/>
-              <a:t> </a:t>
-            </a:r>
-            <a:r>
-              <a:rPr lang="en-US" dirty="0">
-                <a:solidFill>
-                  <a:srgbClr val="FF0000"/>
-                </a:solidFill>
-              </a:rPr>
-              <a:t>Type annotation in lambda </a:t>
-            </a:r>
-            <a:r>
-              <a:rPr lang="en-US" dirty="0" smtClean="0">
-                <a:solidFill>
-                  <a:srgbClr val="FF0000"/>
-                </a:solidFill>
-              </a:rPr>
-              <a:t>functions.</a:t>
-            </a:r>
-          </a:p>
-          <a:p>
-            <a:r>
-              <a:rPr lang="en-US" dirty="0" smtClean="0"/>
-              <a:t> </a:t>
-            </a:r>
-            <a:r>
-              <a:rPr lang="en-US" dirty="0" smtClean="0">
-                <a:solidFill>
-                  <a:srgbClr val="FF0000"/>
-                </a:solidFill>
-              </a:rPr>
-              <a:t>More </a:t>
-            </a:r>
-            <a:r>
-              <a:rPr lang="en-US" dirty="0">
-                <a:solidFill>
-                  <a:srgbClr val="FF0000"/>
-                </a:solidFill>
-              </a:rPr>
-              <a:t>expressive than Strict Language, with the use structural tags.</a:t>
-            </a:r>
-          </a:p>
-          <a:p>
-            <a:r>
-              <a:rPr lang="en-US" dirty="0"/>
-              <a:t> </a:t>
-            </a:r>
-            <a:r>
-              <a:rPr lang="en-US" dirty="0">
-                <a:solidFill>
-                  <a:srgbClr val="FF0000"/>
-                </a:solidFill>
-              </a:rPr>
-              <a:t>Do not support context-dependent overloading.</a:t>
-            </a:r>
-            <a:endParaRPr lang="es-CL" dirty="0">
-              <a:solidFill>
-                <a:srgbClr val="FF0000"/>
-              </a:solidFill>
-            </a:endParaRPr>
-          </a:p>
-        </p:txBody>
-      </p:sp>
+            <a:pPr algn="ctr"/>
+            <a:endParaRPr lang="es-CL"/>
+          </a:p>
+        </p:txBody>
+      </p:sp>
+      <p:pic>
+        <p:nvPicPr>
+          <p:cNvPr id="3" name="Imagen 2"/>
+          <p:cNvPicPr>
+            <a:picLocks noChangeAspect="1"/>
+          </p:cNvPicPr>
+          <p:nvPr/>
+        </p:nvPicPr>
+        <p:blipFill>
+          <a:blip r:embed="rId3"/>
+          <a:stretch>
+            <a:fillRect/>
+          </a:stretch>
+        </p:blipFill>
+        <p:spPr>
+          <a:xfrm>
+            <a:off x="4745380" y="1942971"/>
+            <a:ext cx="4200525" cy="3400425"/>
+          </a:xfrm>
+          <a:prstGeom prst="rect">
+            <a:avLst/>
+          </a:prstGeom>
+        </p:spPr>
+      </p:pic>
     </p:spTree>
     <p:extLst>
       <p:ext uri="{BB962C8B-B14F-4D97-AF65-F5344CB8AC3E}">
-        <p14:creationId xmlns:p14="http://schemas.microsoft.com/office/powerpoint/2010/main" val="2604333053"/>
+        <p14:creationId xmlns:p14="http://schemas.microsoft.com/office/powerpoint/2010/main" val="345321393"/>
       </p:ext>
     </p:extLst>
   </p:cSld>
@@ -4405,6 +5242,522 @@
           <a:chExt cx="0" cy="0"/>
         </a:xfrm>
       </p:grpSpPr>
+      <mc:AlternateContent xmlns:mc="http://schemas.openxmlformats.org/markup-compatibility/2006">
+        <mc:Choice xmlns:a14="http://schemas.microsoft.com/office/drawing/2010/main" Requires="a14">
+          <p:sp>
+            <p:nvSpPr>
+              <p:cNvPr id="2" name="Título 1"/>
+              <p:cNvSpPr>
+                <a:spLocks noGrp="1"/>
+              </p:cNvSpPr>
+              <p:nvPr>
+                <p:ph type="title"/>
+              </p:nvPr>
+            </p:nvSpPr>
+            <p:spPr>
+              <a:xfrm>
+                <a:off x="838199" y="307460"/>
+                <a:ext cx="10515600" cy="1325563"/>
+              </a:xfrm>
+            </p:spPr>
+            <p:txBody>
+              <a:bodyPr/>
+              <a:lstStyle/>
+              <a:p>
+                <a14:m>
+                  <m:oMath xmlns:m="http://schemas.openxmlformats.org/officeDocument/2006/math">
+                    <m:sSub>
+                      <m:sSubPr>
+                        <m:ctrlPr>
+                          <a:rPr lang="en-US" i="1" smtClean="0">
+                            <a:latin typeface="Cambria Math" panose="02040503050406030204" pitchFamily="18" charset="0"/>
+                          </a:rPr>
+                        </m:ctrlPr>
+                      </m:sSubPr>
+                      <m:e>
+                        <m:r>
+                          <m:rPr>
+                            <m:nor/>
+                          </m:rPr>
+                          <a:rPr lang="el-GR" dirty="0"/>
+                          <m:t>λ</m:t>
+                        </m:r>
+                        <m:r>
+                          <m:rPr>
+                            <m:nor/>
+                          </m:rPr>
+                          <a:rPr lang="en-US" dirty="0"/>
+                          <m:t>\</m:t>
+                        </m:r>
+                      </m:e>
+                      <m:sub>
+                        <m:r>
+                          <a:rPr lang="en-US" b="0" i="1" dirty="0" smtClean="0">
+                            <a:latin typeface="Cambria Math" panose="02040503050406030204" pitchFamily="18" charset="0"/>
+                          </a:rPr>
+                          <m:t>1</m:t>
+                        </m:r>
+                      </m:sub>
+                    </m:sSub>
+                  </m:oMath>
+                </a14:m>
+                <a:r>
+                  <a:rPr lang="en-US" dirty="0"/>
+                  <a:t>-calculus</a:t>
+                </a:r>
+                <a:endParaRPr lang="es-CL" dirty="0"/>
+              </a:p>
+            </p:txBody>
+          </p:sp>
+        </mc:Choice>
+        <mc:Fallback>
+          <p:sp>
+            <p:nvSpPr>
+              <p:cNvPr id="2" name="Título 1"/>
+              <p:cNvSpPr>
+                <a:spLocks noGrp="1" noRot="1" noChangeAspect="1" noMove="1" noResize="1" noEditPoints="1" noAdjustHandles="1" noChangeArrowheads="1" noChangeShapeType="1" noTextEdit="1"/>
+              </p:cNvSpPr>
+              <p:nvPr>
+                <p:ph type="title"/>
+              </p:nvPr>
+            </p:nvSpPr>
+            <p:spPr>
+              <a:xfrm>
+                <a:off x="838199" y="307460"/>
+                <a:ext cx="10515600" cy="1325563"/>
+              </a:xfrm>
+              <a:blipFill rotWithShape="0">
+                <a:blip r:embed="rId2"/>
+                <a:stretch>
+                  <a:fillRect/>
+                </a:stretch>
+              </a:blipFill>
+            </p:spPr>
+            <p:txBody>
+              <a:bodyPr/>
+              <a:lstStyle/>
+              <a:p>
+                <a:r>
+                  <a:rPr lang="es-CL">
+                    <a:noFill/>
+                  </a:rPr>
+                  <a:t> </a:t>
+                </a:r>
+              </a:p>
+            </p:txBody>
+          </p:sp>
+        </mc:Fallback>
+      </mc:AlternateContent>
+      <p:pic>
+        <p:nvPicPr>
+          <p:cNvPr id="5" name="Imagen 4"/>
+          <p:cNvPicPr>
+            <a:picLocks noChangeAspect="1"/>
+          </p:cNvPicPr>
+          <p:nvPr/>
+        </p:nvPicPr>
+        <p:blipFill>
+          <a:blip r:embed="rId3"/>
+          <a:stretch>
+            <a:fillRect/>
+          </a:stretch>
+        </p:blipFill>
+        <p:spPr>
+          <a:xfrm>
+            <a:off x="4291913" y="1052619"/>
+            <a:ext cx="4623615" cy="5505450"/>
+          </a:xfrm>
+          <a:prstGeom prst="rect">
+            <a:avLst/>
+          </a:prstGeom>
+        </p:spPr>
+      </p:pic>
+      <p:sp>
+        <p:nvSpPr>
+          <p:cNvPr id="6" name="Flecha derecha 5"/>
+          <p:cNvSpPr/>
+          <p:nvPr/>
+        </p:nvSpPr>
+        <p:spPr>
+          <a:xfrm>
+            <a:off x="2331307" y="5008605"/>
+            <a:ext cx="1960606" cy="356287"/>
+          </a:xfrm>
+          <a:prstGeom prst="rightArrow">
+            <a:avLst/>
+          </a:prstGeom>
+          <a:noFill/>
+          <a:ln>
+            <a:solidFill>
+              <a:srgbClr val="FF0000"/>
+            </a:solidFill>
+          </a:ln>
+        </p:spPr>
+        <p:style>
+          <a:lnRef idx="2">
+            <a:schemeClr val="accent1">
+              <a:shade val="50000"/>
+            </a:schemeClr>
+          </a:lnRef>
+          <a:fillRef idx="1">
+            <a:schemeClr val="accent1"/>
+          </a:fillRef>
+          <a:effectRef idx="0">
+            <a:schemeClr val="accent1"/>
+          </a:effectRef>
+          <a:fontRef idx="minor">
+            <a:schemeClr val="lt1"/>
+          </a:fontRef>
+        </p:style>
+        <p:txBody>
+          <a:bodyPr rtlCol="0" anchor="ctr"/>
+          <a:lstStyle/>
+          <a:p>
+            <a:pPr algn="ctr"/>
+            <a:endParaRPr lang="es-CL"/>
+          </a:p>
+        </p:txBody>
+      </p:sp>
+    </p:spTree>
+    <p:extLst>
+      <p:ext uri="{BB962C8B-B14F-4D97-AF65-F5344CB8AC3E}">
+        <p14:creationId xmlns:p14="http://schemas.microsoft.com/office/powerpoint/2010/main" val="2123194247"/>
+      </p:ext>
+    </p:extLst>
+  </p:cSld>
+  <p:clrMapOvr>
+    <a:masterClrMapping/>
+  </p:clrMapOvr>
+  <p:timing>
+    <p:tnLst>
+      <p:par>
+        <p:cTn id="1" dur="indefinite" restart="never" nodeType="tmRoot"/>
+      </p:par>
+    </p:tnLst>
+  </p:timing>
+</p:sld>
+</file>
+
+<file path=ppt/slides/slide19.xml><?xml version="1.0" encoding="utf-8"?>
+<p:sld xmlns:a="http://schemas.openxmlformats.org/drawingml/2006/main" xmlns:r="http://schemas.openxmlformats.org/officeDocument/2006/relationships" xmlns:p="http://schemas.openxmlformats.org/presentationml/2006/main" show="0">
+  <p:cSld>
+    <p:spTree>
+      <p:nvGrpSpPr>
+        <p:cNvPr id="1" name=""/>
+        <p:cNvGrpSpPr/>
+        <p:nvPr/>
+      </p:nvGrpSpPr>
+      <p:grpSpPr>
+        <a:xfrm>
+          <a:off x="0" y="0"/>
+          <a:ext cx="0" cy="0"/>
+          <a:chOff x="0" y="0"/>
+          <a:chExt cx="0" cy="0"/>
+        </a:xfrm>
+      </p:grpSpPr>
+      <mc:AlternateContent xmlns:mc="http://schemas.openxmlformats.org/markup-compatibility/2006">
+        <mc:Choice xmlns:a14="http://schemas.microsoft.com/office/drawing/2010/main" Requires="a14">
+          <p:sp>
+            <p:nvSpPr>
+              <p:cNvPr id="2" name="Título 1"/>
+              <p:cNvSpPr>
+                <a:spLocks noGrp="1"/>
+              </p:cNvSpPr>
+              <p:nvPr>
+                <p:ph type="title"/>
+              </p:nvPr>
+            </p:nvSpPr>
+            <p:spPr/>
+            <p:txBody>
+              <a:bodyPr/>
+              <a:lstStyle/>
+              <a:p>
+                <a14:m>
+                  <m:oMath xmlns:m="http://schemas.openxmlformats.org/officeDocument/2006/math">
+                    <m:sSub>
+                      <m:sSubPr>
+                        <m:ctrlPr>
+                          <a:rPr lang="en-US" i="1" smtClean="0">
+                            <a:latin typeface="Cambria Math" panose="02040503050406030204" pitchFamily="18" charset="0"/>
+                          </a:rPr>
+                        </m:ctrlPr>
+                      </m:sSubPr>
+                      <m:e>
+                        <m:r>
+                          <m:rPr>
+                            <m:nor/>
+                          </m:rPr>
+                          <a:rPr lang="el-GR" dirty="0"/>
+                          <m:t>λ</m:t>
+                        </m:r>
+                        <m:r>
+                          <m:rPr>
+                            <m:nor/>
+                          </m:rPr>
+                          <a:rPr lang="en-US" dirty="0"/>
+                          <m:t>\</m:t>
+                        </m:r>
+                      </m:e>
+                      <m:sub>
+                        <m:r>
+                          <a:rPr lang="en-US" b="0" i="1" dirty="0" smtClean="0">
+                            <a:latin typeface="Cambria Math" panose="02040503050406030204" pitchFamily="18" charset="0"/>
+                          </a:rPr>
+                          <m:t>𝑡</m:t>
+                        </m:r>
+                      </m:sub>
+                    </m:sSub>
+                  </m:oMath>
+                </a14:m>
+                <a:r>
+                  <a:rPr lang="en-US" dirty="0"/>
+                  <a:t>-calculus</a:t>
+                </a:r>
+                <a:endParaRPr lang="es-CL" dirty="0"/>
+              </a:p>
+            </p:txBody>
+          </p:sp>
+        </mc:Choice>
+        <mc:Fallback>
+          <p:sp>
+            <p:nvSpPr>
+              <p:cNvPr id="2" name="Título 1"/>
+              <p:cNvSpPr>
+                <a:spLocks noGrp="1" noRot="1" noChangeAspect="1" noMove="1" noResize="1" noEditPoints="1" noAdjustHandles="1" noChangeArrowheads="1" noChangeShapeType="1" noTextEdit="1"/>
+              </p:cNvSpPr>
+              <p:nvPr>
+                <p:ph type="title"/>
+              </p:nvPr>
+            </p:nvSpPr>
+            <p:spPr>
+              <a:blipFill rotWithShape="0">
+                <a:blip r:embed="rId2"/>
+                <a:stretch>
+                  <a:fillRect/>
+                </a:stretch>
+              </a:blipFill>
+            </p:spPr>
+            <p:txBody>
+              <a:bodyPr/>
+              <a:lstStyle/>
+              <a:p>
+                <a:r>
+                  <a:rPr lang="es-CL">
+                    <a:noFill/>
+                  </a:rPr>
+                  <a:t> </a:t>
+                </a:r>
+              </a:p>
+            </p:txBody>
+          </p:sp>
+        </mc:Fallback>
+      </mc:AlternateContent>
+      <p:sp>
+        <p:nvSpPr>
+          <p:cNvPr id="3" name="Marcador de contenido 2"/>
+          <p:cNvSpPr>
+            <a:spLocks noGrp="1"/>
+          </p:cNvSpPr>
+          <p:nvPr>
+            <p:ph idx="1"/>
+          </p:nvPr>
+        </p:nvSpPr>
+        <p:spPr/>
+        <p:txBody>
+          <a:bodyPr>
+            <a:normAutofit/>
+          </a:bodyPr>
+          <a:lstStyle/>
+          <a:p>
+            <a:r>
+              <a:rPr lang="en-US" dirty="0"/>
+              <a:t>Deterministic semantic. With the use of multi-values a program can </a:t>
+            </a:r>
+            <a:r>
+              <a:rPr lang="en-US" dirty="0" smtClean="0"/>
+              <a:t>reduce </a:t>
+            </a:r>
+            <a:r>
+              <a:rPr lang="en-US" dirty="0"/>
+              <a:t>to a set of value.</a:t>
+            </a:r>
+          </a:p>
+          <a:p>
+            <a:r>
+              <a:rPr lang="es-CL" dirty="0"/>
+              <a:t> </a:t>
+            </a:r>
+            <a:r>
+              <a:rPr lang="es-CL" dirty="0" err="1"/>
+              <a:t>Type</a:t>
+            </a:r>
+            <a:r>
+              <a:rPr lang="es-CL" dirty="0"/>
+              <a:t> error </a:t>
+            </a:r>
+            <a:r>
+              <a:rPr lang="es-CL" dirty="0" err="1"/>
+              <a:t>detection</a:t>
+            </a:r>
+            <a:r>
+              <a:rPr lang="es-CL" dirty="0"/>
+              <a:t>.</a:t>
+            </a:r>
+          </a:p>
+          <a:p>
+            <a:r>
+              <a:rPr lang="es-CL" dirty="0"/>
+              <a:t> </a:t>
+            </a:r>
+            <a:r>
+              <a:rPr lang="es-CL" dirty="0" err="1"/>
+              <a:t>Dispatch</a:t>
+            </a:r>
+            <a:r>
+              <a:rPr lang="es-CL" dirty="0"/>
+              <a:t> error </a:t>
+            </a:r>
+            <a:r>
+              <a:rPr lang="es-CL" dirty="0" err="1"/>
+              <a:t>detection</a:t>
+            </a:r>
+            <a:r>
+              <a:rPr lang="es-CL" dirty="0"/>
+              <a:t>.</a:t>
+            </a:r>
+          </a:p>
+          <a:p>
+            <a:r>
+              <a:rPr lang="es-CL" dirty="0"/>
+              <a:t> </a:t>
+            </a:r>
+            <a:r>
+              <a:rPr lang="es-CL" dirty="0" err="1"/>
+              <a:t>Ambiguity</a:t>
+            </a:r>
+            <a:r>
+              <a:rPr lang="es-CL" dirty="0"/>
+              <a:t> error </a:t>
+            </a:r>
+            <a:r>
+              <a:rPr lang="es-CL" dirty="0" err="1"/>
+              <a:t>detection</a:t>
+            </a:r>
+            <a:r>
+              <a:rPr lang="es-CL" dirty="0"/>
+              <a:t>.</a:t>
+            </a:r>
+          </a:p>
+          <a:p>
+            <a:r>
+              <a:rPr lang="en-US" dirty="0"/>
+              <a:t> </a:t>
+            </a:r>
+            <a:r>
+              <a:rPr lang="en-US" dirty="0">
+                <a:solidFill>
+                  <a:srgbClr val="FF0000"/>
+                </a:solidFill>
+              </a:rPr>
+              <a:t>Type annotation in lambda </a:t>
+            </a:r>
+            <a:r>
+              <a:rPr lang="en-US" dirty="0" smtClean="0">
+                <a:solidFill>
+                  <a:srgbClr val="FF0000"/>
+                </a:solidFill>
+              </a:rPr>
+              <a:t>functions.</a:t>
+            </a:r>
+          </a:p>
+          <a:p>
+            <a:r>
+              <a:rPr lang="en-US" dirty="0" smtClean="0"/>
+              <a:t> </a:t>
+            </a:r>
+            <a:r>
+              <a:rPr lang="en-US" dirty="0" smtClean="0">
+                <a:solidFill>
+                  <a:srgbClr val="FF0000"/>
+                </a:solidFill>
+              </a:rPr>
+              <a:t>More </a:t>
+            </a:r>
+            <a:r>
+              <a:rPr lang="en-US" dirty="0">
+                <a:solidFill>
+                  <a:srgbClr val="FF0000"/>
+                </a:solidFill>
+              </a:rPr>
+              <a:t>expressive than Strict Language, with the use structural tags.</a:t>
+            </a:r>
+          </a:p>
+          <a:p>
+            <a:r>
+              <a:rPr lang="en-US" dirty="0"/>
+              <a:t> </a:t>
+            </a:r>
+            <a:r>
+              <a:rPr lang="en-US" dirty="0">
+                <a:solidFill>
+                  <a:srgbClr val="FF0000"/>
+                </a:solidFill>
+              </a:rPr>
+              <a:t>Do not support context-dependent overloading.</a:t>
+            </a:r>
+            <a:endParaRPr lang="es-CL" dirty="0">
+              <a:solidFill>
+                <a:srgbClr val="FF0000"/>
+              </a:solidFill>
+            </a:endParaRPr>
+          </a:p>
+        </p:txBody>
+      </p:sp>
+    </p:spTree>
+    <p:extLst>
+      <p:ext uri="{BB962C8B-B14F-4D97-AF65-F5344CB8AC3E}">
+        <p14:creationId xmlns:p14="http://schemas.microsoft.com/office/powerpoint/2010/main" val="2604333053"/>
+      </p:ext>
+    </p:extLst>
+  </p:cSld>
+  <p:clrMapOvr>
+    <a:masterClrMapping/>
+  </p:clrMapOvr>
+  <mc:AlternateContent xmlns:mc="http://schemas.openxmlformats.org/markup-compatibility/2006">
+    <mc:Choice xmlns:p14="http://schemas.microsoft.com/office/powerpoint/2010/main" Requires="p14">
+      <p:transition spd="slow" p14:dur="2000"/>
+    </mc:Choice>
+    <mc:Fallback>
+      <p:transition spd="slow"/>
+    </mc:Fallback>
+  </mc:AlternateContent>
+  <p:timing>
+    <p:tnLst>
+      <p:par>
+        <p:cTn id="1" dur="indefinite" restart="never" nodeType="tmRoot"/>
+      </p:par>
+    </p:tnLst>
+  </p:timing>
+</p:sld>
+</file>
+
+<file path=ppt/slides/slide2.xml><?xml version="1.0" encoding="utf-8"?>
+<p:sld xmlns:a="http://schemas.openxmlformats.org/drawingml/2006/main" xmlns:r="http://schemas.openxmlformats.org/officeDocument/2006/relationships" xmlns:p="http://schemas.openxmlformats.org/presentationml/2006/main">
+  <p:cSld>
+    <p:spTree>
+      <p:nvGrpSpPr>
+        <p:cNvPr id="1" name=""/>
+        <p:cNvGrpSpPr/>
+        <p:nvPr/>
+      </p:nvGrpSpPr>
+      <p:grpSpPr>
+        <a:xfrm>
+          <a:off x="0" y="0"/>
+          <a:ext cx="0" cy="0"/>
+          <a:chOff x="0" y="0"/>
+          <a:chExt cx="0" cy="0"/>
+        </a:xfrm>
+      </p:grpSpPr>
       <p:sp>
         <p:nvSpPr>
           <p:cNvPr id="2" name="Título 1"/>
@@ -4420,48 +5773,1347 @@
           <a:bodyPr/>
           <a:lstStyle/>
           <a:p>
-            <a:r>
-              <a:rPr lang="es-CL" dirty="0" err="1" smtClean="0"/>
-              <a:t>Overloading</a:t>
-            </a:r>
-            <a:r>
-              <a:rPr lang="es-CL" dirty="0" smtClean="0"/>
-              <a:t> </a:t>
-            </a:r>
-            <a:r>
-              <a:rPr lang="es-CL" dirty="0" err="1" smtClean="0"/>
-              <a:t>Language</a:t>
-            </a:r>
             <a:endParaRPr lang="es-CL" dirty="0"/>
           </a:p>
         </p:txBody>
       </p:sp>
-      <p:pic>
-        <p:nvPicPr>
-          <p:cNvPr id="4" name="Marcador de contenido 3"/>
-          <p:cNvPicPr>
-            <a:picLocks noGrp="1" noChangeAspect="1"/>
-          </p:cNvPicPr>
-          <p:nvPr>
-            <p:ph idx="1"/>
-          </p:nvPr>
-        </p:nvPicPr>
-        <p:blipFill>
-          <a:blip r:embed="rId2"/>
-          <a:stretch>
-            <a:fillRect/>
-          </a:stretch>
-        </p:blipFill>
-        <p:spPr>
-          <a:xfrm>
-            <a:off x="2239703" y="1782642"/>
-            <a:ext cx="7976204" cy="4351338"/>
-          </a:xfrm>
-          <a:prstGeom prst="rect">
-            <a:avLst/>
-          </a:prstGeom>
-        </p:spPr>
-      </p:pic>
+      <mc:AlternateContent xmlns:mc="http://schemas.openxmlformats.org/markup-compatibility/2006">
+        <mc:Choice xmlns:a14="http://schemas.microsoft.com/office/drawing/2010/main" Requires="a14">
+          <p:graphicFrame>
+            <p:nvGraphicFramePr>
+              <p:cNvPr id="4" name="Marcador de contenido 3"/>
+              <p:cNvGraphicFramePr>
+                <a:graphicFrameLocks noGrp="1"/>
+              </p:cNvGraphicFramePr>
+              <p:nvPr>
+                <p:ph idx="1"/>
+                <p:extLst>
+                  <p:ext uri="{D42A27DB-BD31-4B8C-83A1-F6EECF244321}">
+                    <p14:modId xmlns:p14="http://schemas.microsoft.com/office/powerpoint/2010/main" val="1895254361"/>
+                  </p:ext>
+                </p:extLst>
+              </p:nvPr>
+            </p:nvGraphicFramePr>
+            <p:xfrm>
+              <a:off x="838200" y="1825625"/>
+              <a:ext cx="10515600" cy="2762632"/>
+            </p:xfrm>
+            <a:graphic>
+              <a:graphicData uri="http://schemas.openxmlformats.org/drawingml/2006/table">
+                <a:tbl>
+                  <a:tblPr firstRow="1" bandRow="1">
+                    <a:tableStyleId>{5940675A-B579-460E-94D1-54222C63F5DA}</a:tableStyleId>
+                  </a:tblPr>
+                  <a:tblGrid>
+                    <a:gridCol w="1575486"/>
+                    <a:gridCol w="3188044"/>
+                    <a:gridCol w="2471351"/>
+                    <a:gridCol w="3280719"/>
+                  </a:tblGrid>
+                  <a:tr h="370840">
+                    <a:tc>
+                      <a:txBody>
+                        <a:bodyPr/>
+                        <a:lstStyle/>
+                        <a:p>
+                          <a:r>
+                            <a:rPr lang="en-US" sz="2800" dirty="0" smtClean="0"/>
+                            <a:t>Calculus</a:t>
+                          </a:r>
+                          <a:endParaRPr lang="es-CL" sz="2800" dirty="0"/>
+                        </a:p>
+                      </a:txBody>
+                      <a:tcPr/>
+                    </a:tc>
+                    <a:tc>
+                      <a:txBody>
+                        <a:bodyPr/>
+                        <a:lstStyle/>
+                        <a:p>
+                          <a:pPr algn="l"/>
+                          <a:r>
+                            <a:rPr lang="en-US" sz="2800" dirty="0" smtClean="0"/>
+                            <a:t>Principal Feature</a:t>
+                          </a:r>
+                          <a:endParaRPr lang="es-CL" sz="2800" dirty="0"/>
+                        </a:p>
+                      </a:txBody>
+                      <a:tcPr/>
+                    </a:tc>
+                    <a:tc>
+                      <a:txBody>
+                        <a:bodyPr/>
+                        <a:lstStyle/>
+                        <a:p>
+                          <a:pPr algn="l"/>
+                          <a:r>
+                            <a:rPr lang="en-US" sz="2800" dirty="0" smtClean="0"/>
+                            <a:t>Errors</a:t>
+                          </a:r>
+                          <a:endParaRPr lang="es-CL" sz="2800" dirty="0"/>
+                        </a:p>
+                      </a:txBody>
+                      <a:tcPr/>
+                    </a:tc>
+                    <a:tc>
+                      <a:txBody>
+                        <a:bodyPr/>
+                        <a:lstStyle/>
+                        <a:p>
+                          <a:r>
+                            <a:rPr lang="en-US" sz="2800" dirty="0" smtClean="0"/>
+                            <a:t>Determinism</a:t>
+                          </a:r>
+                          <a:endParaRPr lang="es-CL" sz="2800" dirty="0"/>
+                        </a:p>
+                      </a:txBody>
+                      <a:tcPr/>
+                    </a:tc>
+                  </a:tr>
+                  <a:tr h="370840">
+                    <a:tc>
+                      <a:txBody>
+                        <a:bodyPr/>
+                        <a:lstStyle/>
+                        <a:p>
+                          <a:r>
+                            <a:rPr lang="el-GR" dirty="0" smtClean="0"/>
+                            <a:t>λ</a:t>
+                          </a:r>
+                          <a:r>
+                            <a:rPr lang="en-US" dirty="0" smtClean="0"/>
+                            <a:t>\-calculus</a:t>
+                          </a:r>
+                          <a:endParaRPr lang="es-CL" dirty="0"/>
+                        </a:p>
+                      </a:txBody>
+                      <a:tcPr/>
+                    </a:tc>
+                    <a:tc>
+                      <a:txBody>
+                        <a:bodyPr/>
+                        <a:lstStyle/>
+                        <a:p>
+                          <a:pPr algn="l"/>
+                          <a:r>
+                            <a:rPr lang="en-US" dirty="0" smtClean="0"/>
+                            <a:t>Multi-Definitions</a:t>
+                          </a:r>
+                          <a:endParaRPr lang="es-CL" dirty="0"/>
+                        </a:p>
+                      </a:txBody>
+                      <a:tcPr/>
+                    </a:tc>
+                    <a:tc>
+                      <a:txBody>
+                        <a:bodyPr/>
+                        <a:lstStyle/>
+                        <a:p>
+                          <a:pPr algn="l"/>
+                          <a:r>
+                            <a:rPr lang="en-US" dirty="0" smtClean="0"/>
+                            <a:t>Name and Type Error</a:t>
+                          </a:r>
+                          <a:endParaRPr lang="es-CL" dirty="0"/>
+                        </a:p>
+                      </a:txBody>
+                      <a:tcPr/>
+                    </a:tc>
+                    <a:tc>
+                      <a:txBody>
+                        <a:bodyPr/>
+                        <a:lstStyle/>
+                        <a:p>
+                          <a:r>
+                            <a:rPr lang="en-US" dirty="0" smtClean="0"/>
+                            <a:t>ND</a:t>
+                          </a:r>
+                          <a:endParaRPr lang="es-CL" dirty="0"/>
+                        </a:p>
+                      </a:txBody>
+                      <a:tcPr/>
+                    </a:tc>
+                  </a:tr>
+                  <a:tr h="370840">
+                    <a:tc>
+                      <a:txBody>
+                        <a:bodyPr/>
+                        <a:lstStyle/>
+                        <a:p>
+                          <a14:m>
+                            <m:oMath xmlns:m="http://schemas.openxmlformats.org/officeDocument/2006/math">
+                              <m:sSub>
+                                <m:sSubPr>
+                                  <m:ctrlPr>
+                                    <a:rPr lang="en-US" i="1" smtClean="0">
+                                      <a:latin typeface="Cambria Math" panose="02040503050406030204" pitchFamily="18" charset="0"/>
+                                    </a:rPr>
+                                  </m:ctrlPr>
+                                </m:sSubPr>
+                                <m:e>
+                                  <m:r>
+                                    <m:rPr>
+                                      <m:nor/>
+                                    </m:rPr>
+                                    <a:rPr lang="el-GR" dirty="0"/>
+                                    <m:t>λ</m:t>
+                                  </m:r>
+                                  <m:r>
+                                    <m:rPr>
+                                      <m:nor/>
+                                    </m:rPr>
+                                    <a:rPr lang="en-US" dirty="0"/>
+                                    <m:t>\</m:t>
+                                  </m:r>
+                                </m:e>
+                                <m:sub>
+                                  <m:r>
+                                    <a:rPr lang="en-US" b="0" i="1" smtClean="0">
+                                      <a:latin typeface="Cambria Math" panose="02040503050406030204" pitchFamily="18" charset="0"/>
+                                    </a:rPr>
+                                    <m:t>𝑠</m:t>
+                                  </m:r>
+                                </m:sub>
+                              </m:sSub>
+                            </m:oMath>
+                          </a14:m>
+                          <a:r>
+                            <a:rPr lang="en-US" dirty="0" smtClean="0"/>
+                            <a:t>-</a:t>
+                          </a:r>
+                          <a:r>
+                            <a:rPr lang="en-US" dirty="0"/>
+                            <a:t>calculus</a:t>
+                          </a:r>
+                          <a:endParaRPr lang="es-CL" dirty="0"/>
+                        </a:p>
+                      </a:txBody>
+                      <a:tcPr/>
+                    </a:tc>
+                    <a:tc>
+                      <a:txBody>
+                        <a:bodyPr/>
+                        <a:lstStyle/>
+                        <a:p>
+                          <a:pPr algn="l"/>
+                          <a:r>
+                            <a:rPr lang="en-US" dirty="0" smtClean="0"/>
+                            <a:t>Tag (S)</a:t>
+                          </a:r>
+                          <a:endParaRPr lang="es-CL" dirty="0"/>
+                        </a:p>
+                      </a:txBody>
+                      <a:tcPr/>
+                    </a:tc>
+                    <a:tc>
+                      <a:txBody>
+                        <a:bodyPr/>
+                        <a:lstStyle/>
+                        <a:p>
+                          <a:pPr algn="l"/>
+                          <a:r>
+                            <a:rPr lang="en-US" dirty="0" smtClean="0"/>
+                            <a:t>Dispatch Error</a:t>
+                          </a:r>
+                          <a:endParaRPr lang="es-CL" dirty="0"/>
+                        </a:p>
+                      </a:txBody>
+                      <a:tcPr/>
+                    </a:tc>
+                    <a:tc>
+                      <a:txBody>
+                        <a:bodyPr/>
+                        <a:lstStyle/>
+                        <a:p>
+                          <a:r>
+                            <a:rPr lang="en-US" dirty="0" smtClean="0"/>
+                            <a:t>ND</a:t>
+                          </a:r>
+                          <a:endParaRPr lang="es-CL" dirty="0"/>
+                        </a:p>
+                      </a:txBody>
+                      <a:tcPr/>
+                    </a:tc>
+                  </a:tr>
+                  <a:tr h="370840">
+                    <a:tc>
+                      <a:txBody>
+                        <a:bodyPr/>
+                        <a:lstStyle/>
+                        <a:p>
+                          <a14:m>
+                            <m:oMath xmlns:m="http://schemas.openxmlformats.org/officeDocument/2006/math">
+                              <m:sSub>
+                                <m:sSubPr>
+                                  <m:ctrlPr>
+                                    <a:rPr lang="en-US" i="1" smtClean="0">
+                                      <a:latin typeface="Cambria Math" panose="02040503050406030204" pitchFamily="18" charset="0"/>
+                                    </a:rPr>
+                                  </m:ctrlPr>
+                                </m:sSubPr>
+                                <m:e>
+                                  <m:r>
+                                    <m:rPr>
+                                      <m:nor/>
+                                    </m:rPr>
+                                    <a:rPr lang="el-GR" dirty="0"/>
+                                    <m:t>λ</m:t>
+                                  </m:r>
+                                  <m:r>
+                                    <m:rPr>
+                                      <m:nor/>
+                                    </m:rPr>
+                                    <a:rPr lang="en-US" dirty="0"/>
+                                    <m:t>\</m:t>
+                                  </m:r>
+                                </m:e>
+                                <m:sub>
+                                  <m:r>
+                                    <a:rPr lang="en-US" i="1" dirty="0">
+                                      <a:latin typeface="Cambria Math" panose="02040503050406030204" pitchFamily="18" charset="0"/>
+                                      <a:ea typeface="Cambria Math" panose="02040503050406030204" pitchFamily="18" charset="0"/>
+                                    </a:rPr>
+                                    <m:t>𝜔</m:t>
+                                  </m:r>
+                                </m:sub>
+                              </m:sSub>
+                            </m:oMath>
+                          </a14:m>
+                          <a:r>
+                            <a:rPr lang="en-US" dirty="0"/>
+                            <a:t>-calculus</a:t>
+                          </a:r>
+                          <a:endParaRPr lang="es-CL" dirty="0"/>
+                        </a:p>
+                      </a:txBody>
+                      <a:tcPr/>
+                    </a:tc>
+                    <a:tc>
+                      <a:txBody>
+                        <a:bodyPr/>
+                        <a:lstStyle/>
+                        <a:p>
+                          <a:pPr algn="l"/>
+                          <a:r>
+                            <a:rPr lang="en-US" dirty="0" smtClean="0"/>
+                            <a:t>Multi-Values(</a:t>
+                          </a:r>
+                          <a14:m>
+                            <m:oMath xmlns:m="http://schemas.openxmlformats.org/officeDocument/2006/math">
+                              <m:r>
+                                <a:rPr lang="en-US" i="1" dirty="0" smtClean="0">
+                                  <a:latin typeface="Cambria Math" panose="02040503050406030204" pitchFamily="18" charset="0"/>
+                                  <a:ea typeface="Cambria Math" panose="02040503050406030204" pitchFamily="18" charset="0"/>
+                                </a:rPr>
+                                <m:t>𝜔</m:t>
+                              </m:r>
+                            </m:oMath>
+                          </a14:m>
+                          <a:r>
+                            <a:rPr lang="en-US" dirty="0" smtClean="0"/>
+                            <a:t>)</a:t>
+                          </a:r>
+                          <a:endParaRPr lang="es-CL" dirty="0"/>
+                        </a:p>
+                      </a:txBody>
+                      <a:tcPr/>
+                    </a:tc>
+                    <a:tc>
+                      <a:txBody>
+                        <a:bodyPr/>
+                        <a:lstStyle/>
+                        <a:p>
+                          <a:pPr algn="l"/>
+                          <a:r>
+                            <a:rPr lang="en-US" dirty="0" smtClean="0"/>
+                            <a:t>Ambiguity Error</a:t>
+                          </a:r>
+                          <a:endParaRPr lang="es-CL" dirty="0"/>
+                        </a:p>
+                      </a:txBody>
+                      <a:tcPr/>
+                    </a:tc>
+                    <a:tc>
+                      <a:txBody>
+                        <a:bodyPr/>
+                        <a:lstStyle/>
+                        <a:p>
+                          <a:r>
+                            <a:rPr lang="en-US" dirty="0" smtClean="0"/>
+                            <a:t>FD</a:t>
+                          </a:r>
+                          <a:endParaRPr lang="es-CL" dirty="0"/>
+                        </a:p>
+                      </a:txBody>
+                      <a:tcPr/>
+                    </a:tc>
+                  </a:tr>
+                  <a:tr h="370840">
+                    <a:tc>
+                      <a:txBody>
+                        <a:bodyPr/>
+                        <a:lstStyle/>
+                        <a:p>
+                          <a14:m>
+                            <m:oMath xmlns:m="http://schemas.openxmlformats.org/officeDocument/2006/math">
+                              <m:sSub>
+                                <m:sSubPr>
+                                  <m:ctrlPr>
+                                    <a:rPr lang="en-US" i="1" smtClean="0">
+                                      <a:latin typeface="Cambria Math" panose="02040503050406030204" pitchFamily="18" charset="0"/>
+                                    </a:rPr>
+                                  </m:ctrlPr>
+                                </m:sSubPr>
+                                <m:e>
+                                  <m:r>
+                                    <m:rPr>
+                                      <m:nor/>
+                                    </m:rPr>
+                                    <a:rPr lang="el-GR" dirty="0"/>
+                                    <m:t>λ</m:t>
+                                  </m:r>
+                                  <m:r>
+                                    <m:rPr>
+                                      <m:nor/>
+                                    </m:rPr>
+                                    <a:rPr lang="en-US" dirty="0"/>
+                                    <m:t>\</m:t>
+                                  </m:r>
+                                </m:e>
+                                <m:sub>
+                                  <m:r>
+                                    <a:rPr lang="en-US" b="0" i="1" dirty="0" smtClean="0">
+                                      <a:latin typeface="Cambria Math" panose="02040503050406030204" pitchFamily="18" charset="0"/>
+                                    </a:rPr>
+                                    <m:t>1</m:t>
+                                  </m:r>
+                                </m:sub>
+                              </m:sSub>
+                            </m:oMath>
+                          </a14:m>
+                          <a:r>
+                            <a:rPr lang="en-US" dirty="0"/>
+                            <a:t>-calculus</a:t>
+                          </a:r>
+                          <a:endParaRPr lang="es-CL" dirty="0"/>
+                        </a:p>
+                      </a:txBody>
+                      <a:tcPr/>
+                    </a:tc>
+                    <a:tc>
+                      <a:txBody>
+                        <a:bodyPr/>
+                        <a:lstStyle/>
+                        <a:p>
+                          <a:pPr algn="l"/>
+                          <a:r>
+                            <a:rPr lang="en-US" dirty="0" smtClean="0"/>
+                            <a:t>Uniqueness</a:t>
+                          </a:r>
+                          <a:endParaRPr lang="es-CL" dirty="0"/>
+                        </a:p>
+                      </a:txBody>
+                      <a:tcPr/>
+                    </a:tc>
+                    <a:tc>
+                      <a:txBody>
+                        <a:bodyPr/>
+                        <a:lstStyle/>
+                        <a:p>
+                          <a:pPr algn="l"/>
+                          <a:r>
+                            <a:rPr lang="en-US" dirty="0" smtClean="0"/>
+                            <a:t>Ambiguity Error</a:t>
+                          </a:r>
+                          <a:endParaRPr lang="es-CL" dirty="0"/>
+                        </a:p>
+                      </a:txBody>
+                      <a:tcPr/>
+                    </a:tc>
+                    <a:tc>
+                      <a:txBody>
+                        <a:bodyPr/>
+                        <a:lstStyle/>
+                        <a:p>
+                          <a:r>
+                            <a:rPr lang="en-US" dirty="0" smtClean="0"/>
+                            <a:t>FD</a:t>
+                          </a:r>
+                          <a:endParaRPr lang="es-CL" dirty="0"/>
+                        </a:p>
+                      </a:txBody>
+                      <a:tcPr/>
+                    </a:tc>
+                  </a:tr>
+                  <a:tr h="370840">
+                    <a:tc>
+                      <a:txBody>
+                        <a:bodyPr/>
+                        <a:lstStyle/>
+                        <a:p>
+                          <a14:m>
+                            <m:oMath xmlns:m="http://schemas.openxmlformats.org/officeDocument/2006/math">
+                              <m:sSub>
+                                <m:sSubPr>
+                                  <m:ctrlPr>
+                                    <a:rPr lang="en-US" i="1" smtClean="0">
+                                      <a:latin typeface="Cambria Math" panose="02040503050406030204" pitchFamily="18" charset="0"/>
+                                    </a:rPr>
+                                  </m:ctrlPr>
+                                </m:sSubPr>
+                                <m:e>
+                                  <m:r>
+                                    <m:rPr>
+                                      <m:nor/>
+                                    </m:rPr>
+                                    <a:rPr lang="el-GR" dirty="0"/>
+                                    <m:t>λ</m:t>
+                                  </m:r>
+                                  <m:r>
+                                    <m:rPr>
+                                      <m:nor/>
+                                    </m:rPr>
+                                    <a:rPr lang="en-US" dirty="0"/>
+                                    <m:t>\</m:t>
+                                  </m:r>
+                                </m:e>
+                                <m:sub>
+                                  <m:r>
+                                    <a:rPr lang="en-US" b="0" i="1" dirty="0" smtClean="0">
+                                      <a:latin typeface="Cambria Math" panose="02040503050406030204" pitchFamily="18" charset="0"/>
+                                    </a:rPr>
+                                    <m:t>𝑇</m:t>
+                                  </m:r>
+                                </m:sub>
+                              </m:sSub>
+                            </m:oMath>
+                          </a14:m>
+                          <a:r>
+                            <a:rPr lang="en-US" dirty="0"/>
+                            <a:t>-calculus</a:t>
+                          </a:r>
+                          <a:endParaRPr lang="es-CL" dirty="0"/>
+                        </a:p>
+                      </a:txBody>
+                      <a:tcPr/>
+                    </a:tc>
+                    <a:tc>
+                      <a:txBody>
+                        <a:bodyPr/>
+                        <a:lstStyle/>
+                        <a:p>
+                          <a:pPr algn="l"/>
+                          <a:r>
+                            <a:rPr lang="en-US" dirty="0" smtClean="0"/>
+                            <a:t>Types(T)</a:t>
+                          </a:r>
+                          <a:endParaRPr lang="es-CL" dirty="0"/>
+                        </a:p>
+                      </a:txBody>
+                      <a:tcPr/>
+                    </a:tc>
+                    <a:tc>
+                      <a:txBody>
+                        <a:bodyPr/>
+                        <a:lstStyle/>
+                        <a:p>
+                          <a:pPr marL="0" marR="0" lvl="0" indent="0" algn="l" defTabSz="914400" rtl="0" eaLnBrk="1" fontAlgn="auto" latinLnBrk="0" hangingPunct="1">
+                            <a:lnSpc>
+                              <a:spcPct val="100000"/>
+                            </a:lnSpc>
+                            <a:spcBef>
+                              <a:spcPts val="0"/>
+                            </a:spcBef>
+                            <a:spcAft>
+                              <a:spcPts val="0"/>
+                            </a:spcAft>
+                            <a:buClrTx/>
+                            <a:buSzTx/>
+                            <a:buFontTx/>
+                            <a:buNone/>
+                            <a:tabLst/>
+                            <a:defRPr/>
+                          </a:pPr>
+                          <a:r>
+                            <a:rPr lang="en-US" dirty="0" smtClean="0"/>
+                            <a:t>Improve Error</a:t>
+                          </a:r>
+                          <a:r>
+                            <a:rPr lang="en-US" baseline="0" dirty="0" smtClean="0"/>
+                            <a:t> Detection</a:t>
+                          </a:r>
+                          <a:endParaRPr lang="es-CL" dirty="0" smtClean="0"/>
+                        </a:p>
+                      </a:txBody>
+                      <a:tcPr/>
+                    </a:tc>
+                    <a:tc>
+                      <a:txBody>
+                        <a:bodyPr/>
+                        <a:lstStyle/>
+                        <a:p>
+                          <a:r>
+                            <a:rPr lang="en-US" dirty="0" smtClean="0"/>
+                            <a:t>FD</a:t>
+                          </a:r>
+                          <a:endParaRPr lang="es-CL" dirty="0"/>
+                        </a:p>
+                      </a:txBody>
+                      <a:tcPr/>
+                    </a:tc>
+                  </a:tr>
+                  <a:tr h="370840">
+                    <a:tc>
+                      <a:txBody>
+                        <a:bodyPr/>
+                        <a:lstStyle/>
+                        <a:p>
+                          <a14:m>
+                            <m:oMath xmlns:m="http://schemas.openxmlformats.org/officeDocument/2006/math">
+                              <m:sSup>
+                                <m:sSupPr>
+                                  <m:ctrlPr>
+                                    <a:rPr lang="en-US" i="1" smtClean="0">
+                                      <a:latin typeface="Cambria Math" panose="02040503050406030204" pitchFamily="18" charset="0"/>
+                                    </a:rPr>
+                                  </m:ctrlPr>
+                                </m:sSupPr>
+                                <m:e>
+                                  <m:r>
+                                    <m:rPr>
+                                      <m:nor/>
+                                    </m:rPr>
+                                    <a:rPr lang="el-GR" dirty="0"/>
+                                    <m:t>λ</m:t>
+                                  </m:r>
+                                  <m:r>
+                                    <m:rPr>
+                                      <m:nor/>
+                                    </m:rPr>
+                                    <a:rPr lang="en-US" dirty="0"/>
+                                    <m:t>\</m:t>
+                                  </m:r>
+                                </m:e>
+                                <m:sup>
+                                  <m:r>
+                                    <a:rPr lang="en-US" i="1">
+                                      <a:latin typeface="Cambria Math" panose="02040503050406030204" pitchFamily="18" charset="0"/>
+                                      <a:ea typeface="Cambria Math" panose="02040503050406030204" pitchFamily="18" charset="0"/>
+                                    </a:rPr>
+                                    <m:t>→</m:t>
+                                  </m:r>
+                                </m:sup>
+                              </m:sSup>
+                            </m:oMath>
+                          </a14:m>
+                          <a:r>
+                            <a:rPr lang="en-US" dirty="0"/>
+                            <a:t>-calculus</a:t>
+                          </a:r>
+                          <a:endParaRPr lang="es-CL" dirty="0"/>
+                        </a:p>
+                      </a:txBody>
+                      <a:tcPr/>
+                    </a:tc>
+                    <a:tc>
+                      <a:txBody>
+                        <a:bodyPr/>
+                        <a:lstStyle/>
+                        <a:p>
+                          <a:pPr algn="l"/>
+                          <a:r>
+                            <a:rPr lang="en-US" dirty="0" smtClean="0"/>
+                            <a:t>Type</a:t>
+                          </a:r>
+                          <a:r>
+                            <a:rPr lang="en-US" baseline="0" dirty="0" smtClean="0"/>
+                            <a:t> System</a:t>
+                          </a:r>
+                          <a:endParaRPr lang="es-CL" dirty="0"/>
+                        </a:p>
+                      </a:txBody>
+                      <a:tcPr/>
+                    </a:tc>
+                    <a:tc>
+                      <a:txBody>
+                        <a:bodyPr/>
+                        <a:lstStyle/>
+                        <a:p>
+                          <a:pPr algn="l"/>
+                          <a:r>
+                            <a:rPr lang="en-US" dirty="0" smtClean="0"/>
+                            <a:t>No</a:t>
+                          </a:r>
+                          <a:r>
+                            <a:rPr lang="en-US" baseline="0" dirty="0" smtClean="0"/>
+                            <a:t> Errors</a:t>
+                          </a:r>
+                          <a:endParaRPr lang="es-CL" dirty="0"/>
+                        </a:p>
+                      </a:txBody>
+                      <a:tcPr/>
+                    </a:tc>
+                    <a:tc>
+                      <a:txBody>
+                        <a:bodyPr/>
+                        <a:lstStyle/>
+                        <a:p>
+                          <a:r>
+                            <a:rPr lang="en-US" dirty="0" smtClean="0"/>
+                            <a:t>D</a:t>
+                          </a:r>
+                          <a:endParaRPr lang="es-CL" dirty="0"/>
+                        </a:p>
+                      </a:txBody>
+                      <a:tcPr/>
+                    </a:tc>
+                  </a:tr>
+                </a:tbl>
+              </a:graphicData>
+            </a:graphic>
+          </p:graphicFrame>
+        </mc:Choice>
+        <mc:Fallback>
+          <p:graphicFrame>
+            <p:nvGraphicFramePr>
+              <p:cNvPr id="4" name="Marcador de contenido 3"/>
+              <p:cNvGraphicFramePr>
+                <a:graphicFrameLocks noGrp="1"/>
+              </p:cNvGraphicFramePr>
+              <p:nvPr>
+                <p:ph idx="1"/>
+                <p:extLst>
+                  <p:ext uri="{D42A27DB-BD31-4B8C-83A1-F6EECF244321}">
+                    <p14:modId xmlns:p14="http://schemas.microsoft.com/office/powerpoint/2010/main" val="1895254361"/>
+                  </p:ext>
+                </p:extLst>
+              </p:nvPr>
+            </p:nvGraphicFramePr>
+            <p:xfrm>
+              <a:off x="838200" y="1825625"/>
+              <a:ext cx="10515600" cy="2762632"/>
+            </p:xfrm>
+            <a:graphic>
+              <a:graphicData uri="http://schemas.openxmlformats.org/drawingml/2006/table">
+                <a:tbl>
+                  <a:tblPr firstRow="1" bandRow="1">
+                    <a:tableStyleId>{5940675A-B579-460E-94D1-54222C63F5DA}</a:tableStyleId>
+                  </a:tblPr>
+                  <a:tblGrid>
+                    <a:gridCol w="1575486"/>
+                    <a:gridCol w="3188044"/>
+                    <a:gridCol w="2471351"/>
+                    <a:gridCol w="3280719"/>
+                  </a:tblGrid>
+                  <a:tr h="518160">
+                    <a:tc>
+                      <a:txBody>
+                        <a:bodyPr/>
+                        <a:lstStyle/>
+                        <a:p>
+                          <a:r>
+                            <a:rPr lang="en-US" sz="2800" dirty="0" smtClean="0"/>
+                            <a:t>Calculus</a:t>
+                          </a:r>
+                          <a:endParaRPr lang="es-CL" sz="2800" dirty="0"/>
+                        </a:p>
+                      </a:txBody>
+                      <a:tcPr/>
+                    </a:tc>
+                    <a:tc>
+                      <a:txBody>
+                        <a:bodyPr/>
+                        <a:lstStyle/>
+                        <a:p>
+                          <a:pPr algn="l"/>
+                          <a:r>
+                            <a:rPr lang="en-US" sz="2800" dirty="0" smtClean="0"/>
+                            <a:t>Principal Feature</a:t>
+                          </a:r>
+                          <a:endParaRPr lang="es-CL" sz="2800" dirty="0"/>
+                        </a:p>
+                      </a:txBody>
+                      <a:tcPr/>
+                    </a:tc>
+                    <a:tc>
+                      <a:txBody>
+                        <a:bodyPr/>
+                        <a:lstStyle/>
+                        <a:p>
+                          <a:pPr algn="l"/>
+                          <a:r>
+                            <a:rPr lang="en-US" sz="2800" dirty="0" smtClean="0"/>
+                            <a:t>Errors</a:t>
+                          </a:r>
+                          <a:endParaRPr lang="es-CL" sz="2800" dirty="0"/>
+                        </a:p>
+                      </a:txBody>
+                      <a:tcPr/>
+                    </a:tc>
+                    <a:tc>
+                      <a:txBody>
+                        <a:bodyPr/>
+                        <a:lstStyle/>
+                        <a:p>
+                          <a:r>
+                            <a:rPr lang="en-US" sz="2800" dirty="0" smtClean="0"/>
+                            <a:t>Determinism</a:t>
+                          </a:r>
+                          <a:endParaRPr lang="es-CL" sz="2800" dirty="0"/>
+                        </a:p>
+                      </a:txBody>
+                      <a:tcPr/>
+                    </a:tc>
+                  </a:tr>
+                  <a:tr h="370840">
+                    <a:tc>
+                      <a:txBody>
+                        <a:bodyPr/>
+                        <a:lstStyle/>
+                        <a:p>
+                          <a:r>
+                            <a:rPr lang="el-GR" dirty="0" smtClean="0"/>
+                            <a:t>λ</a:t>
+                          </a:r>
+                          <a:r>
+                            <a:rPr lang="en-US" dirty="0" smtClean="0"/>
+                            <a:t>\-calculus</a:t>
+                          </a:r>
+                          <a:endParaRPr lang="es-CL" dirty="0"/>
+                        </a:p>
+                      </a:txBody>
+                      <a:tcPr/>
+                    </a:tc>
+                    <a:tc>
+                      <a:txBody>
+                        <a:bodyPr/>
+                        <a:lstStyle/>
+                        <a:p>
+                          <a:pPr algn="l"/>
+                          <a:r>
+                            <a:rPr lang="en-US" dirty="0" smtClean="0"/>
+                            <a:t>Multi-Definitions</a:t>
+                          </a:r>
+                          <a:endParaRPr lang="es-CL" dirty="0"/>
+                        </a:p>
+                      </a:txBody>
+                      <a:tcPr/>
+                    </a:tc>
+                    <a:tc>
+                      <a:txBody>
+                        <a:bodyPr/>
+                        <a:lstStyle/>
+                        <a:p>
+                          <a:pPr algn="l"/>
+                          <a:r>
+                            <a:rPr lang="en-US" dirty="0" smtClean="0"/>
+                            <a:t>Name and Type Error</a:t>
+                          </a:r>
+                          <a:endParaRPr lang="es-CL" dirty="0"/>
+                        </a:p>
+                      </a:txBody>
+                      <a:tcPr/>
+                    </a:tc>
+                    <a:tc>
+                      <a:txBody>
+                        <a:bodyPr/>
+                        <a:lstStyle/>
+                        <a:p>
+                          <a:r>
+                            <a:rPr lang="en-US" dirty="0" smtClean="0"/>
+                            <a:t>ND</a:t>
+                          </a:r>
+                          <a:endParaRPr lang="es-CL" dirty="0"/>
+                        </a:p>
+                      </a:txBody>
+                      <a:tcPr/>
+                    </a:tc>
+                  </a:tr>
+                  <a:tr h="376428">
+                    <a:tc>
+                      <a:txBody>
+                        <a:bodyPr/>
+                        <a:lstStyle/>
+                        <a:p>
+                          <a:endParaRPr lang="es-CL"/>
+                        </a:p>
+                      </a:txBody>
+                      <a:tcPr>
+                        <a:blipFill rotWithShape="0">
+                          <a:blip r:embed="rId2"/>
+                          <a:stretch>
+                            <a:fillRect l="-386" t="-250000" r="-567181" b="-422581"/>
+                          </a:stretch>
+                        </a:blipFill>
+                      </a:tcPr>
+                    </a:tc>
+                    <a:tc>
+                      <a:txBody>
+                        <a:bodyPr/>
+                        <a:lstStyle/>
+                        <a:p>
+                          <a:pPr algn="l"/>
+                          <a:r>
+                            <a:rPr lang="en-US" dirty="0" smtClean="0"/>
+                            <a:t>Tag (S)</a:t>
+                          </a:r>
+                          <a:endParaRPr lang="es-CL" dirty="0"/>
+                        </a:p>
+                      </a:txBody>
+                      <a:tcPr/>
+                    </a:tc>
+                    <a:tc>
+                      <a:txBody>
+                        <a:bodyPr/>
+                        <a:lstStyle/>
+                        <a:p>
+                          <a:pPr algn="l"/>
+                          <a:r>
+                            <a:rPr lang="en-US" dirty="0" smtClean="0"/>
+                            <a:t>Dispatch Error</a:t>
+                          </a:r>
+                          <a:endParaRPr lang="es-CL" dirty="0"/>
+                        </a:p>
+                      </a:txBody>
+                      <a:tcPr/>
+                    </a:tc>
+                    <a:tc>
+                      <a:txBody>
+                        <a:bodyPr/>
+                        <a:lstStyle/>
+                        <a:p>
+                          <a:r>
+                            <a:rPr lang="en-US" dirty="0" smtClean="0"/>
+                            <a:t>ND</a:t>
+                          </a:r>
+                          <a:endParaRPr lang="es-CL" dirty="0"/>
+                        </a:p>
+                      </a:txBody>
+                      <a:tcPr/>
+                    </a:tc>
+                  </a:tr>
+                  <a:tr h="376428">
+                    <a:tc>
+                      <a:txBody>
+                        <a:bodyPr/>
+                        <a:lstStyle/>
+                        <a:p>
+                          <a:endParaRPr lang="es-CL"/>
+                        </a:p>
+                      </a:txBody>
+                      <a:tcPr>
+                        <a:blipFill rotWithShape="0">
+                          <a:blip r:embed="rId2"/>
+                          <a:stretch>
+                            <a:fillRect l="-386" t="-350000" r="-567181" b="-322581"/>
+                          </a:stretch>
+                        </a:blipFill>
+                      </a:tcPr>
+                    </a:tc>
+                    <a:tc>
+                      <a:txBody>
+                        <a:bodyPr/>
+                        <a:lstStyle/>
+                        <a:p>
+                          <a:endParaRPr lang="es-CL"/>
+                        </a:p>
+                      </a:txBody>
+                      <a:tcPr>
+                        <a:blipFill rotWithShape="0">
+                          <a:blip r:embed="rId2"/>
+                          <a:stretch>
+                            <a:fillRect l="-49713" t="-350000" r="-180880" b="-322581"/>
+                          </a:stretch>
+                        </a:blipFill>
+                      </a:tcPr>
+                    </a:tc>
+                    <a:tc>
+                      <a:txBody>
+                        <a:bodyPr/>
+                        <a:lstStyle/>
+                        <a:p>
+                          <a:pPr algn="l"/>
+                          <a:r>
+                            <a:rPr lang="en-US" dirty="0" smtClean="0"/>
+                            <a:t>Ambiguity Error</a:t>
+                          </a:r>
+                          <a:endParaRPr lang="es-CL" dirty="0"/>
+                        </a:p>
+                      </a:txBody>
+                      <a:tcPr/>
+                    </a:tc>
+                    <a:tc>
+                      <a:txBody>
+                        <a:bodyPr/>
+                        <a:lstStyle/>
+                        <a:p>
+                          <a:r>
+                            <a:rPr lang="en-US" dirty="0" smtClean="0"/>
+                            <a:t>FD</a:t>
+                          </a:r>
+                          <a:endParaRPr lang="es-CL" dirty="0"/>
+                        </a:p>
+                      </a:txBody>
+                      <a:tcPr/>
+                    </a:tc>
+                  </a:tr>
+                  <a:tr h="374968">
+                    <a:tc>
+                      <a:txBody>
+                        <a:bodyPr/>
+                        <a:lstStyle/>
+                        <a:p>
+                          <a:endParaRPr lang="es-CL"/>
+                        </a:p>
+                      </a:txBody>
+                      <a:tcPr>
+                        <a:blipFill rotWithShape="0">
+                          <a:blip r:embed="rId2"/>
+                          <a:stretch>
+                            <a:fillRect l="-386" t="-457377" r="-567181" b="-227869"/>
+                          </a:stretch>
+                        </a:blipFill>
+                      </a:tcPr>
+                    </a:tc>
+                    <a:tc>
+                      <a:txBody>
+                        <a:bodyPr/>
+                        <a:lstStyle/>
+                        <a:p>
+                          <a:pPr algn="l"/>
+                          <a:r>
+                            <a:rPr lang="en-US" dirty="0" smtClean="0"/>
+                            <a:t>Uniqueness</a:t>
+                          </a:r>
+                          <a:endParaRPr lang="es-CL" dirty="0"/>
+                        </a:p>
+                      </a:txBody>
+                      <a:tcPr/>
+                    </a:tc>
+                    <a:tc>
+                      <a:txBody>
+                        <a:bodyPr/>
+                        <a:lstStyle/>
+                        <a:p>
+                          <a:pPr algn="l"/>
+                          <a:r>
+                            <a:rPr lang="en-US" dirty="0" smtClean="0"/>
+                            <a:t>Ambiguity Error</a:t>
+                          </a:r>
+                          <a:endParaRPr lang="es-CL" dirty="0"/>
+                        </a:p>
+                      </a:txBody>
+                      <a:tcPr/>
+                    </a:tc>
+                    <a:tc>
+                      <a:txBody>
+                        <a:bodyPr/>
+                        <a:lstStyle/>
+                        <a:p>
+                          <a:r>
+                            <a:rPr lang="en-US" dirty="0" smtClean="0"/>
+                            <a:t>FD</a:t>
+                          </a:r>
+                          <a:endParaRPr lang="es-CL" dirty="0"/>
+                        </a:p>
+                      </a:txBody>
+                      <a:tcPr/>
+                    </a:tc>
+                  </a:tr>
+                  <a:tr h="374968">
+                    <a:tc>
+                      <a:txBody>
+                        <a:bodyPr/>
+                        <a:lstStyle/>
+                        <a:p>
+                          <a:endParaRPr lang="es-CL"/>
+                        </a:p>
+                      </a:txBody>
+                      <a:tcPr>
+                        <a:blipFill rotWithShape="0">
+                          <a:blip r:embed="rId2"/>
+                          <a:stretch>
+                            <a:fillRect l="-386" t="-548387" r="-567181" b="-124194"/>
+                          </a:stretch>
+                        </a:blipFill>
+                      </a:tcPr>
+                    </a:tc>
+                    <a:tc>
+                      <a:txBody>
+                        <a:bodyPr/>
+                        <a:lstStyle/>
+                        <a:p>
+                          <a:pPr algn="l"/>
+                          <a:r>
+                            <a:rPr lang="en-US" dirty="0" smtClean="0"/>
+                            <a:t>Types(T)</a:t>
+                          </a:r>
+                          <a:endParaRPr lang="es-CL" dirty="0"/>
+                        </a:p>
+                      </a:txBody>
+                      <a:tcPr/>
+                    </a:tc>
+                    <a:tc>
+                      <a:txBody>
+                        <a:bodyPr/>
+                        <a:lstStyle/>
+                        <a:p>
+                          <a:pPr marL="0" marR="0" lvl="0" indent="0" algn="l" defTabSz="914400" rtl="0" eaLnBrk="1" fontAlgn="auto" latinLnBrk="0" hangingPunct="1">
+                            <a:lnSpc>
+                              <a:spcPct val="100000"/>
+                            </a:lnSpc>
+                            <a:spcBef>
+                              <a:spcPts val="0"/>
+                            </a:spcBef>
+                            <a:spcAft>
+                              <a:spcPts val="0"/>
+                            </a:spcAft>
+                            <a:buClrTx/>
+                            <a:buSzTx/>
+                            <a:buFontTx/>
+                            <a:buNone/>
+                            <a:tabLst/>
+                            <a:defRPr/>
+                          </a:pPr>
+                          <a:r>
+                            <a:rPr lang="en-US" dirty="0" smtClean="0"/>
+                            <a:t>Improve Error</a:t>
+                          </a:r>
+                          <a:r>
+                            <a:rPr lang="en-US" baseline="0" dirty="0" smtClean="0"/>
+                            <a:t> Detection</a:t>
+                          </a:r>
+                          <a:endParaRPr lang="es-CL" dirty="0" smtClean="0"/>
+                        </a:p>
+                      </a:txBody>
+                      <a:tcPr/>
+                    </a:tc>
+                    <a:tc>
+                      <a:txBody>
+                        <a:bodyPr/>
+                        <a:lstStyle/>
+                        <a:p>
+                          <a:r>
+                            <a:rPr lang="en-US" dirty="0" smtClean="0"/>
+                            <a:t>FD</a:t>
+                          </a:r>
+                          <a:endParaRPr lang="es-CL" dirty="0"/>
+                        </a:p>
+                      </a:txBody>
+                      <a:tcPr/>
+                    </a:tc>
+                  </a:tr>
+                  <a:tr h="370840">
+                    <a:tc>
+                      <a:txBody>
+                        <a:bodyPr/>
+                        <a:lstStyle/>
+                        <a:p>
+                          <a:endParaRPr lang="es-CL"/>
+                        </a:p>
+                      </a:txBody>
+                      <a:tcPr>
+                        <a:blipFill rotWithShape="0">
+                          <a:blip r:embed="rId2"/>
+                          <a:stretch>
+                            <a:fillRect l="-386" t="-659016" r="-567181" b="-26230"/>
+                          </a:stretch>
+                        </a:blipFill>
+                      </a:tcPr>
+                    </a:tc>
+                    <a:tc>
+                      <a:txBody>
+                        <a:bodyPr/>
+                        <a:lstStyle/>
+                        <a:p>
+                          <a:pPr algn="l"/>
+                          <a:r>
+                            <a:rPr lang="en-US" dirty="0" smtClean="0"/>
+                            <a:t>Type</a:t>
+                          </a:r>
+                          <a:r>
+                            <a:rPr lang="en-US" baseline="0" dirty="0" smtClean="0"/>
+                            <a:t> System</a:t>
+                          </a:r>
+                          <a:endParaRPr lang="es-CL" dirty="0"/>
+                        </a:p>
+                      </a:txBody>
+                      <a:tcPr/>
+                    </a:tc>
+                    <a:tc>
+                      <a:txBody>
+                        <a:bodyPr/>
+                        <a:lstStyle/>
+                        <a:p>
+                          <a:pPr algn="l"/>
+                          <a:r>
+                            <a:rPr lang="en-US" dirty="0" smtClean="0"/>
+                            <a:t>No</a:t>
+                          </a:r>
+                          <a:r>
+                            <a:rPr lang="en-US" baseline="0" dirty="0" smtClean="0"/>
+                            <a:t> Errors</a:t>
+                          </a:r>
+                          <a:endParaRPr lang="es-CL" dirty="0"/>
+                        </a:p>
+                      </a:txBody>
+                      <a:tcPr/>
+                    </a:tc>
+                    <a:tc>
+                      <a:txBody>
+                        <a:bodyPr/>
+                        <a:lstStyle/>
+                        <a:p>
+                          <a:r>
+                            <a:rPr lang="en-US" dirty="0" smtClean="0"/>
+                            <a:t>D</a:t>
+                          </a:r>
+                          <a:endParaRPr lang="es-CL" dirty="0"/>
+                        </a:p>
+                      </a:txBody>
+                      <a:tcPr/>
+                    </a:tc>
+                  </a:tr>
+                </a:tbl>
+              </a:graphicData>
+            </a:graphic>
+          </p:graphicFrame>
+        </mc:Fallback>
+      </mc:AlternateContent>
+    </p:spTree>
+    <p:extLst>
+      <p:ext uri="{BB962C8B-B14F-4D97-AF65-F5344CB8AC3E}">
+        <p14:creationId xmlns:p14="http://schemas.microsoft.com/office/powerpoint/2010/main" val="1248043660"/>
+      </p:ext>
+    </p:extLst>
+  </p:cSld>
+  <p:clrMapOvr>
+    <a:masterClrMapping/>
+  </p:clrMapOvr>
+  <p:timing>
+    <p:tnLst>
+      <p:par>
+        <p:cTn id="1" dur="indefinite" restart="never" nodeType="tmRoot"/>
+      </p:par>
+    </p:tnLst>
+  </p:timing>
+</p:sld>
+</file>
+
+<file path=ppt/slides/slide20.xml><?xml version="1.0" encoding="utf-8"?>
+<p:sld xmlns:a="http://schemas.openxmlformats.org/drawingml/2006/main" xmlns:r="http://schemas.openxmlformats.org/officeDocument/2006/relationships" xmlns:p="http://schemas.openxmlformats.org/presentationml/2006/main">
+  <p:cSld>
+    <p:spTree>
+      <p:nvGrpSpPr>
+        <p:cNvPr id="1" name=""/>
+        <p:cNvGrpSpPr/>
+        <p:nvPr/>
+      </p:nvGrpSpPr>
+      <p:grpSpPr>
+        <a:xfrm>
+          <a:off x="0" y="0"/>
+          <a:ext cx="0" cy="0"/>
+          <a:chOff x="0" y="0"/>
+          <a:chExt cx="0" cy="0"/>
+        </a:xfrm>
+      </p:grpSpPr>
+      <mc:AlternateContent xmlns:mc="http://schemas.openxmlformats.org/markup-compatibility/2006">
+        <mc:Choice xmlns:a14="http://schemas.microsoft.com/office/drawing/2010/main" Requires="a14">
+          <p:sp>
+            <p:nvSpPr>
+              <p:cNvPr id="2" name="Título 1"/>
+              <p:cNvSpPr>
+                <a:spLocks noGrp="1"/>
+              </p:cNvSpPr>
+              <p:nvPr>
+                <p:ph type="title"/>
+              </p:nvPr>
+            </p:nvSpPr>
+            <p:spPr/>
+            <p:txBody>
+              <a:bodyPr/>
+              <a:lstStyle/>
+              <a:p>
+                <a14:m>
+                  <m:oMath xmlns:m="http://schemas.openxmlformats.org/officeDocument/2006/math">
+                    <m:sSub>
+                      <m:sSubPr>
+                        <m:ctrlPr>
+                          <a:rPr lang="en-US" i="1" smtClean="0">
+                            <a:latin typeface="Cambria Math" panose="02040503050406030204" pitchFamily="18" charset="0"/>
+                          </a:rPr>
+                        </m:ctrlPr>
+                      </m:sSubPr>
+                      <m:e>
+                        <m:r>
+                          <m:rPr>
+                            <m:nor/>
+                          </m:rPr>
+                          <a:rPr lang="el-GR" dirty="0"/>
+                          <m:t>λ</m:t>
+                        </m:r>
+                        <m:r>
+                          <m:rPr>
+                            <m:nor/>
+                          </m:rPr>
+                          <a:rPr lang="en-US" dirty="0"/>
+                          <m:t>\</m:t>
+                        </m:r>
+                      </m:e>
+                      <m:sub>
+                        <m:r>
+                          <a:rPr lang="en-US" b="0" i="1" dirty="0" smtClean="0">
+                            <a:latin typeface="Cambria Math" panose="02040503050406030204" pitchFamily="18" charset="0"/>
+                          </a:rPr>
+                          <m:t>𝑇</m:t>
+                        </m:r>
+                      </m:sub>
+                    </m:sSub>
+                  </m:oMath>
+                </a14:m>
+                <a:r>
+                  <a:rPr lang="en-US" dirty="0"/>
+                  <a:t>-calculus</a:t>
+                </a:r>
+                <a:endParaRPr lang="es-CL" dirty="0"/>
+              </a:p>
+            </p:txBody>
+          </p:sp>
+        </mc:Choice>
+        <mc:Fallback>
+          <p:sp>
+            <p:nvSpPr>
+              <p:cNvPr id="2" name="Título 1"/>
+              <p:cNvSpPr>
+                <a:spLocks noGrp="1" noRot="1" noChangeAspect="1" noMove="1" noResize="1" noEditPoints="1" noAdjustHandles="1" noChangeArrowheads="1" noChangeShapeType="1" noTextEdit="1"/>
+              </p:cNvSpPr>
+              <p:nvPr>
+                <p:ph type="title"/>
+              </p:nvPr>
+            </p:nvSpPr>
+            <p:spPr>
+              <a:blipFill rotWithShape="0">
+                <a:blip r:embed="rId2"/>
+                <a:stretch>
+                  <a:fillRect/>
+                </a:stretch>
+              </a:blipFill>
+            </p:spPr>
+            <p:txBody>
+              <a:bodyPr/>
+              <a:lstStyle/>
+              <a:p>
+                <a:r>
+                  <a:rPr lang="es-CL">
+                    <a:noFill/>
+                  </a:rPr>
+                  <a:t> </a:t>
+                </a:r>
+              </a:p>
+            </p:txBody>
+          </p:sp>
+        </mc:Fallback>
+      </mc:AlternateContent>
       <p:sp>
         <p:nvSpPr>
           <p:cNvPr id="5" name="Rectángulo 4"/>
@@ -4594,6 +7246,232 @@
           </a:p>
         </p:txBody>
       </p:sp>
+      <p:pic>
+        <p:nvPicPr>
+          <p:cNvPr id="8" name="Marcador de contenido 7"/>
+          <p:cNvPicPr>
+            <a:picLocks noGrp="1" noChangeAspect="1"/>
+          </p:cNvPicPr>
+          <p:nvPr>
+            <p:ph idx="1"/>
+          </p:nvPr>
+        </p:nvPicPr>
+        <p:blipFill>
+          <a:blip r:embed="rId3"/>
+          <a:stretch>
+            <a:fillRect/>
+          </a:stretch>
+        </p:blipFill>
+        <p:spPr>
+          <a:xfrm>
+            <a:off x="2295525" y="2039144"/>
+            <a:ext cx="7600950" cy="3924300"/>
+          </a:xfrm>
+          <a:prstGeom prst="rect">
+            <a:avLst/>
+          </a:prstGeom>
+        </p:spPr>
+      </p:pic>
+      <p:sp>
+        <p:nvSpPr>
+          <p:cNvPr id="9" name="Rectángulo 8"/>
+          <p:cNvSpPr/>
+          <p:nvPr/>
+        </p:nvSpPr>
+        <p:spPr>
+          <a:xfrm>
+            <a:off x="3189073" y="4547287"/>
+            <a:ext cx="2618603" cy="205946"/>
+          </a:xfrm>
+          <a:prstGeom prst="rect">
+            <a:avLst/>
+          </a:prstGeom>
+          <a:noFill/>
+          <a:ln>
+            <a:solidFill>
+              <a:srgbClr val="FF0000"/>
+            </a:solidFill>
+          </a:ln>
+        </p:spPr>
+        <p:style>
+          <a:lnRef idx="2">
+            <a:schemeClr val="accent2"/>
+          </a:lnRef>
+          <a:fillRef idx="1">
+            <a:schemeClr val="lt1"/>
+          </a:fillRef>
+          <a:effectRef idx="0">
+            <a:schemeClr val="accent2"/>
+          </a:effectRef>
+          <a:fontRef idx="minor">
+            <a:schemeClr val="dk1"/>
+          </a:fontRef>
+        </p:style>
+        <p:txBody>
+          <a:bodyPr rtlCol="0" anchor="ctr"/>
+          <a:lstStyle/>
+          <a:p>
+            <a:pPr algn="ctr"/>
+            <a:endParaRPr lang="es-CL"/>
+          </a:p>
+        </p:txBody>
+      </p:sp>
+      <p:sp>
+        <p:nvSpPr>
+          <p:cNvPr id="10" name="Rectángulo 9"/>
+          <p:cNvSpPr/>
+          <p:nvPr/>
+        </p:nvSpPr>
+        <p:spPr>
+          <a:xfrm>
+            <a:off x="3189073" y="3032472"/>
+            <a:ext cx="2618603" cy="205946"/>
+          </a:xfrm>
+          <a:prstGeom prst="rect">
+            <a:avLst/>
+          </a:prstGeom>
+          <a:noFill/>
+          <a:ln>
+            <a:solidFill>
+              <a:srgbClr val="FF0000"/>
+            </a:solidFill>
+          </a:ln>
+        </p:spPr>
+        <p:style>
+          <a:lnRef idx="2">
+            <a:schemeClr val="accent2"/>
+          </a:lnRef>
+          <a:fillRef idx="1">
+            <a:schemeClr val="lt1"/>
+          </a:fillRef>
+          <a:effectRef idx="0">
+            <a:schemeClr val="accent2"/>
+          </a:effectRef>
+          <a:fontRef idx="minor">
+            <a:schemeClr val="dk1"/>
+          </a:fontRef>
+        </p:style>
+        <p:txBody>
+          <a:bodyPr rtlCol="0" anchor="ctr"/>
+          <a:lstStyle/>
+          <a:p>
+            <a:pPr algn="ctr"/>
+            <a:endParaRPr lang="es-CL"/>
+          </a:p>
+        </p:txBody>
+      </p:sp>
+      <p:sp>
+        <p:nvSpPr>
+          <p:cNvPr id="11" name="Rectángulo 10"/>
+          <p:cNvSpPr/>
+          <p:nvPr/>
+        </p:nvSpPr>
+        <p:spPr>
+          <a:xfrm>
+            <a:off x="3189072" y="5683358"/>
+            <a:ext cx="2618603" cy="205946"/>
+          </a:xfrm>
+          <a:prstGeom prst="rect">
+            <a:avLst/>
+          </a:prstGeom>
+          <a:noFill/>
+          <a:ln>
+            <a:solidFill>
+              <a:srgbClr val="FF0000"/>
+            </a:solidFill>
+          </a:ln>
+        </p:spPr>
+        <p:style>
+          <a:lnRef idx="2">
+            <a:schemeClr val="accent2"/>
+          </a:lnRef>
+          <a:fillRef idx="1">
+            <a:schemeClr val="lt1"/>
+          </a:fillRef>
+          <a:effectRef idx="0">
+            <a:schemeClr val="accent2"/>
+          </a:effectRef>
+          <a:fontRef idx="minor">
+            <a:schemeClr val="dk1"/>
+          </a:fontRef>
+        </p:style>
+        <p:txBody>
+          <a:bodyPr rtlCol="0" anchor="ctr"/>
+          <a:lstStyle/>
+          <a:p>
+            <a:pPr algn="ctr"/>
+            <a:endParaRPr lang="es-CL"/>
+          </a:p>
+        </p:txBody>
+      </p:sp>
+      <p:pic>
+        <p:nvPicPr>
+          <p:cNvPr id="13" name="Imagen 12"/>
+          <p:cNvPicPr>
+            <a:picLocks noChangeAspect="1"/>
+          </p:cNvPicPr>
+          <p:nvPr/>
+        </p:nvPicPr>
+        <p:blipFill>
+          <a:blip r:embed="rId4"/>
+          <a:stretch>
+            <a:fillRect/>
+          </a:stretch>
+        </p:blipFill>
+        <p:spPr>
+          <a:xfrm>
+            <a:off x="1196288" y="1452005"/>
+            <a:ext cx="9232815" cy="5098578"/>
+          </a:xfrm>
+          <a:prstGeom prst="rect">
+            <a:avLst/>
+          </a:prstGeom>
+        </p:spPr>
+      </p:pic>
+      <p:sp>
+        <p:nvSpPr>
+          <p:cNvPr id="14" name="Rectángulo 13"/>
+          <p:cNvSpPr/>
+          <p:nvPr/>
+        </p:nvSpPr>
+        <p:spPr>
+          <a:xfrm>
+            <a:off x="2637395" y="2726086"/>
+            <a:ext cx="2931383" cy="234779"/>
+          </a:xfrm>
+          <a:prstGeom prst="rect">
+            <a:avLst/>
+          </a:prstGeom>
+          <a:noFill/>
+          <a:ln>
+            <a:solidFill>
+              <a:srgbClr val="FF0000"/>
+            </a:solidFill>
+          </a:ln>
+        </p:spPr>
+        <p:style>
+          <a:lnRef idx="2">
+            <a:schemeClr val="accent2"/>
+          </a:lnRef>
+          <a:fillRef idx="1">
+            <a:schemeClr val="lt1"/>
+          </a:fillRef>
+          <a:effectRef idx="0">
+            <a:schemeClr val="accent2"/>
+          </a:effectRef>
+          <a:fontRef idx="minor">
+            <a:schemeClr val="dk1"/>
+          </a:fontRef>
+        </p:style>
+        <p:txBody>
+          <a:bodyPr rtlCol="0" anchor="ctr"/>
+          <a:lstStyle/>
+          <a:p>
+            <a:pPr algn="ctr"/>
+            <a:endParaRPr lang="es-CL"/>
+          </a:p>
+        </p:txBody>
+      </p:sp>
     </p:spTree>
     <p:extLst>
       <p:ext uri="{BB962C8B-B14F-4D97-AF65-F5344CB8AC3E}">
@@ -4614,7 +7492,7 @@
 </p:sld>
 </file>
 
-<file path=ppt/slides/slide19.xml><?xml version="1.0" encoding="utf-8"?>
+<file path=ppt/slides/slide21.xml><?xml version="1.0" encoding="utf-8"?>
 <p:sld xmlns:a="http://schemas.openxmlformats.org/drawingml/2006/main" xmlns:r="http://schemas.openxmlformats.org/officeDocument/2006/relationships" xmlns:p="http://schemas.openxmlformats.org/presentationml/2006/main">
   <p:cSld>
     <p:spTree>
@@ -4631,57 +7509,121 @@
           <a:chExt cx="0" cy="0"/>
         </a:xfrm>
       </p:grpSpPr>
-      <p:sp>
-        <p:nvSpPr>
-          <p:cNvPr id="2" name="Título 1"/>
-          <p:cNvSpPr>
-            <a:spLocks noGrp="1"/>
-          </p:cNvSpPr>
-          <p:nvPr>
-            <p:ph type="title"/>
-          </p:nvPr>
-        </p:nvSpPr>
-        <p:spPr/>
-        <p:txBody>
-          <a:bodyPr/>
-          <a:lstStyle/>
-          <a:p>
-            <a:r>
-              <a:rPr lang="es-CL" dirty="0" err="1" smtClean="0"/>
-              <a:t>Overloading</a:t>
-            </a:r>
-            <a:r>
-              <a:rPr lang="es-CL" dirty="0" smtClean="0"/>
-              <a:t> </a:t>
-            </a:r>
-            <a:r>
-              <a:rPr lang="es-CL" dirty="0" err="1" smtClean="0"/>
-              <a:t>Language</a:t>
-            </a:r>
-            <a:endParaRPr lang="es-CL" dirty="0"/>
-          </a:p>
-        </p:txBody>
-      </p:sp>
+      <mc:AlternateContent xmlns:mc="http://schemas.openxmlformats.org/markup-compatibility/2006">
+        <mc:Choice xmlns:a14="http://schemas.microsoft.com/office/drawing/2010/main" Requires="a14">
+          <p:sp>
+            <p:nvSpPr>
+              <p:cNvPr id="2" name="Título 1"/>
+              <p:cNvSpPr>
+                <a:spLocks noGrp="1"/>
+              </p:cNvSpPr>
+              <p:nvPr>
+                <p:ph type="title"/>
+              </p:nvPr>
+            </p:nvSpPr>
+            <p:spPr/>
+            <p:txBody>
+              <a:bodyPr/>
+              <a:lstStyle/>
+              <a:p>
+                <a14:m>
+                  <m:oMath xmlns:m="http://schemas.openxmlformats.org/officeDocument/2006/math">
+                    <m:sSub>
+                      <m:sSubPr>
+                        <m:ctrlPr>
+                          <a:rPr lang="en-US" i="1" smtClean="0">
+                            <a:latin typeface="Cambria Math" panose="02040503050406030204" pitchFamily="18" charset="0"/>
+                          </a:rPr>
+                        </m:ctrlPr>
+                      </m:sSubPr>
+                      <m:e>
+                        <m:r>
+                          <m:rPr>
+                            <m:nor/>
+                          </m:rPr>
+                          <a:rPr lang="el-GR" dirty="0"/>
+                          <m:t>λ</m:t>
+                        </m:r>
+                        <m:r>
+                          <m:rPr>
+                            <m:nor/>
+                          </m:rPr>
+                          <a:rPr lang="en-US" dirty="0"/>
+                          <m:t>\</m:t>
+                        </m:r>
+                      </m:e>
+                      <m:sub>
+                        <m:r>
+                          <a:rPr lang="en-US" b="0" i="1" dirty="0" smtClean="0">
+                            <a:latin typeface="Cambria Math" panose="02040503050406030204" pitchFamily="18" charset="0"/>
+                          </a:rPr>
+                          <m:t>𝑇</m:t>
+                        </m:r>
+                      </m:sub>
+                    </m:sSub>
+                  </m:oMath>
+                </a14:m>
+                <a:r>
+                  <a:rPr lang="en-US" dirty="0"/>
+                  <a:t>-calculus</a:t>
+                </a:r>
+                <a:endParaRPr lang="es-CL" dirty="0"/>
+              </a:p>
+            </p:txBody>
+          </p:sp>
+        </mc:Choice>
+        <mc:Fallback>
+          <p:sp>
+            <p:nvSpPr>
+              <p:cNvPr id="2" name="Título 1"/>
+              <p:cNvSpPr>
+                <a:spLocks noGrp="1" noRot="1" noChangeAspect="1" noMove="1" noResize="1" noEditPoints="1" noAdjustHandles="1" noChangeArrowheads="1" noChangeShapeType="1" noTextEdit="1"/>
+              </p:cNvSpPr>
+              <p:nvPr>
+                <p:ph type="title"/>
+              </p:nvPr>
+            </p:nvSpPr>
+            <p:spPr>
+              <a:blipFill rotWithShape="0">
+                <a:blip r:embed="rId2"/>
+                <a:stretch>
+                  <a:fillRect/>
+                </a:stretch>
+              </a:blipFill>
+            </p:spPr>
+            <p:txBody>
+              <a:bodyPr/>
+              <a:lstStyle/>
+              <a:p>
+                <a:r>
+                  <a:rPr lang="es-CL">
+                    <a:noFill/>
+                  </a:rPr>
+                  <a:t> </a:t>
+                </a:r>
+              </a:p>
+            </p:txBody>
+          </p:sp>
+        </mc:Fallback>
+      </mc:AlternateContent>
       <p:pic>
         <p:nvPicPr>
-          <p:cNvPr id="4" name="Marcador de contenido 3"/>
+          <p:cNvPr id="9" name="Imagen 8"/>
           <p:cNvPicPr>
-            <a:picLocks noGrp="1" noChangeAspect="1"/>
+            <a:picLocks noChangeAspect="1"/>
           </p:cNvPicPr>
-          <p:nvPr>
-            <p:ph idx="1"/>
-          </p:nvPr>
+          <p:nvPr/>
         </p:nvPicPr>
         <p:blipFill>
-          <a:blip r:embed="rId2"/>
+          <a:blip r:embed="rId3"/>
           <a:stretch>
             <a:fillRect/>
           </a:stretch>
         </p:blipFill>
         <p:spPr>
           <a:xfrm>
-            <a:off x="2995612" y="2863056"/>
-            <a:ext cx="6200775" cy="2276475"/>
+            <a:off x="2757487" y="2233612"/>
+            <a:ext cx="6677025" cy="2390775"/>
           </a:xfrm>
           <a:prstGeom prst="rect">
             <a:avLst/>
@@ -4708,7 +7650,7 @@
 </p:sld>
 </file>
 
-<file path=ppt/slides/slide2.xml><?xml version="1.0" encoding="utf-8"?>
+<file path=ppt/slides/slide22.xml><?xml version="1.0" encoding="utf-8"?>
 <p:sld xmlns:a="http://schemas.openxmlformats.org/drawingml/2006/main" xmlns:r="http://schemas.openxmlformats.org/officeDocument/2006/relationships" xmlns:p="http://schemas.openxmlformats.org/presentationml/2006/main">
   <p:cSld>
     <p:spTree>
@@ -4725,173 +7667,108 @@
           <a:chExt cx="0" cy="0"/>
         </a:xfrm>
       </p:grpSpPr>
-      <p:sp>
-        <p:nvSpPr>
-          <p:cNvPr id="2" name="Título 1"/>
-          <p:cNvSpPr>
-            <a:spLocks noGrp="1"/>
-          </p:cNvSpPr>
-          <p:nvPr>
-            <p:ph type="title"/>
-          </p:nvPr>
-        </p:nvSpPr>
-        <p:spPr/>
-        <p:txBody>
-          <a:bodyPr/>
-          <a:lstStyle/>
-          <a:p>
-            <a:r>
-              <a:rPr lang="en-US" dirty="0" smtClean="0"/>
-              <a:t>Flexible Language</a:t>
-            </a:r>
-            <a:endParaRPr lang="en-US" dirty="0"/>
-          </a:p>
-        </p:txBody>
-      </p:sp>
-      <p:sp>
-        <p:nvSpPr>
-          <p:cNvPr id="3" name="Marcador de contenido 2"/>
-          <p:cNvSpPr>
-            <a:spLocks noGrp="1"/>
-          </p:cNvSpPr>
-          <p:nvPr>
-            <p:ph idx="1"/>
-          </p:nvPr>
-        </p:nvSpPr>
-        <p:spPr/>
-        <p:txBody>
-          <a:bodyPr/>
-          <a:lstStyle/>
-          <a:p>
-            <a:r>
-              <a:rPr lang="en-US" dirty="0"/>
-              <a:t>Non deterministic semantic, with branches that reduce to a value </a:t>
-            </a:r>
-            <a:r>
-              <a:rPr lang="en-US" dirty="0" smtClean="0"/>
-              <a:t>and other</a:t>
-            </a:r>
-            <a:r>
-              <a:rPr lang="es-CL" dirty="0" smtClean="0"/>
-              <a:t> </a:t>
-            </a:r>
-            <a:r>
-              <a:rPr lang="en-US" dirty="0" smtClean="0"/>
-              <a:t>ending</a:t>
-            </a:r>
-            <a:r>
-              <a:rPr lang="es-CL" dirty="0" smtClean="0"/>
-              <a:t> </a:t>
-            </a:r>
-            <a:r>
-              <a:rPr lang="es-CL" dirty="0"/>
-              <a:t>in error.</a:t>
-            </a:r>
-          </a:p>
-          <a:p>
-            <a:r>
-              <a:rPr lang="es-CL" dirty="0"/>
-              <a:t> </a:t>
-            </a:r>
-            <a:r>
-              <a:rPr lang="en-US" dirty="0" smtClean="0"/>
-              <a:t>Name error detection.</a:t>
-            </a:r>
-          </a:p>
-          <a:p>
-            <a:r>
-              <a:rPr lang="es-CL" dirty="0" smtClean="0"/>
-              <a:t> </a:t>
-            </a:r>
-            <a:r>
-              <a:rPr lang="en-US" dirty="0" smtClean="0"/>
-              <a:t>Type error detection.</a:t>
-            </a:r>
-          </a:p>
-          <a:p>
-            <a:r>
-              <a:rPr lang="en-US" dirty="0" smtClean="0"/>
-              <a:t> </a:t>
-            </a:r>
-            <a:r>
-              <a:rPr lang="en-US" dirty="0"/>
-              <a:t>Without any type information in the syntax of the language.</a:t>
-            </a:r>
-          </a:p>
-          <a:p>
-            <a:r>
-              <a:rPr lang="es-CL" dirty="0"/>
-              <a:t> </a:t>
-            </a:r>
-            <a:r>
-              <a:rPr lang="en-US" dirty="0" smtClean="0"/>
-              <a:t>Uses</a:t>
-            </a:r>
-            <a:r>
-              <a:rPr lang="es-CL" dirty="0" smtClean="0"/>
-              <a:t> </a:t>
-            </a:r>
-            <a:r>
-              <a:rPr lang="en-US" dirty="0" smtClean="0"/>
-              <a:t>the explicit substitution.</a:t>
-            </a:r>
-            <a:endParaRPr lang="en-US" dirty="0"/>
-          </a:p>
-        </p:txBody>
-      </p:sp>
-    </p:spTree>
-    <p:extLst>
-      <p:ext uri="{BB962C8B-B14F-4D97-AF65-F5344CB8AC3E}">
-        <p14:creationId xmlns:p14="http://schemas.microsoft.com/office/powerpoint/2010/main" val="4019663237"/>
-      </p:ext>
-    </p:extLst>
-  </p:cSld>
-  <p:clrMapOvr>
-    <a:masterClrMapping/>
-  </p:clrMapOvr>
-</p:sld>
-</file>
-
-<file path=ppt/slides/slide20.xml><?xml version="1.0" encoding="utf-8"?>
-<p:sld xmlns:a="http://schemas.openxmlformats.org/drawingml/2006/main" xmlns:r="http://schemas.openxmlformats.org/officeDocument/2006/relationships" xmlns:p="http://schemas.openxmlformats.org/presentationml/2006/main">
-  <p:cSld>
-    <p:spTree>
-      <p:nvGrpSpPr>
-        <p:cNvPr id="1" name=""/>
-        <p:cNvGrpSpPr/>
-        <p:nvPr/>
-      </p:nvGrpSpPr>
-      <p:grpSpPr>
-        <a:xfrm>
-          <a:off x="0" y="0"/>
-          <a:ext cx="0" cy="0"/>
-          <a:chOff x="0" y="0"/>
-          <a:chExt cx="0" cy="0"/>
-        </a:xfrm>
-      </p:grpSpPr>
-      <p:sp>
-        <p:nvSpPr>
-          <p:cNvPr id="2" name="Título 1"/>
-          <p:cNvSpPr>
-            <a:spLocks noGrp="1"/>
-          </p:cNvSpPr>
-          <p:nvPr>
-            <p:ph type="title"/>
-          </p:nvPr>
-        </p:nvSpPr>
-        <p:spPr/>
-        <p:txBody>
-          <a:bodyPr/>
-          <a:lstStyle/>
-          <a:p>
-            <a:r>
-              <a:rPr lang="en-US" dirty="0"/>
-              <a:t>Static semantic for Overloading Language</a:t>
-            </a:r>
-            <a:endParaRPr lang="es-CL" dirty="0"/>
-          </a:p>
-        </p:txBody>
-      </p:sp>
+      <mc:AlternateContent xmlns:mc="http://schemas.openxmlformats.org/markup-compatibility/2006">
+        <mc:Choice xmlns:a14="http://schemas.microsoft.com/office/drawing/2010/main" Requires="a14">
+          <p:sp>
+            <p:nvSpPr>
+              <p:cNvPr id="2" name="Título 1"/>
+              <p:cNvSpPr>
+                <a:spLocks noGrp="1"/>
+              </p:cNvSpPr>
+              <p:nvPr>
+                <p:ph type="title"/>
+              </p:nvPr>
+            </p:nvSpPr>
+            <p:spPr/>
+            <p:txBody>
+              <a:bodyPr/>
+              <a:lstStyle/>
+              <a:p>
+                <a14:m>
+                  <m:oMath xmlns:m="http://schemas.openxmlformats.org/officeDocument/2006/math">
+                    <m:sSup>
+                      <m:sSupPr>
+                        <m:ctrlPr>
+                          <a:rPr lang="en-US" i="1" smtClean="0">
+                            <a:latin typeface="Cambria Math" panose="02040503050406030204" pitchFamily="18" charset="0"/>
+                          </a:rPr>
+                        </m:ctrlPr>
+                      </m:sSupPr>
+                      <m:e>
+                        <m:r>
+                          <m:rPr>
+                            <m:nor/>
+                          </m:rPr>
+                          <a:rPr lang="el-GR" dirty="0"/>
+                          <m:t>λ</m:t>
+                        </m:r>
+                        <m:r>
+                          <m:rPr>
+                            <m:nor/>
+                          </m:rPr>
+                          <a:rPr lang="en-US" dirty="0"/>
+                          <m:t>\</m:t>
+                        </m:r>
+                      </m:e>
+                      <m:sup>
+                        <m:r>
+                          <a:rPr lang="en-US" i="1" smtClean="0">
+                            <a:latin typeface="Cambria Math" panose="02040503050406030204" pitchFamily="18" charset="0"/>
+                            <a:ea typeface="Cambria Math" panose="02040503050406030204" pitchFamily="18" charset="0"/>
+                          </a:rPr>
+                          <m:t>→</m:t>
+                        </m:r>
+                      </m:sup>
+                    </m:sSup>
+                  </m:oMath>
+                </a14:m>
+                <a:r>
+                  <a:rPr lang="en-US" dirty="0" smtClean="0"/>
+                  <a:t>-</a:t>
+                </a:r>
+                <a:r>
+                  <a:rPr lang="en-US" dirty="0"/>
+                  <a:t>calculus</a:t>
+                </a:r>
+                <a:endParaRPr lang="es-CL" dirty="0"/>
+              </a:p>
+            </p:txBody>
+          </p:sp>
+        </mc:Choice>
+        <mc:Fallback>
+          <p:sp>
+            <p:nvSpPr>
+              <p:cNvPr id="2" name="Título 1"/>
+              <p:cNvSpPr>
+                <a:spLocks noGrp="1" noRot="1" noChangeAspect="1" noMove="1" noResize="1" noEditPoints="1" noAdjustHandles="1" noChangeArrowheads="1" noChangeShapeType="1" noTextEdit="1"/>
+              </p:cNvSpPr>
+              <p:nvPr>
+                <p:ph type="title"/>
+              </p:nvPr>
+            </p:nvSpPr>
+            <p:spPr>
+              <a:blipFill rotWithShape="0">
+                <a:blip r:embed="rId2"/>
+                <a:stretch>
+                  <a:fillRect/>
+                </a:stretch>
+              </a:blipFill>
+            </p:spPr>
+            <p:txBody>
+              <a:bodyPr/>
+              <a:lstStyle/>
+              <a:p>
+                <a:r>
+                  <a:rPr lang="es-CL">
+                    <a:noFill/>
+                  </a:rPr>
+                  <a:t> </a:t>
+                </a:r>
+              </a:p>
+            </p:txBody>
+          </p:sp>
+        </mc:Fallback>
+      </mc:AlternateContent>
       <p:pic>
         <p:nvPicPr>
           <p:cNvPr id="4" name="Marcador de contenido 3"/>
@@ -4903,7 +7780,7 @@
           </p:nvPr>
         </p:nvPicPr>
         <p:blipFill>
-          <a:blip r:embed="rId2"/>
+          <a:blip r:embed="rId3"/>
           <a:stretch>
             <a:fillRect/>
           </a:stretch>
@@ -4928,10 +7805,17 @@
   <p:clrMapOvr>
     <a:masterClrMapping/>
   </p:clrMapOvr>
+  <p:timing>
+    <p:tnLst>
+      <p:par>
+        <p:cTn id="1" dur="indefinite" restart="never" nodeType="tmRoot"/>
+      </p:par>
+    </p:tnLst>
+  </p:timing>
 </p:sld>
 </file>
 
-<file path=ppt/slides/slide21.xml><?xml version="1.0" encoding="utf-8"?>
+<file path=ppt/slides/slide23.xml><?xml version="1.0" encoding="utf-8"?>
 <p:sld xmlns:a="http://schemas.openxmlformats.org/drawingml/2006/main" xmlns:r="http://schemas.openxmlformats.org/officeDocument/2006/relationships" xmlns:p="http://schemas.openxmlformats.org/presentationml/2006/main">
   <p:cSld>
     <p:spTree>
@@ -4948,60 +7832,187 @@
           <a:chExt cx="0" cy="0"/>
         </a:xfrm>
       </p:grpSpPr>
-      <p:sp>
-        <p:nvSpPr>
-          <p:cNvPr id="2" name="Título 1"/>
-          <p:cNvSpPr>
-            <a:spLocks noGrp="1"/>
-          </p:cNvSpPr>
-          <p:nvPr>
-            <p:ph type="title"/>
-          </p:nvPr>
-        </p:nvSpPr>
-        <p:spPr>
-          <a:xfrm>
-            <a:off x="887627" y="365126"/>
-            <a:ext cx="10515600" cy="911740"/>
-          </a:xfrm>
-        </p:spPr>
-        <p:txBody>
-          <a:bodyPr/>
-          <a:lstStyle/>
-          <a:p>
-            <a:r>
-              <a:rPr lang="en-US" dirty="0" smtClean="0"/>
-              <a:t>Static semantic for Overloading Language</a:t>
-            </a:r>
-            <a:endParaRPr lang="es-CL" dirty="0"/>
-          </a:p>
-        </p:txBody>
-      </p:sp>
+      <mc:AlternateContent xmlns:mc="http://schemas.openxmlformats.org/markup-compatibility/2006">
+        <mc:Choice xmlns:a14="http://schemas.microsoft.com/office/drawing/2010/main" Requires="a14">
+          <p:sp>
+            <p:nvSpPr>
+              <p:cNvPr id="2" name="Título 1"/>
+              <p:cNvSpPr>
+                <a:spLocks noGrp="1"/>
+              </p:cNvSpPr>
+              <p:nvPr>
+                <p:ph type="title"/>
+              </p:nvPr>
+            </p:nvSpPr>
+            <p:spPr>
+              <a:xfrm>
+                <a:off x="887627" y="365126"/>
+                <a:ext cx="10515600" cy="911740"/>
+              </a:xfrm>
+            </p:spPr>
+            <p:txBody>
+              <a:bodyPr/>
+              <a:lstStyle/>
+              <a:p>
+                <a14:m>
+                  <m:oMath xmlns:m="http://schemas.openxmlformats.org/officeDocument/2006/math">
+                    <m:sSup>
+                      <m:sSupPr>
+                        <m:ctrlPr>
+                          <a:rPr lang="en-US" i="1">
+                            <a:latin typeface="Cambria Math" panose="02040503050406030204" pitchFamily="18" charset="0"/>
+                          </a:rPr>
+                        </m:ctrlPr>
+                      </m:sSupPr>
+                      <m:e>
+                        <m:r>
+                          <m:rPr>
+                            <m:nor/>
+                          </m:rPr>
+                          <a:rPr lang="el-GR" dirty="0"/>
+                          <m:t>λ</m:t>
+                        </m:r>
+                        <m:r>
+                          <m:rPr>
+                            <m:nor/>
+                          </m:rPr>
+                          <a:rPr lang="en-US" dirty="0"/>
+                          <m:t>\</m:t>
+                        </m:r>
+                      </m:e>
+                      <m:sup>
+                        <m:r>
+                          <a:rPr lang="en-US" i="1">
+                            <a:latin typeface="Cambria Math" panose="02040503050406030204" pitchFamily="18" charset="0"/>
+                            <a:ea typeface="Cambria Math" panose="02040503050406030204" pitchFamily="18" charset="0"/>
+                          </a:rPr>
+                          <m:t>→</m:t>
+                        </m:r>
+                      </m:sup>
+                    </m:sSup>
+                  </m:oMath>
+                </a14:m>
+                <a:r>
+                  <a:rPr lang="en-US" dirty="0"/>
+                  <a:t>-</a:t>
+                </a:r>
+                <a:r>
+                  <a:rPr lang="en-US" dirty="0"/>
+                  <a:t>calculus</a:t>
+                </a:r>
+                <a:endParaRPr lang="es-CL" dirty="0"/>
+              </a:p>
+            </p:txBody>
+          </p:sp>
+        </mc:Choice>
+        <mc:Fallback>
+          <p:sp>
+            <p:nvSpPr>
+              <p:cNvPr id="2" name="Título 1"/>
+              <p:cNvSpPr>
+                <a:spLocks noGrp="1" noRot="1" noChangeAspect="1" noMove="1" noResize="1" noEditPoints="1" noAdjustHandles="1" noChangeArrowheads="1" noChangeShapeType="1" noTextEdit="1"/>
+              </p:cNvSpPr>
+              <p:nvPr>
+                <p:ph type="title"/>
+              </p:nvPr>
+            </p:nvSpPr>
+            <p:spPr>
+              <a:xfrm>
+                <a:off x="887627" y="365126"/>
+                <a:ext cx="10515600" cy="911740"/>
+              </a:xfrm>
+              <a:blipFill rotWithShape="0">
+                <a:blip r:embed="rId2"/>
+                <a:stretch>
+                  <a:fillRect t="-8054" b="-21477"/>
+                </a:stretch>
+              </a:blipFill>
+            </p:spPr>
+            <p:txBody>
+              <a:bodyPr/>
+              <a:lstStyle/>
+              <a:p>
+                <a:r>
+                  <a:rPr lang="es-CL">
+                    <a:noFill/>
+                  </a:rPr>
+                  <a:t> </a:t>
+                </a:r>
+              </a:p>
+            </p:txBody>
+          </p:sp>
+        </mc:Fallback>
+      </mc:AlternateContent>
       <p:pic>
         <p:nvPicPr>
-          <p:cNvPr id="4" name="Marcador de contenido 3"/>
+          <p:cNvPr id="9" name="Imagen 8"/>
           <p:cNvPicPr>
-            <a:picLocks noGrp="1" noChangeAspect="1"/>
+            <a:picLocks noChangeAspect="1"/>
           </p:cNvPicPr>
-          <p:nvPr>
-            <p:ph idx="1"/>
-          </p:nvPr>
+          <p:nvPr/>
         </p:nvPicPr>
         <p:blipFill>
-          <a:blip r:embed="rId2"/>
+          <a:blip r:embed="rId3"/>
           <a:stretch>
             <a:fillRect/>
           </a:stretch>
         </p:blipFill>
         <p:spPr>
           <a:xfrm>
-            <a:off x="3460441" y="1276866"/>
-            <a:ext cx="3722953" cy="5296929"/>
+            <a:off x="5066270" y="428368"/>
+            <a:ext cx="4637903" cy="5881816"/>
           </a:xfrm>
           <a:prstGeom prst="rect">
             <a:avLst/>
           </a:prstGeom>
         </p:spPr>
       </p:pic>
+      <p:sp>
+        <p:nvSpPr>
+          <p:cNvPr id="10" name="Flecha derecha 9"/>
+          <p:cNvSpPr/>
+          <p:nvPr/>
+        </p:nvSpPr>
+        <p:spPr>
+          <a:xfrm>
+            <a:off x="2899717" y="2636108"/>
+            <a:ext cx="1960606" cy="356287"/>
+          </a:xfrm>
+          <a:prstGeom prst="rightArrow">
+            <a:avLst/>
+          </a:prstGeom>
+          <a:noFill/>
+          <a:ln>
+            <a:solidFill>
+              <a:srgbClr val="FF0000"/>
+            </a:solidFill>
+          </a:ln>
+        </p:spPr>
+        <p:style>
+          <a:lnRef idx="2">
+            <a:schemeClr val="accent1">
+              <a:shade val="50000"/>
+            </a:schemeClr>
+          </a:lnRef>
+          <a:fillRef idx="1">
+            <a:schemeClr val="accent1"/>
+          </a:fillRef>
+          <a:effectRef idx="0">
+            <a:schemeClr val="accent1"/>
+          </a:effectRef>
+          <a:fontRef idx="minor">
+            <a:schemeClr val="lt1"/>
+          </a:fontRef>
+        </p:style>
+        <p:txBody>
+          <a:bodyPr rtlCol="0" anchor="ctr"/>
+          <a:lstStyle/>
+          <a:p>
+            <a:pPr algn="ctr"/>
+            <a:endParaRPr lang="es-CL"/>
+          </a:p>
+        </p:txBody>
+      </p:sp>
     </p:spTree>
     <p:extLst>
       <p:ext uri="{BB962C8B-B14F-4D97-AF65-F5344CB8AC3E}">
@@ -5012,10 +8023,195 @@
   <p:clrMapOvr>
     <a:masterClrMapping/>
   </p:clrMapOvr>
+  <p:timing>
+    <p:tnLst>
+      <p:par>
+        <p:cTn id="1" dur="indefinite" restart="never" nodeType="tmRoot"/>
+      </p:par>
+    </p:tnLst>
+  </p:timing>
 </p:sld>
 </file>
 
-<file path=ppt/slides/slide22.xml><?xml version="1.0" encoding="utf-8"?>
+<file path=ppt/slides/slide3.xml><?xml version="1.0" encoding="utf-8"?>
+<p:sld xmlns:a="http://schemas.openxmlformats.org/drawingml/2006/main" xmlns:r="http://schemas.openxmlformats.org/officeDocument/2006/relationships" xmlns:p="http://schemas.openxmlformats.org/presentationml/2006/main" show="0">
+  <p:cSld>
+    <p:spTree>
+      <p:nvGrpSpPr>
+        <p:cNvPr id="1" name=""/>
+        <p:cNvGrpSpPr/>
+        <p:nvPr/>
+      </p:nvGrpSpPr>
+      <p:grpSpPr>
+        <a:xfrm>
+          <a:off x="0" y="0"/>
+          <a:ext cx="0" cy="0"/>
+          <a:chOff x="0" y="0"/>
+          <a:chExt cx="0" cy="0"/>
+        </a:xfrm>
+      </p:grpSpPr>
+      <p:sp>
+        <p:nvSpPr>
+          <p:cNvPr id="2" name="Título 1"/>
+          <p:cNvSpPr>
+            <a:spLocks noGrp="1"/>
+          </p:cNvSpPr>
+          <p:nvPr>
+            <p:ph type="title"/>
+          </p:nvPr>
+        </p:nvSpPr>
+        <p:spPr/>
+        <p:txBody>
+          <a:bodyPr/>
+          <a:lstStyle/>
+          <a:p>
+            <a:r>
+              <a:rPr lang="el-GR" dirty="0" smtClean="0"/>
+              <a:t>λ</a:t>
+            </a:r>
+            <a:r>
+              <a:rPr lang="en-US" dirty="0" smtClean="0"/>
+              <a:t>\-calculus</a:t>
+            </a:r>
+            <a:endParaRPr lang="en-US" dirty="0"/>
+          </a:p>
+        </p:txBody>
+      </p:sp>
+      <p:sp>
+        <p:nvSpPr>
+          <p:cNvPr id="3" name="Marcador de contenido 2"/>
+          <p:cNvSpPr>
+            <a:spLocks noGrp="1"/>
+          </p:cNvSpPr>
+          <p:nvPr>
+            <p:ph idx="1"/>
+          </p:nvPr>
+        </p:nvSpPr>
+        <p:spPr>
+          <a:xfrm>
+            <a:off x="838200" y="1690688"/>
+            <a:ext cx="10515600" cy="4351338"/>
+          </a:xfrm>
+        </p:spPr>
+        <p:txBody>
+          <a:bodyPr/>
+          <a:lstStyle/>
+          <a:p>
+            <a:endParaRPr lang="en-US" dirty="0" smtClean="0"/>
+          </a:p>
+          <a:p>
+            <a:endParaRPr lang="en-US" dirty="0"/>
+          </a:p>
+          <a:p>
+            <a:r>
+              <a:rPr lang="en-US" dirty="0" smtClean="0"/>
+              <a:t>Non </a:t>
+            </a:r>
+            <a:r>
+              <a:rPr lang="en-US" dirty="0"/>
+              <a:t>deterministic semantic, with branches that reduce to a value </a:t>
+            </a:r>
+            <a:r>
+              <a:rPr lang="en-US" dirty="0" smtClean="0"/>
+              <a:t>and other</a:t>
+            </a:r>
+            <a:r>
+              <a:rPr lang="es-CL" dirty="0" smtClean="0"/>
+              <a:t> </a:t>
+            </a:r>
+            <a:r>
+              <a:rPr lang="en-US" dirty="0" smtClean="0"/>
+              <a:t>ending</a:t>
+            </a:r>
+            <a:r>
+              <a:rPr lang="es-CL" dirty="0" smtClean="0"/>
+              <a:t> </a:t>
+            </a:r>
+            <a:r>
+              <a:rPr lang="es-CL" dirty="0"/>
+              <a:t>in error.</a:t>
+            </a:r>
+          </a:p>
+          <a:p>
+            <a:r>
+              <a:rPr lang="es-CL" dirty="0"/>
+              <a:t> </a:t>
+            </a:r>
+            <a:r>
+              <a:rPr lang="en-US" dirty="0" smtClean="0"/>
+              <a:t>Name error detection.</a:t>
+            </a:r>
+          </a:p>
+          <a:p>
+            <a:r>
+              <a:rPr lang="es-CL" dirty="0" smtClean="0"/>
+              <a:t> </a:t>
+            </a:r>
+            <a:r>
+              <a:rPr lang="en-US" dirty="0" smtClean="0"/>
+              <a:t>Type error detection.</a:t>
+            </a:r>
+          </a:p>
+          <a:p>
+            <a:r>
+              <a:rPr lang="en-US" dirty="0" smtClean="0"/>
+              <a:t> </a:t>
+            </a:r>
+            <a:r>
+              <a:rPr lang="en-US" dirty="0"/>
+              <a:t>Without any type information in the syntax of the language.</a:t>
+            </a:r>
+          </a:p>
+          <a:p>
+            <a:r>
+              <a:rPr lang="es-CL" dirty="0"/>
+              <a:t> </a:t>
+            </a:r>
+            <a:r>
+              <a:rPr lang="en-US" dirty="0" smtClean="0"/>
+              <a:t>Uses</a:t>
+            </a:r>
+            <a:r>
+              <a:rPr lang="es-CL" dirty="0" smtClean="0"/>
+              <a:t> </a:t>
+            </a:r>
+            <a:r>
+              <a:rPr lang="en-US" dirty="0" smtClean="0"/>
+              <a:t>the explicit substitution.</a:t>
+            </a:r>
+            <a:endParaRPr lang="en-US" dirty="0"/>
+          </a:p>
+        </p:txBody>
+      </p:sp>
+    </p:spTree>
+    <p:extLst>
+      <p:ext uri="{BB962C8B-B14F-4D97-AF65-F5344CB8AC3E}">
+        <p14:creationId xmlns:p14="http://schemas.microsoft.com/office/powerpoint/2010/main" val="4019663237"/>
+      </p:ext>
+    </p:extLst>
+  </p:cSld>
+  <p:clrMapOvr>
+    <a:masterClrMapping/>
+  </p:clrMapOvr>
+  <mc:AlternateContent xmlns:mc="http://schemas.openxmlformats.org/markup-compatibility/2006">
+    <mc:Choice xmlns:p14="http://schemas.microsoft.com/office/powerpoint/2010/main" Requires="p14">
+      <p:transition spd="slow" p14:dur="2000"/>
+    </mc:Choice>
+    <mc:Fallback>
+      <p:transition spd="slow"/>
+    </mc:Fallback>
+  </mc:AlternateContent>
+  <p:timing>
+    <p:tnLst>
+      <p:par>
+        <p:cTn id="1" dur="indefinite" restart="never" nodeType="tmRoot"/>
+      </p:par>
+    </p:tnLst>
+  </p:timing>
+</p:sld>
+</file>
+
+<file path=ppt/slides/slide4.xml><?xml version="1.0" encoding="utf-8"?>
 <p:sld xmlns:a="http://schemas.openxmlformats.org/drawingml/2006/main" xmlns:r="http://schemas.openxmlformats.org/officeDocument/2006/relationships" xmlns:p="http://schemas.openxmlformats.org/presentationml/2006/main">
   <p:cSld>
     <p:spTree>
@@ -5042,19 +8238,18 @@
             <p:ph type="title"/>
           </p:nvPr>
         </p:nvSpPr>
-        <p:spPr>
-          <a:xfrm>
-            <a:off x="854676" y="447504"/>
-            <a:ext cx="10515600" cy="1325563"/>
-          </a:xfrm>
-        </p:spPr>
+        <p:spPr/>
         <p:txBody>
           <a:bodyPr/>
           <a:lstStyle/>
           <a:p>
             <a:r>
-              <a:rPr lang="en-US" dirty="0" smtClean="0"/>
-              <a:t>Static semantic for Overloading Language</a:t>
+              <a:rPr lang="el-GR" dirty="0"/>
+              <a:t>λ</a:t>
+            </a:r>
+            <a:r>
+              <a:rPr lang="en-US" dirty="0"/>
+              <a:t>\-calculus</a:t>
             </a:r>
             <a:endParaRPr lang="es-CL" dirty="0"/>
           </a:p>
@@ -5062,7 +8257,7 @@
       </p:sp>
       <p:pic>
         <p:nvPicPr>
-          <p:cNvPr id="7" name="Marcador de contenido 6"/>
+          <p:cNvPr id="9" name="Marcador de contenido 8"/>
           <p:cNvPicPr>
             <a:picLocks noGrp="1" noChangeAspect="1"/>
           </p:cNvPicPr>
@@ -5078,199 +8273,24 @@
         </p:blipFill>
         <p:spPr>
           <a:xfrm>
-            <a:off x="5148519" y="2386012"/>
-            <a:ext cx="4086225" cy="3724275"/>
+            <a:off x="2320676" y="1825625"/>
+            <a:ext cx="7550647" cy="4351338"/>
           </a:xfrm>
           <a:prstGeom prst="rect">
             <a:avLst/>
           </a:prstGeom>
         </p:spPr>
       </p:pic>
-      <p:pic>
-        <p:nvPicPr>
-          <p:cNvPr id="6" name="Imagen 5"/>
-          <p:cNvPicPr>
-            <a:picLocks noChangeAspect="1"/>
-          </p:cNvPicPr>
+      <p:sp>
+        <p:nvSpPr>
+          <p:cNvPr id="10" name="Rectángulo 9"/>
+          <p:cNvSpPr/>
           <p:nvPr/>
-        </p:nvPicPr>
-        <p:blipFill>
-          <a:blip r:embed="rId3"/>
-          <a:stretch>
-            <a:fillRect/>
-          </a:stretch>
-        </p:blipFill>
+        </p:nvSpPr>
         <p:spPr>
           <a:xfrm>
-            <a:off x="312908" y="1357312"/>
-            <a:ext cx="4086225" cy="4752975"/>
-          </a:xfrm>
-          <a:prstGeom prst="rect">
-            <a:avLst/>
-          </a:prstGeom>
-        </p:spPr>
-      </p:pic>
-      <p:pic>
-        <p:nvPicPr>
-          <p:cNvPr id="11" name="Imagen 10"/>
-          <p:cNvPicPr>
-            <a:picLocks noChangeAspect="1"/>
-          </p:cNvPicPr>
-          <p:nvPr/>
-        </p:nvPicPr>
-        <p:blipFill>
-          <a:blip r:embed="rId4"/>
-          <a:stretch>
-            <a:fillRect/>
-          </a:stretch>
-        </p:blipFill>
-        <p:spPr>
-          <a:xfrm>
-            <a:off x="429782" y="6110287"/>
-            <a:ext cx="3952875" cy="85725"/>
-          </a:xfrm>
-          <a:prstGeom prst="rect">
-            <a:avLst/>
-          </a:prstGeom>
-        </p:spPr>
-      </p:pic>
-      <p:pic>
-        <p:nvPicPr>
-          <p:cNvPr id="12" name="Imagen 11"/>
-          <p:cNvPicPr>
-            <a:picLocks noChangeAspect="1"/>
-          </p:cNvPicPr>
-          <p:nvPr/>
-        </p:nvPicPr>
-        <p:blipFill>
-          <a:blip r:embed="rId5"/>
-          <a:stretch>
-            <a:fillRect/>
-          </a:stretch>
-        </p:blipFill>
-        <p:spPr>
-          <a:xfrm>
-            <a:off x="5337474" y="2243137"/>
-            <a:ext cx="3971925" cy="142875"/>
-          </a:xfrm>
-          <a:prstGeom prst="rect">
-            <a:avLst/>
-          </a:prstGeom>
-        </p:spPr>
-      </p:pic>
-    </p:spTree>
-    <p:extLst>
-      <p:ext uri="{BB962C8B-B14F-4D97-AF65-F5344CB8AC3E}">
-        <p14:creationId xmlns:p14="http://schemas.microsoft.com/office/powerpoint/2010/main" val="2368207279"/>
-      </p:ext>
-    </p:extLst>
-  </p:cSld>
-  <p:clrMapOvr>
-    <a:masterClrMapping/>
-  </p:clrMapOvr>
-</p:sld>
-</file>
-
-<file path=ppt/slides/slide3.xml><?xml version="1.0" encoding="utf-8"?>
-<p:sld xmlns:a="http://schemas.openxmlformats.org/drawingml/2006/main" xmlns:r="http://schemas.openxmlformats.org/officeDocument/2006/relationships" xmlns:p="http://schemas.openxmlformats.org/presentationml/2006/main">
-  <p:cSld>
-    <p:spTree>
-      <p:nvGrpSpPr>
-        <p:cNvPr id="1" name=""/>
-        <p:cNvGrpSpPr/>
-        <p:nvPr/>
-      </p:nvGrpSpPr>
-      <p:grpSpPr>
-        <a:xfrm>
-          <a:off x="0" y="0"/>
-          <a:ext cx="0" cy="0"/>
-          <a:chOff x="0" y="0"/>
-          <a:chExt cx="0" cy="0"/>
-        </a:xfrm>
-      </p:grpSpPr>
-      <p:sp>
-        <p:nvSpPr>
-          <p:cNvPr id="2" name="Título 1"/>
-          <p:cNvSpPr>
-            <a:spLocks noGrp="1"/>
-          </p:cNvSpPr>
-          <p:nvPr>
-            <p:ph type="title"/>
-          </p:nvPr>
-        </p:nvSpPr>
-        <p:spPr/>
-        <p:txBody>
-          <a:bodyPr/>
-          <a:lstStyle/>
-          <a:p>
-            <a:r>
-              <a:rPr lang="en-US" dirty="0" smtClean="0"/>
-              <a:t>Flexible Language</a:t>
-            </a:r>
-            <a:endParaRPr lang="es-CL" dirty="0"/>
-          </a:p>
-        </p:txBody>
-      </p:sp>
-      <p:pic>
-        <p:nvPicPr>
-          <p:cNvPr id="4" name="Marcador de contenido 3"/>
-          <p:cNvPicPr>
-            <a:picLocks noGrp="1" noChangeAspect="1"/>
-          </p:cNvPicPr>
-          <p:nvPr>
-            <p:ph idx="1"/>
-          </p:nvPr>
-        </p:nvPicPr>
-        <p:blipFill>
-          <a:blip r:embed="rId2"/>
-          <a:stretch>
-            <a:fillRect/>
-          </a:stretch>
-        </p:blipFill>
-        <p:spPr>
-          <a:xfrm>
-            <a:off x="1862816" y="1825625"/>
-            <a:ext cx="8466367" cy="4351338"/>
-          </a:xfrm>
-          <a:prstGeom prst="rect">
-            <a:avLst/>
-          </a:prstGeom>
-        </p:spPr>
-      </p:pic>
-      <p:pic>
-        <p:nvPicPr>
-          <p:cNvPr id="5" name="Imagen 4"/>
-          <p:cNvPicPr>
-            <a:picLocks noChangeAspect="1"/>
-          </p:cNvPicPr>
-          <p:nvPr/>
-        </p:nvPicPr>
-        <p:blipFill>
-          <a:blip r:embed="rId3"/>
-          <a:stretch>
-            <a:fillRect/>
-          </a:stretch>
-        </p:blipFill>
-        <p:spPr>
-          <a:xfrm>
-            <a:off x="838200" y="1260389"/>
-            <a:ext cx="10229850" cy="5398102"/>
-          </a:xfrm>
-          <a:prstGeom prst="rect">
-            <a:avLst/>
-          </a:prstGeom>
-        </p:spPr>
-      </p:pic>
-      <p:sp>
-        <p:nvSpPr>
-          <p:cNvPr id="3" name="Rectángulo 2"/>
-          <p:cNvSpPr/>
-          <p:nvPr/>
-        </p:nvSpPr>
-        <p:spPr>
-          <a:xfrm>
-            <a:off x="2257168" y="3336324"/>
-            <a:ext cx="3138616" cy="238898"/>
+            <a:off x="3352799" y="3525793"/>
+            <a:ext cx="2397211" cy="164759"/>
           </a:xfrm>
           <a:prstGeom prst="rect">
             <a:avLst/>
@@ -5307,14 +8327,14 @@
       </p:sp>
       <p:sp>
         <p:nvSpPr>
-          <p:cNvPr id="7" name="Rectángulo 6"/>
+          <p:cNvPr id="11" name="Rectángulo 10"/>
           <p:cNvSpPr/>
           <p:nvPr/>
         </p:nvSpPr>
         <p:spPr>
           <a:xfrm>
-            <a:off x="2257168" y="4822547"/>
-            <a:ext cx="3138616" cy="238898"/>
+            <a:off x="3352799" y="4655732"/>
+            <a:ext cx="2397211" cy="185350"/>
           </a:xfrm>
           <a:prstGeom prst="rect">
             <a:avLst/>
@@ -5349,119 +8369,16 @@
           </a:p>
         </p:txBody>
       </p:sp>
-    </p:spTree>
-    <p:extLst>
-      <p:ext uri="{BB962C8B-B14F-4D97-AF65-F5344CB8AC3E}">
-        <p14:creationId xmlns:p14="http://schemas.microsoft.com/office/powerpoint/2010/main" val="1417970940"/>
-      </p:ext>
-    </p:extLst>
-  </p:cSld>
-  <p:clrMapOvr>
-    <a:masterClrMapping/>
-  </p:clrMapOvr>
-</p:sld>
-</file>
-
-<file path=ppt/slides/slide4.xml><?xml version="1.0" encoding="utf-8"?>
-<p:sld xmlns:a="http://schemas.openxmlformats.org/drawingml/2006/main" xmlns:r="http://schemas.openxmlformats.org/officeDocument/2006/relationships" xmlns:p="http://schemas.openxmlformats.org/presentationml/2006/main">
-  <p:cSld>
-    <p:spTree>
-      <p:nvGrpSpPr>
-        <p:cNvPr id="1" name=""/>
-        <p:cNvGrpSpPr/>
-        <p:nvPr/>
-      </p:nvGrpSpPr>
-      <p:grpSpPr>
-        <a:xfrm>
-          <a:off x="0" y="0"/>
-          <a:ext cx="0" cy="0"/>
-          <a:chOff x="0" y="0"/>
-          <a:chExt cx="0" cy="0"/>
-        </a:xfrm>
-      </p:grpSpPr>
-      <p:sp>
-        <p:nvSpPr>
-          <p:cNvPr id="2" name="Título 1"/>
-          <p:cNvSpPr>
-            <a:spLocks noGrp="1"/>
-          </p:cNvSpPr>
-          <p:nvPr>
-            <p:ph type="title"/>
-          </p:nvPr>
-        </p:nvSpPr>
-        <p:spPr/>
-        <p:txBody>
-          <a:bodyPr/>
-          <a:lstStyle/>
-          <a:p>
-            <a:r>
-              <a:rPr lang="en-US" dirty="0" smtClean="0"/>
-              <a:t>Flexible Language</a:t>
-            </a:r>
-            <a:endParaRPr lang="es-CL" dirty="0"/>
-          </a:p>
-        </p:txBody>
-      </p:sp>
-      <p:pic>
-        <p:nvPicPr>
-          <p:cNvPr id="4" name="Marcador de contenido 3"/>
-          <p:cNvPicPr>
-            <a:picLocks noGrp="1" noChangeAspect="1"/>
-          </p:cNvPicPr>
-          <p:nvPr>
-            <p:ph idx="1"/>
-          </p:nvPr>
-        </p:nvPicPr>
-        <p:blipFill>
-          <a:blip r:embed="rId2"/>
-          <a:stretch>
-            <a:fillRect/>
-          </a:stretch>
-        </p:blipFill>
+      <p:sp>
+        <p:nvSpPr>
+          <p:cNvPr id="12" name="Rectángulo 11"/>
+          <p:cNvSpPr/>
+          <p:nvPr/>
+        </p:nvSpPr>
         <p:spPr>
           <a:xfrm>
-            <a:off x="4192290" y="1825625"/>
-            <a:ext cx="3807420" cy="4351338"/>
-          </a:xfrm>
-          <a:prstGeom prst="rect">
-            <a:avLst/>
-          </a:prstGeom>
-        </p:spPr>
-      </p:pic>
-      <p:pic>
-        <p:nvPicPr>
-          <p:cNvPr id="5" name="Imagen 4"/>
-          <p:cNvPicPr>
-            <a:picLocks noChangeAspect="1"/>
-          </p:cNvPicPr>
-          <p:nvPr/>
-        </p:nvPicPr>
-        <p:blipFill>
-          <a:blip r:embed="rId3"/>
-          <a:stretch>
-            <a:fillRect/>
-          </a:stretch>
-        </p:blipFill>
-        <p:spPr>
-          <a:xfrm>
-            <a:off x="3583459" y="1383593"/>
-            <a:ext cx="5206314" cy="5235402"/>
-          </a:xfrm>
-          <a:prstGeom prst="rect">
-            <a:avLst/>
-          </a:prstGeom>
-        </p:spPr>
-      </p:pic>
-      <p:sp>
-        <p:nvSpPr>
-          <p:cNvPr id="6" name="Rectángulo 5"/>
-          <p:cNvSpPr/>
-          <p:nvPr/>
-        </p:nvSpPr>
-        <p:spPr>
-          <a:xfrm>
-            <a:off x="4720281" y="3385751"/>
-            <a:ext cx="3772930" cy="238898"/>
+            <a:off x="6759145" y="5434208"/>
+            <a:ext cx="2689655" cy="175760"/>
           </a:xfrm>
           <a:prstGeom prst="rect">
             <a:avLst/>
@@ -5496,47 +8413,67 @@
           </a:p>
         </p:txBody>
       </p:sp>
-      <p:sp>
-        <p:nvSpPr>
-          <p:cNvPr id="7" name="Rectángulo 6"/>
-          <p:cNvSpPr/>
-          <p:nvPr/>
-        </p:nvSpPr>
-        <p:spPr>
-          <a:xfrm>
-            <a:off x="4036541" y="4404219"/>
-            <a:ext cx="4456670" cy="238898"/>
-          </a:xfrm>
-          <a:prstGeom prst="rect">
-            <a:avLst/>
-          </a:prstGeom>
-          <a:noFill/>
-          <a:ln>
-            <a:solidFill>
-              <a:srgbClr val="FF0000"/>
-            </a:solidFill>
-          </a:ln>
-        </p:spPr>
-        <p:style>
-          <a:lnRef idx="2">
-            <a:schemeClr val="accent2"/>
-          </a:lnRef>
-          <a:fillRef idx="1">
-            <a:schemeClr val="lt1"/>
-          </a:fillRef>
-          <a:effectRef idx="0">
-            <a:schemeClr val="accent2"/>
-          </a:effectRef>
-          <a:fontRef idx="minor">
-            <a:schemeClr val="dk1"/>
-          </a:fontRef>
-        </p:style>
-        <p:txBody>
-          <a:bodyPr rtlCol="0" anchor="ctr"/>
+    </p:spTree>
+    <p:extLst>
+      <p:ext uri="{BB962C8B-B14F-4D97-AF65-F5344CB8AC3E}">
+        <p14:creationId xmlns:p14="http://schemas.microsoft.com/office/powerpoint/2010/main" val="1417970940"/>
+      </p:ext>
+    </p:extLst>
+  </p:cSld>
+  <p:clrMapOvr>
+    <a:masterClrMapping/>
+  </p:clrMapOvr>
+  <p:timing>
+    <p:tnLst>
+      <p:par>
+        <p:cTn id="1" dur="indefinite" restart="never" nodeType="tmRoot"/>
+      </p:par>
+    </p:tnLst>
+  </p:timing>
+</p:sld>
+</file>
+
+<file path=ppt/slides/slide5.xml><?xml version="1.0" encoding="utf-8"?>
+<p:sld xmlns:a="http://schemas.openxmlformats.org/drawingml/2006/main" xmlns:r="http://schemas.openxmlformats.org/officeDocument/2006/relationships" xmlns:p="http://schemas.openxmlformats.org/presentationml/2006/main">
+  <p:cSld>
+    <p:spTree>
+      <p:nvGrpSpPr>
+        <p:cNvPr id="1" name=""/>
+        <p:cNvGrpSpPr/>
+        <p:nvPr/>
+      </p:nvGrpSpPr>
+      <p:grpSpPr>
+        <a:xfrm>
+          <a:off x="0" y="0"/>
+          <a:ext cx="0" cy="0"/>
+          <a:chOff x="0" y="0"/>
+          <a:chExt cx="0" cy="0"/>
+        </a:xfrm>
+      </p:grpSpPr>
+      <p:sp>
+        <p:nvSpPr>
+          <p:cNvPr id="2" name="Título 1"/>
+          <p:cNvSpPr>
+            <a:spLocks noGrp="1"/>
+          </p:cNvSpPr>
+          <p:nvPr>
+            <p:ph type="title"/>
+          </p:nvPr>
+        </p:nvSpPr>
+        <p:spPr/>
+        <p:txBody>
+          <a:bodyPr/>
           <a:lstStyle/>
           <a:p>
-            <a:pPr algn="ctr"/>
-            <a:endParaRPr lang="es-CL"/>
+            <a:r>
+              <a:rPr lang="el-GR" dirty="0"/>
+              <a:t>λ</a:t>
+            </a:r>
+            <a:r>
+              <a:rPr lang="en-US" dirty="0"/>
+              <a:t>\-calculus</a:t>
+            </a:r>
+            <a:endParaRPr lang="es-CL" dirty="0"/>
           </a:p>
         </p:txBody>
       </p:sp>
@@ -5628,62 +8565,97 @@
           </a:p>
         </p:txBody>
       </p:sp>
-    </p:spTree>
-    <p:extLst>
-      <p:ext uri="{BB962C8B-B14F-4D97-AF65-F5344CB8AC3E}">
-        <p14:creationId xmlns:p14="http://schemas.microsoft.com/office/powerpoint/2010/main" val="50443797"/>
-      </p:ext>
-    </p:extLst>
-  </p:cSld>
-  <p:clrMapOvr>
-    <a:masterClrMapping/>
-  </p:clrMapOvr>
-</p:sld>
-</file>
-
-<file path=ppt/slides/slide5.xml><?xml version="1.0" encoding="utf-8"?>
-<p:sld xmlns:a="http://schemas.openxmlformats.org/drawingml/2006/main" xmlns:r="http://schemas.openxmlformats.org/officeDocument/2006/relationships" xmlns:p="http://schemas.openxmlformats.org/presentationml/2006/main">
-  <p:cSld>
-    <p:spTree>
-      <p:nvGrpSpPr>
-        <p:cNvPr id="1" name=""/>
-        <p:cNvGrpSpPr/>
-        <p:nvPr/>
-      </p:nvGrpSpPr>
-      <p:grpSpPr>
-        <a:xfrm>
-          <a:off x="0" y="0"/>
-          <a:ext cx="0" cy="0"/>
-          <a:chOff x="0" y="0"/>
-          <a:chExt cx="0" cy="0"/>
-        </a:xfrm>
-      </p:grpSpPr>
-      <p:sp>
-        <p:nvSpPr>
-          <p:cNvPr id="2" name="Título 1"/>
-          <p:cNvSpPr>
-            <a:spLocks noGrp="1"/>
-          </p:cNvSpPr>
-          <p:nvPr>
-            <p:ph type="title"/>
-          </p:nvPr>
-        </p:nvSpPr>
-        <p:spPr/>
-        <p:txBody>
-          <a:bodyPr/>
+      <p:sp>
+        <p:nvSpPr>
+          <p:cNvPr id="12" name="Rectángulo 11"/>
+          <p:cNvSpPr/>
+          <p:nvPr/>
+        </p:nvSpPr>
+        <p:spPr>
+          <a:xfrm>
+            <a:off x="4300150" y="4556620"/>
+            <a:ext cx="3599935" cy="238898"/>
+          </a:xfrm>
+          <a:prstGeom prst="rect">
+            <a:avLst/>
+          </a:prstGeom>
+          <a:noFill/>
+          <a:ln>
+            <a:solidFill>
+              <a:srgbClr val="FF0000"/>
+            </a:solidFill>
+          </a:ln>
+        </p:spPr>
+        <p:style>
+          <a:lnRef idx="2">
+            <a:schemeClr val="accent2"/>
+          </a:lnRef>
+          <a:fillRef idx="1">
+            <a:schemeClr val="lt1"/>
+          </a:fillRef>
+          <a:effectRef idx="0">
+            <a:schemeClr val="accent2"/>
+          </a:effectRef>
+          <a:fontRef idx="minor">
+            <a:schemeClr val="dk1"/>
+          </a:fontRef>
+        </p:style>
+        <p:txBody>
+          <a:bodyPr rtlCol="0" anchor="ctr"/>
           <a:lstStyle/>
           <a:p>
-            <a:r>
-              <a:rPr lang="en-US" dirty="0" smtClean="0"/>
-              <a:t>Flexible Language</a:t>
-            </a:r>
-            <a:endParaRPr lang="es-CL" dirty="0"/>
+            <a:pPr algn="ctr"/>
+            <a:endParaRPr lang="es-CL"/>
+          </a:p>
+        </p:txBody>
+      </p:sp>
+      <p:sp>
+        <p:nvSpPr>
+          <p:cNvPr id="13" name="Rectángulo 12"/>
+          <p:cNvSpPr/>
+          <p:nvPr/>
+        </p:nvSpPr>
+        <p:spPr>
+          <a:xfrm>
+            <a:off x="4876799" y="3616171"/>
+            <a:ext cx="3023285" cy="238898"/>
+          </a:xfrm>
+          <a:prstGeom prst="rect">
+            <a:avLst/>
+          </a:prstGeom>
+          <a:noFill/>
+          <a:ln>
+            <a:solidFill>
+              <a:srgbClr val="FF0000"/>
+            </a:solidFill>
+          </a:ln>
+        </p:spPr>
+        <p:style>
+          <a:lnRef idx="2">
+            <a:schemeClr val="accent2"/>
+          </a:lnRef>
+          <a:fillRef idx="1">
+            <a:schemeClr val="lt1"/>
+          </a:fillRef>
+          <a:effectRef idx="0">
+            <a:schemeClr val="accent2"/>
+          </a:effectRef>
+          <a:fontRef idx="minor">
+            <a:schemeClr val="dk1"/>
+          </a:fontRef>
+        </p:style>
+        <p:txBody>
+          <a:bodyPr rtlCol="0" anchor="ctr"/>
+          <a:lstStyle/>
+          <a:p>
+            <a:pPr algn="ctr"/>
+            <a:endParaRPr lang="es-CL"/>
           </a:p>
         </p:txBody>
       </p:sp>
       <p:pic>
         <p:nvPicPr>
-          <p:cNvPr id="4" name="Marcador de contenido 3"/>
+          <p:cNvPr id="15" name="Marcador de contenido 14"/>
           <p:cNvPicPr>
             <a:picLocks noGrp="1" noChangeAspect="1"/>
           </p:cNvPicPr>
@@ -5699,18 +8671,106 @@
         </p:blipFill>
         <p:spPr>
           <a:xfrm>
-            <a:off x="2900362" y="2991644"/>
-            <a:ext cx="6391275" cy="2019300"/>
+            <a:off x="4249397" y="1825625"/>
+            <a:ext cx="3693206" cy="4351338"/>
           </a:xfrm>
           <a:prstGeom prst="rect">
             <a:avLst/>
           </a:prstGeom>
         </p:spPr>
       </p:pic>
+      <p:sp>
+        <p:nvSpPr>
+          <p:cNvPr id="16" name="Rectángulo 15"/>
+          <p:cNvSpPr/>
+          <p:nvPr/>
+        </p:nvSpPr>
+        <p:spPr>
+          <a:xfrm>
+            <a:off x="4514333" y="4383384"/>
+            <a:ext cx="3278661" cy="173236"/>
+          </a:xfrm>
+          <a:prstGeom prst="rect">
+            <a:avLst/>
+          </a:prstGeom>
+          <a:noFill/>
+          <a:ln>
+            <a:solidFill>
+              <a:srgbClr val="FF0000"/>
+            </a:solidFill>
+          </a:ln>
+        </p:spPr>
+        <p:style>
+          <a:lnRef idx="2">
+            <a:schemeClr val="accent2"/>
+          </a:lnRef>
+          <a:fillRef idx="1">
+            <a:schemeClr val="lt1"/>
+          </a:fillRef>
+          <a:effectRef idx="0">
+            <a:schemeClr val="accent2"/>
+          </a:effectRef>
+          <a:fontRef idx="minor">
+            <a:schemeClr val="dk1"/>
+          </a:fontRef>
+        </p:style>
+        <p:txBody>
+          <a:bodyPr rtlCol="0" anchor="ctr"/>
+          <a:lstStyle/>
+          <a:p>
+            <a:pPr algn="ctr"/>
+            <a:endParaRPr lang="es-CL"/>
+          </a:p>
+        </p:txBody>
+      </p:sp>
+      <p:sp>
+        <p:nvSpPr>
+          <p:cNvPr id="17" name="Rectángulo 16"/>
+          <p:cNvSpPr/>
+          <p:nvPr/>
+        </p:nvSpPr>
+        <p:spPr>
+          <a:xfrm>
+            <a:off x="5037435" y="3505948"/>
+            <a:ext cx="2685536" cy="221555"/>
+          </a:xfrm>
+          <a:prstGeom prst="rect">
+            <a:avLst/>
+          </a:prstGeom>
+          <a:noFill/>
+          <a:ln>
+            <a:solidFill>
+              <a:srgbClr val="FF0000"/>
+            </a:solidFill>
+          </a:ln>
+        </p:spPr>
+        <p:style>
+          <a:lnRef idx="2">
+            <a:schemeClr val="accent2"/>
+          </a:lnRef>
+          <a:fillRef idx="1">
+            <a:schemeClr val="lt1"/>
+          </a:fillRef>
+          <a:effectRef idx="0">
+            <a:schemeClr val="accent2"/>
+          </a:effectRef>
+          <a:fontRef idx="minor">
+            <a:schemeClr val="dk1"/>
+          </a:fontRef>
+        </p:style>
+        <p:txBody>
+          <a:bodyPr rtlCol="0" anchor="ctr"/>
+          <a:lstStyle/>
+          <a:p>
+            <a:pPr algn="ctr"/>
+            <a:endParaRPr lang="es-CL"/>
+          </a:p>
+        </p:txBody>
+      </p:sp>
     </p:spTree>
     <p:extLst>
       <p:ext uri="{BB962C8B-B14F-4D97-AF65-F5344CB8AC3E}">
-        <p14:creationId xmlns:p14="http://schemas.microsoft.com/office/powerpoint/2010/main" val="3501537158"/>
+        <p14:creationId xmlns:p14="http://schemas.microsoft.com/office/powerpoint/2010/main" val="50443797"/>
       </p:ext>
     </p:extLst>
   </p:cSld>
@@ -5753,22 +8813,43 @@
           <a:lstStyle/>
           <a:p>
             <a:r>
-              <a:rPr lang="en-US" dirty="0" smtClean="0"/>
-              <a:t>Flexible Language</a:t>
+              <a:rPr lang="el-GR" dirty="0"/>
+              <a:t>λ</a:t>
+            </a:r>
+            <a:r>
+              <a:rPr lang="en-US" dirty="0"/>
+              <a:t>\-calculus</a:t>
             </a:r>
             <a:endParaRPr lang="es-CL" dirty="0"/>
           </a:p>
         </p:txBody>
       </p:sp>
-      <p:pic>
-        <p:nvPicPr>
-          <p:cNvPr id="4" name="Marcador de contenido 3"/>
-          <p:cNvPicPr>
-            <a:picLocks noGrp="1" noChangeAspect="1"/>
-          </p:cNvPicPr>
+      <p:sp>
+        <p:nvSpPr>
+          <p:cNvPr id="8" name="Marcador de contenido 7"/>
+          <p:cNvSpPr>
+            <a:spLocks noGrp="1"/>
+          </p:cNvSpPr>
           <p:nvPr>
             <p:ph idx="1"/>
           </p:nvPr>
+        </p:nvSpPr>
+        <p:spPr/>
+        <p:txBody>
+          <a:bodyPr/>
+          <a:lstStyle/>
+          <a:p>
+            <a:endParaRPr lang="es-CL"/>
+          </a:p>
+        </p:txBody>
+      </p:sp>
+      <p:pic>
+        <p:nvPicPr>
+          <p:cNvPr id="9" name="Imagen 8"/>
+          <p:cNvPicPr>
+            <a:picLocks noChangeAspect="1"/>
+          </p:cNvPicPr>
+          <p:nvPr/>
         </p:nvPicPr>
         <p:blipFill>
           <a:blip r:embed="rId2"/>
@@ -5778,8 +8859,8 @@
         </p:blipFill>
         <p:spPr>
           <a:xfrm>
-            <a:off x="4089660" y="1260389"/>
-            <a:ext cx="4408094" cy="4875385"/>
+            <a:off x="3014662" y="2765725"/>
+            <a:ext cx="6162675" cy="1952625"/>
           </a:xfrm>
           <a:prstGeom prst="rect">
             <a:avLst/>
@@ -5789,7 +8870,7 @@
     </p:spTree>
     <p:extLst>
       <p:ext uri="{BB962C8B-B14F-4D97-AF65-F5344CB8AC3E}">
-        <p14:creationId xmlns:p14="http://schemas.microsoft.com/office/powerpoint/2010/main" val="1112412313"/>
+        <p14:creationId xmlns:p14="http://schemas.microsoft.com/office/powerpoint/2010/main" val="3501537158"/>
       </p:ext>
     </p:extLst>
   </p:cSld>
@@ -5832,8 +8913,12 @@
           <a:lstStyle/>
           <a:p>
             <a:r>
-              <a:rPr lang="en-US" dirty="0" smtClean="0"/>
-              <a:t>Flexible Language</a:t>
+              <a:rPr lang="el-GR" dirty="0"/>
+              <a:t>λ</a:t>
+            </a:r>
+            <a:r>
+              <a:rPr lang="en-US" dirty="0"/>
+              <a:t>\-calculus</a:t>
             </a:r>
             <a:endParaRPr lang="es-CL" dirty="0"/>
           </a:p>
@@ -5841,13 +8926,11 @@
       </p:sp>
       <p:pic>
         <p:nvPicPr>
-          <p:cNvPr id="4" name="Marcador de contenido 3"/>
+          <p:cNvPr id="6" name="Imagen 5"/>
           <p:cNvPicPr>
-            <a:picLocks noGrp="1" noChangeAspect="1"/>
+            <a:picLocks noChangeAspect="1"/>
           </p:cNvPicPr>
-          <p:nvPr>
-            <p:ph idx="1"/>
-          </p:nvPr>
+          <p:nvPr/>
         </p:nvPicPr>
         <p:blipFill>
           <a:blip r:embed="rId2"/>
@@ -5857,8 +8940,34 @@
         </p:blipFill>
         <p:spPr>
           <a:xfrm>
-            <a:off x="3367087" y="2005806"/>
-            <a:ext cx="5457825" cy="3990975"/>
+            <a:off x="4829175" y="4400420"/>
+            <a:ext cx="2533650" cy="1533525"/>
+          </a:xfrm>
+          <a:prstGeom prst="rect">
+            <a:avLst/>
+          </a:prstGeom>
+        </p:spPr>
+      </p:pic>
+      <p:pic>
+        <p:nvPicPr>
+          <p:cNvPr id="8" name="Marcador de contenido 7"/>
+          <p:cNvPicPr>
+            <a:picLocks noGrp="1" noChangeAspect="1"/>
+          </p:cNvPicPr>
+          <p:nvPr>
+            <p:ph idx="1"/>
+          </p:nvPr>
+        </p:nvPicPr>
+        <p:blipFill>
+          <a:blip r:embed="rId3"/>
+          <a:stretch>
+            <a:fillRect/>
+          </a:stretch>
+        </p:blipFill>
+        <p:spPr>
+          <a:xfrm>
+            <a:off x="4163166" y="1825625"/>
+            <a:ext cx="3865668" cy="4351338"/>
           </a:xfrm>
           <a:prstGeom prst="rect">
             <a:avLst/>
@@ -5868,7 +8977,7 @@
     </p:spTree>
     <p:extLst>
       <p:ext uri="{BB962C8B-B14F-4D97-AF65-F5344CB8AC3E}">
-        <p14:creationId xmlns:p14="http://schemas.microsoft.com/office/powerpoint/2010/main" val="2414117786"/>
+        <p14:creationId xmlns:p14="http://schemas.microsoft.com/office/powerpoint/2010/main" val="1112412313"/>
       </p:ext>
     </p:extLst>
   </p:cSld>
@@ -5911,187 +9020,47 @@
           <a:lstStyle/>
           <a:p>
             <a:r>
-              <a:rPr lang="es-CL" dirty="0" err="1"/>
-              <a:t>Tag</a:t>
-            </a:r>
-            <a:r>
-              <a:rPr lang="es-CL" dirty="0"/>
-              <a:t> </a:t>
-            </a:r>
-            <a:r>
-              <a:rPr lang="es-CL" dirty="0" err="1"/>
-              <a:t>Driven</a:t>
-            </a:r>
-            <a:r>
-              <a:rPr lang="es-CL" dirty="0"/>
-              <a:t> </a:t>
-            </a:r>
-            <a:r>
-              <a:rPr lang="es-CL" dirty="0" err="1"/>
-              <a:t>Language</a:t>
+              <a:rPr lang="el-GR" dirty="0"/>
+              <a:t>λ</a:t>
+            </a:r>
+            <a:r>
+              <a:rPr lang="en-US" dirty="0"/>
+              <a:t>\-calculus</a:t>
             </a:r>
             <a:endParaRPr lang="es-CL" dirty="0"/>
           </a:p>
         </p:txBody>
       </p:sp>
-      <p:sp>
-        <p:nvSpPr>
-          <p:cNvPr id="3" name="Marcador de contenido 2"/>
-          <p:cNvSpPr>
-            <a:spLocks noGrp="1"/>
-          </p:cNvSpPr>
+      <p:pic>
+        <p:nvPicPr>
+          <p:cNvPr id="7" name="Marcador de contenido 6"/>
+          <p:cNvPicPr>
+            <a:picLocks noGrp="1" noChangeAspect="1"/>
+          </p:cNvPicPr>
           <p:nvPr>
             <p:ph idx="1"/>
           </p:nvPr>
-        </p:nvSpPr>
-        <p:spPr/>
-        <p:txBody>
-          <a:bodyPr/>
-          <a:lstStyle/>
-          <a:p>
-            <a:r>
-              <a:rPr lang="en-US" dirty="0"/>
-              <a:t>Non deterministic semantic, with branches that reduce to a value and</a:t>
-            </a:r>
-          </a:p>
-          <a:p>
-            <a:pPr marL="0" indent="0">
-              <a:buNone/>
-            </a:pPr>
-            <a:r>
-              <a:rPr lang="es-CL" dirty="0" smtClean="0"/>
-              <a:t> </a:t>
-            </a:r>
-            <a:r>
-              <a:rPr lang="es-CL" dirty="0" err="1" smtClean="0"/>
-              <a:t>other</a:t>
-            </a:r>
-            <a:r>
-              <a:rPr lang="es-CL" dirty="0" smtClean="0"/>
-              <a:t> </a:t>
-            </a:r>
-            <a:r>
-              <a:rPr lang="es-CL" dirty="0" err="1"/>
-              <a:t>ending</a:t>
-            </a:r>
-            <a:r>
-              <a:rPr lang="es-CL" dirty="0"/>
-              <a:t> in error.</a:t>
-            </a:r>
-          </a:p>
-          <a:p>
-            <a:r>
-              <a:rPr lang="es-CL" dirty="0" err="1" smtClean="0"/>
-              <a:t>Name</a:t>
-            </a:r>
-            <a:r>
-              <a:rPr lang="es-CL" dirty="0" smtClean="0"/>
-              <a:t> </a:t>
-            </a:r>
-            <a:r>
-              <a:rPr lang="es-CL" dirty="0"/>
-              <a:t>error </a:t>
-            </a:r>
-            <a:r>
-              <a:rPr lang="es-CL" dirty="0" err="1"/>
-              <a:t>detection</a:t>
-            </a:r>
-            <a:r>
-              <a:rPr lang="es-CL" dirty="0"/>
-              <a:t>.</a:t>
-            </a:r>
-          </a:p>
-          <a:p>
-            <a:r>
-              <a:rPr lang="es-CL" dirty="0"/>
-              <a:t> </a:t>
-            </a:r>
-            <a:r>
-              <a:rPr lang="es-CL" dirty="0" err="1"/>
-              <a:t>Type</a:t>
-            </a:r>
-            <a:r>
-              <a:rPr lang="es-CL" dirty="0"/>
-              <a:t> error </a:t>
-            </a:r>
-            <a:r>
-              <a:rPr lang="es-CL" dirty="0" err="1"/>
-              <a:t>detection</a:t>
-            </a:r>
-            <a:r>
-              <a:rPr lang="es-CL" dirty="0"/>
-              <a:t>.</a:t>
-            </a:r>
-          </a:p>
-          <a:p>
-            <a:r>
-              <a:rPr lang="es-CL" dirty="0"/>
-              <a:t> </a:t>
-            </a:r>
-            <a:r>
-              <a:rPr lang="es-CL" dirty="0" err="1">
-                <a:solidFill>
-                  <a:srgbClr val="FF0000"/>
-                </a:solidFill>
-              </a:rPr>
-              <a:t>Dispatch</a:t>
-            </a:r>
-            <a:r>
-              <a:rPr lang="es-CL" dirty="0">
-                <a:solidFill>
-                  <a:srgbClr val="FF0000"/>
-                </a:solidFill>
-              </a:rPr>
-              <a:t> error </a:t>
-            </a:r>
-            <a:r>
-              <a:rPr lang="es-CL" dirty="0" err="1">
-                <a:solidFill>
-                  <a:srgbClr val="FF0000"/>
-                </a:solidFill>
-              </a:rPr>
-              <a:t>detection</a:t>
-            </a:r>
-            <a:r>
-              <a:rPr lang="es-CL" dirty="0">
-                <a:solidFill>
-                  <a:srgbClr val="FF0000"/>
-                </a:solidFill>
-              </a:rPr>
-              <a:t>.</a:t>
-            </a:r>
-          </a:p>
-          <a:p>
-            <a:r>
-              <a:rPr lang="en-US" dirty="0"/>
-              <a:t> Without any type information in the syntax of the language.</a:t>
-            </a:r>
-          </a:p>
-          <a:p>
-            <a:r>
-              <a:rPr lang="sv-SE" dirty="0"/>
-              <a:t> </a:t>
-            </a:r>
-            <a:r>
-              <a:rPr lang="sv-SE" dirty="0">
-                <a:solidFill>
-                  <a:srgbClr val="FF0000"/>
-                </a:solidFill>
-              </a:rPr>
-              <a:t>Semantic "tag driven", introducing at tag.</a:t>
-            </a:r>
-            <a:endParaRPr lang="es-CL" dirty="0">
-              <a:solidFill>
-                <a:srgbClr val="FF0000"/>
-              </a:solidFill>
-            </a:endParaRPr>
-          </a:p>
-        </p:txBody>
-      </p:sp>
+        </p:nvPicPr>
+        <p:blipFill>
+          <a:blip r:embed="rId2"/>
+          <a:stretch>
+            <a:fillRect/>
+          </a:stretch>
+        </p:blipFill>
+        <p:spPr>
+          <a:xfrm>
+            <a:off x="3586162" y="1970924"/>
+            <a:ext cx="5019675" cy="3714750"/>
+          </a:xfrm>
+          <a:prstGeom prst="rect">
+            <a:avLst/>
+          </a:prstGeom>
+        </p:spPr>
+      </p:pic>
     </p:spTree>
     <p:extLst>
       <p:ext uri="{BB962C8B-B14F-4D97-AF65-F5344CB8AC3E}">
-        <p14:creationId xmlns:p14="http://schemas.microsoft.com/office/powerpoint/2010/main" val="251584603"/>
+        <p14:creationId xmlns:p14="http://schemas.microsoft.com/office/powerpoint/2010/main" val="2414117786"/>
       </p:ext>
     </p:extLst>
   </p:cSld>
@@ -6102,7 +9071,7 @@
 </file>
 
 <file path=ppt/slides/slide9.xml><?xml version="1.0" encoding="utf-8"?>
-<p:sld xmlns:a="http://schemas.openxmlformats.org/drawingml/2006/main" xmlns:r="http://schemas.openxmlformats.org/officeDocument/2006/relationships" xmlns:p="http://schemas.openxmlformats.org/presentationml/2006/main">
+<p:sld xmlns:a="http://schemas.openxmlformats.org/drawingml/2006/main" xmlns:r="http://schemas.openxmlformats.org/officeDocument/2006/relationships" xmlns:p="http://schemas.openxmlformats.org/presentationml/2006/main" show="0">
   <p:cSld>
     <p:spTree>
       <p:nvGrpSpPr>
@@ -6118,205 +9087,279 @@
           <a:chExt cx="0" cy="0"/>
         </a:xfrm>
       </p:grpSpPr>
-      <p:sp>
-        <p:nvSpPr>
-          <p:cNvPr id="2" name="Título 1"/>
+      <mc:AlternateContent xmlns:mc="http://schemas.openxmlformats.org/markup-compatibility/2006">
+        <mc:Choice xmlns:a14="http://schemas.microsoft.com/office/drawing/2010/main" Requires="a14">
+          <p:sp>
+            <p:nvSpPr>
+              <p:cNvPr id="2" name="Título 1"/>
+              <p:cNvSpPr>
+                <a:spLocks noGrp="1"/>
+              </p:cNvSpPr>
+              <p:nvPr>
+                <p:ph type="title"/>
+              </p:nvPr>
+            </p:nvSpPr>
+            <p:spPr/>
+            <p:txBody>
+              <a:bodyPr/>
+              <a:lstStyle/>
+              <a:p>
+                <a14:m>
+                  <m:oMath xmlns:m="http://schemas.openxmlformats.org/officeDocument/2006/math">
+                    <m:sSub>
+                      <m:sSubPr>
+                        <m:ctrlPr>
+                          <a:rPr lang="en-US" i="1" smtClean="0">
+                            <a:latin typeface="Cambria Math" panose="02040503050406030204" pitchFamily="18" charset="0"/>
+                          </a:rPr>
+                        </m:ctrlPr>
+                      </m:sSubPr>
+                      <m:e>
+                        <m:r>
+                          <m:rPr>
+                            <m:nor/>
+                          </m:rPr>
+                          <a:rPr lang="el-GR" dirty="0"/>
+                          <m:t>λ</m:t>
+                        </m:r>
+                        <m:r>
+                          <m:rPr>
+                            <m:nor/>
+                          </m:rPr>
+                          <a:rPr lang="en-US" dirty="0"/>
+                          <m:t>\</m:t>
+                        </m:r>
+                      </m:e>
+                      <m:sub>
+                        <m:r>
+                          <a:rPr lang="en-US" b="0" i="1" smtClean="0">
+                            <a:latin typeface="Cambria Math" panose="02040503050406030204" pitchFamily="18" charset="0"/>
+                          </a:rPr>
+                          <m:t>𝑠</m:t>
+                        </m:r>
+                      </m:sub>
+                    </m:sSub>
+                  </m:oMath>
+                </a14:m>
+                <a:r>
+                  <a:rPr lang="en-US" dirty="0" smtClean="0"/>
+                  <a:t>-</a:t>
+                </a:r>
+                <a:r>
+                  <a:rPr lang="en-US" dirty="0"/>
+                  <a:t>calculus</a:t>
+                </a:r>
+                <a:endParaRPr lang="es-CL" dirty="0"/>
+              </a:p>
+            </p:txBody>
+          </p:sp>
+        </mc:Choice>
+        <mc:Fallback>
+          <p:sp>
+            <p:nvSpPr>
+              <p:cNvPr id="2" name="Título 1"/>
+              <p:cNvSpPr>
+                <a:spLocks noGrp="1" noRot="1" noChangeAspect="1" noMove="1" noResize="1" noEditPoints="1" noAdjustHandles="1" noChangeArrowheads="1" noChangeShapeType="1" noTextEdit="1"/>
+              </p:cNvSpPr>
+              <p:nvPr>
+                <p:ph type="title"/>
+              </p:nvPr>
+            </p:nvSpPr>
+            <p:spPr>
+              <a:blipFill rotWithShape="0">
+                <a:blip r:embed="rId2"/>
+                <a:stretch>
+                  <a:fillRect/>
+                </a:stretch>
+              </a:blipFill>
+            </p:spPr>
+            <p:txBody>
+              <a:bodyPr/>
+              <a:lstStyle/>
+              <a:p>
+                <a:r>
+                  <a:rPr lang="es-CL">
+                    <a:noFill/>
+                  </a:rPr>
+                  <a:t> </a:t>
+                </a:r>
+              </a:p>
+            </p:txBody>
+          </p:sp>
+        </mc:Fallback>
+      </mc:AlternateContent>
+      <p:sp>
+        <p:nvSpPr>
+          <p:cNvPr id="3" name="Marcador de contenido 2"/>
           <p:cNvSpPr>
             <a:spLocks noGrp="1"/>
           </p:cNvSpPr>
           <p:nvPr>
-            <p:ph type="title"/>
+            <p:ph idx="1"/>
           </p:nvPr>
         </p:nvSpPr>
-        <p:spPr>
-          <a:xfrm>
-            <a:off x="667265" y="314727"/>
-            <a:ext cx="10515600" cy="1325563"/>
-          </a:xfrm>
-        </p:spPr>
+        <p:spPr/>
         <p:txBody>
           <a:bodyPr/>
           <a:lstStyle/>
           <a:p>
             <a:r>
-              <a:rPr lang="es-CL" dirty="0" err="1" smtClean="0"/>
-              <a:t>Tag</a:t>
-            </a:r>
+              <a:rPr lang="en-US" dirty="0"/>
+              <a:t>Non deterministic semantic, with branches that reduce to a value and</a:t>
+            </a:r>
+          </a:p>
+          <a:p>
+            <a:pPr marL="0" indent="0">
+              <a:buNone/>
+            </a:pPr>
             <a:r>
               <a:rPr lang="es-CL" dirty="0" smtClean="0"/>
               <a:t> </a:t>
             </a:r>
             <a:r>
               <a:rPr lang="es-CL" dirty="0" err="1" smtClean="0"/>
-              <a:t>Driven</a:t>
+              <a:t>other</a:t>
             </a:r>
             <a:r>
               <a:rPr lang="es-CL" dirty="0" smtClean="0"/>
               <a:t> </a:t>
             </a:r>
             <a:r>
+              <a:rPr lang="es-CL" dirty="0" err="1"/>
+              <a:t>ending</a:t>
+            </a:r>
+            <a:r>
+              <a:rPr lang="es-CL" dirty="0"/>
+              <a:t> in error.</a:t>
+            </a:r>
+          </a:p>
+          <a:p>
+            <a:r>
               <a:rPr lang="es-CL" dirty="0" err="1" smtClean="0"/>
-              <a:t>Language</a:t>
-            </a:r>
-            <a:endParaRPr lang="es-CL" dirty="0"/>
-          </a:p>
-        </p:txBody>
-      </p:sp>
-      <p:pic>
-        <p:nvPicPr>
-          <p:cNvPr id="5" name="Imagen 4"/>
-          <p:cNvPicPr>
-            <a:picLocks noChangeAspect="1"/>
-          </p:cNvPicPr>
-          <p:nvPr/>
-        </p:nvPicPr>
-        <p:blipFill>
-          <a:blip r:embed="rId2"/>
-          <a:stretch>
-            <a:fillRect/>
-          </a:stretch>
-        </p:blipFill>
-        <p:spPr>
-          <a:xfrm>
-            <a:off x="5214551" y="2140315"/>
-            <a:ext cx="6471851" cy="3903127"/>
-          </a:xfrm>
-          <a:prstGeom prst="rect">
-            <a:avLst/>
-          </a:prstGeom>
-        </p:spPr>
-      </p:pic>
-      <p:pic>
-        <p:nvPicPr>
-          <p:cNvPr id="7" name="Marcador de contenido 3"/>
-          <p:cNvPicPr>
-            <a:picLocks noGrp="1" noChangeAspect="1"/>
-          </p:cNvPicPr>
-          <p:nvPr>
-            <p:ph idx="1"/>
-          </p:nvPr>
-        </p:nvPicPr>
-        <p:blipFill>
-          <a:blip r:embed="rId3"/>
-          <a:stretch>
-            <a:fillRect/>
-          </a:stretch>
-        </p:blipFill>
-        <p:spPr>
-          <a:xfrm>
-            <a:off x="356801" y="2140315"/>
-            <a:ext cx="4857750" cy="3524250"/>
-          </a:xfrm>
-          <a:prstGeom prst="rect">
-            <a:avLst/>
-          </a:prstGeom>
-        </p:spPr>
-      </p:pic>
-      <p:sp>
-        <p:nvSpPr>
-          <p:cNvPr id="6" name="Rectángulo 5"/>
-          <p:cNvSpPr/>
-          <p:nvPr/>
-        </p:nvSpPr>
-        <p:spPr>
-          <a:xfrm>
-            <a:off x="1821592" y="4399005"/>
-            <a:ext cx="2898689" cy="265511"/>
-          </a:xfrm>
-          <a:prstGeom prst="rect">
-            <a:avLst/>
-          </a:prstGeom>
-          <a:noFill/>
-          <a:ln>
-            <a:solidFill>
-              <a:srgbClr val="FF0000"/>
-            </a:solidFill>
-          </a:ln>
-        </p:spPr>
-        <p:style>
-          <a:lnRef idx="2">
-            <a:schemeClr val="accent2"/>
-          </a:lnRef>
-          <a:fillRef idx="1">
-            <a:schemeClr val="lt1"/>
-          </a:fillRef>
-          <a:effectRef idx="0">
-            <a:schemeClr val="accent2"/>
-          </a:effectRef>
-          <a:fontRef idx="minor">
-            <a:schemeClr val="dk1"/>
-          </a:fontRef>
-        </p:style>
-        <p:txBody>
-          <a:bodyPr rtlCol="0" anchor="ctr"/>
-          <a:lstStyle/>
-          <a:p>
-            <a:pPr algn="ctr"/>
-            <a:endParaRPr lang="es-CL"/>
-          </a:p>
-        </p:txBody>
-      </p:sp>
-      <p:sp>
-        <p:nvSpPr>
-          <p:cNvPr id="8" name="Rectángulo 7"/>
-          <p:cNvSpPr/>
-          <p:nvPr/>
-        </p:nvSpPr>
-        <p:spPr>
-          <a:xfrm>
-            <a:off x="667265" y="2339546"/>
-            <a:ext cx="4053016" cy="1059410"/>
-          </a:xfrm>
-          <a:prstGeom prst="rect">
-            <a:avLst/>
-          </a:prstGeom>
-          <a:noFill/>
-          <a:ln>
-            <a:solidFill>
-              <a:srgbClr val="FF0000"/>
-            </a:solidFill>
-          </a:ln>
-        </p:spPr>
-        <p:style>
-          <a:lnRef idx="2">
-            <a:schemeClr val="accent2"/>
-          </a:lnRef>
-          <a:fillRef idx="1">
-            <a:schemeClr val="lt1"/>
-          </a:fillRef>
-          <a:effectRef idx="0">
-            <a:schemeClr val="accent2"/>
-          </a:effectRef>
-          <a:fontRef idx="minor">
-            <a:schemeClr val="dk1"/>
-          </a:fontRef>
-        </p:style>
-        <p:txBody>
-          <a:bodyPr rtlCol="0" anchor="ctr"/>
-          <a:lstStyle/>
-          <a:p>
-            <a:pPr algn="ctr"/>
-            <a:endParaRPr lang="es-CL"/>
+              <a:t>Name</a:t>
+            </a:r>
+            <a:r>
+              <a:rPr lang="es-CL" dirty="0" smtClean="0"/>
+              <a:t> </a:t>
+            </a:r>
+            <a:r>
+              <a:rPr lang="es-CL" dirty="0"/>
+              <a:t>error </a:t>
+            </a:r>
+            <a:r>
+              <a:rPr lang="es-CL" dirty="0" err="1"/>
+              <a:t>detection</a:t>
+            </a:r>
+            <a:r>
+              <a:rPr lang="es-CL" dirty="0"/>
+              <a:t>.</a:t>
+            </a:r>
+          </a:p>
+          <a:p>
+            <a:r>
+              <a:rPr lang="es-CL" dirty="0"/>
+              <a:t> </a:t>
+            </a:r>
+            <a:r>
+              <a:rPr lang="es-CL" dirty="0" err="1"/>
+              <a:t>Type</a:t>
+            </a:r>
+            <a:r>
+              <a:rPr lang="es-CL" dirty="0"/>
+              <a:t> error </a:t>
+            </a:r>
+            <a:r>
+              <a:rPr lang="es-CL" dirty="0" err="1"/>
+              <a:t>detection</a:t>
+            </a:r>
+            <a:r>
+              <a:rPr lang="es-CL" dirty="0"/>
+              <a:t>.</a:t>
+            </a:r>
+          </a:p>
+          <a:p>
+            <a:r>
+              <a:rPr lang="es-CL" dirty="0"/>
+              <a:t> </a:t>
+            </a:r>
+            <a:r>
+              <a:rPr lang="es-CL" dirty="0" err="1">
+                <a:solidFill>
+                  <a:srgbClr val="FF0000"/>
+                </a:solidFill>
+              </a:rPr>
+              <a:t>Dispatch</a:t>
+            </a:r>
+            <a:r>
+              <a:rPr lang="es-CL" dirty="0">
+                <a:solidFill>
+                  <a:srgbClr val="FF0000"/>
+                </a:solidFill>
+              </a:rPr>
+              <a:t> error </a:t>
+            </a:r>
+            <a:r>
+              <a:rPr lang="es-CL" dirty="0" err="1">
+                <a:solidFill>
+                  <a:srgbClr val="FF0000"/>
+                </a:solidFill>
+              </a:rPr>
+              <a:t>detection</a:t>
+            </a:r>
+            <a:r>
+              <a:rPr lang="es-CL" dirty="0">
+                <a:solidFill>
+                  <a:srgbClr val="FF0000"/>
+                </a:solidFill>
+              </a:rPr>
+              <a:t>.</a:t>
+            </a:r>
+          </a:p>
+          <a:p>
+            <a:r>
+              <a:rPr lang="en-US" dirty="0"/>
+              <a:t> Without any type information in the syntax of the language.</a:t>
+            </a:r>
+          </a:p>
+          <a:p>
+            <a:r>
+              <a:rPr lang="sv-SE" dirty="0"/>
+              <a:t> </a:t>
+            </a:r>
+            <a:r>
+              <a:rPr lang="sv-SE" dirty="0">
+                <a:solidFill>
+                  <a:srgbClr val="FF0000"/>
+                </a:solidFill>
+              </a:rPr>
+              <a:t>Semantic "tag driven", introducing at tag.</a:t>
+            </a:r>
+            <a:endParaRPr lang="es-CL" dirty="0">
+              <a:solidFill>
+                <a:srgbClr val="FF0000"/>
+              </a:solidFill>
+            </a:endParaRPr>
           </a:p>
         </p:txBody>
       </p:sp>
     </p:spTree>
     <p:extLst>
       <p:ext uri="{BB962C8B-B14F-4D97-AF65-F5344CB8AC3E}">
-        <p14:creationId xmlns:p14="http://schemas.microsoft.com/office/powerpoint/2010/main" val="2511990650"/>
+        <p14:creationId xmlns:p14="http://schemas.microsoft.com/office/powerpoint/2010/main" val="251584603"/>
       </p:ext>
     </p:extLst>
   </p:cSld>
   <p:clrMapOvr>
     <a:masterClrMapping/>
   </p:clrMapOvr>
-  <p:timing>
-    <p:tnLst>
-      <p:par>
-        <p:cTn id="1" dur="indefinite" restart="never" nodeType="tmRoot"/>
-      </p:par>
-    </p:tnLst>
-  </p:timing>
+  <mc:AlternateContent xmlns:mc="http://schemas.openxmlformats.org/markup-compatibility/2006">
+    <mc:Choice xmlns:p14="http://schemas.microsoft.com/office/powerpoint/2010/main" Requires="p14">
+      <p:transition spd="slow" p14:dur="2000"/>
+    </mc:Choice>
+    <mc:Fallback>
+      <p:transition spd="slow"/>
+    </mc:Fallback>
+  </mc:AlternateContent>
 </p:sld>
 </file>
 
